--- a/Slack UI Screenshot App.pptx
+++ b/Slack UI Screenshot App.pptx
@@ -4,11 +4,13 @@
   <p:sldMasterIdLst>
     <p:sldMasterId id="2147483792" r:id="rId1"/>
   </p:sldMasterIdLst>
+  <p:notesMasterIdLst>
+    <p:notesMasterId r:id="rId5"/>
+  </p:notesMasterIdLst>
   <p:sldIdLst>
     <p:sldId id="256" r:id="rId2"/>
-    <p:sldId id="257" r:id="rId3"/>
-    <p:sldId id="258" r:id="rId4"/>
-    <p:sldId id="259" r:id="rId5"/>
+    <p:sldId id="258" r:id="rId3"/>
+    <p:sldId id="259" r:id="rId4"/>
   </p:sldIdLst>
   <p:sldSz cx="9144000" cy="6858000" type="screen4x3"/>
   <p:notesSz cx="6858000" cy="9144000"/>
@@ -108,6 +110,440 @@
     </a:lvl9pPr>
   </p:defaultTextStyle>
 </p:presentation>
+</file>
+
+<file path=ppt/notesMasters/notesMaster1.xml><?xml version="1.0" encoding="utf-8"?>
+<p:notesMaster xmlns:a="http://schemas.openxmlformats.org/drawingml/2006/main" xmlns:r="http://schemas.openxmlformats.org/officeDocument/2006/relationships" xmlns:p="http://schemas.openxmlformats.org/presentationml/2006/main">
+  <p:cSld>
+    <p:bg>
+      <p:bgRef idx="1001">
+        <a:schemeClr val="bg1"/>
+      </p:bgRef>
+    </p:bg>
+    <p:spTree>
+      <p:nvGrpSpPr>
+        <p:cNvPr id="1" name=""/>
+        <p:cNvGrpSpPr/>
+        <p:nvPr/>
+      </p:nvGrpSpPr>
+      <p:grpSpPr>
+        <a:xfrm>
+          <a:off x="0" y="0"/>
+          <a:ext cx="0" cy="0"/>
+          <a:chOff x="0" y="0"/>
+          <a:chExt cx="0" cy="0"/>
+        </a:xfrm>
+      </p:grpSpPr>
+      <p:sp>
+        <p:nvSpPr>
+          <p:cNvPr id="2" name="Header Placeholder 1"/>
+          <p:cNvSpPr>
+            <a:spLocks noGrp="1"/>
+          </p:cNvSpPr>
+          <p:nvPr>
+            <p:ph type="hdr" sz="quarter"/>
+          </p:nvPr>
+        </p:nvSpPr>
+        <p:spPr>
+          <a:xfrm>
+            <a:off x="0" y="0"/>
+            <a:ext cx="2971800" cy="457200"/>
+          </a:xfrm>
+          <a:prstGeom prst="rect">
+            <a:avLst/>
+          </a:prstGeom>
+        </p:spPr>
+        <p:txBody>
+          <a:bodyPr vert="horz" lIns="91440" tIns="45720" rIns="91440" bIns="45720" rtlCol="0"/>
+          <a:lstStyle>
+            <a:lvl1pPr algn="l">
+              <a:defRPr sz="1200"/>
+            </a:lvl1pPr>
+          </a:lstStyle>
+          <a:p>
+            <a:endParaRPr lang="en-US"/>
+          </a:p>
+        </p:txBody>
+      </p:sp>
+      <p:sp>
+        <p:nvSpPr>
+          <p:cNvPr id="3" name="Date Placeholder 2"/>
+          <p:cNvSpPr>
+            <a:spLocks noGrp="1"/>
+          </p:cNvSpPr>
+          <p:nvPr>
+            <p:ph type="dt" idx="1"/>
+          </p:nvPr>
+        </p:nvSpPr>
+        <p:spPr>
+          <a:xfrm>
+            <a:off x="3884613" y="0"/>
+            <a:ext cx="2971800" cy="457200"/>
+          </a:xfrm>
+          <a:prstGeom prst="rect">
+            <a:avLst/>
+          </a:prstGeom>
+        </p:spPr>
+        <p:txBody>
+          <a:bodyPr vert="horz" lIns="91440" tIns="45720" rIns="91440" bIns="45720" rtlCol="0"/>
+          <a:lstStyle>
+            <a:lvl1pPr algn="r">
+              <a:defRPr sz="1200"/>
+            </a:lvl1pPr>
+          </a:lstStyle>
+          <a:p>
+            <a:fld id="{F355558A-C583-433E-8C58-C401C6E4FD44}" type="datetimeFigureOut">
+              <a:rPr lang="en-US" smtClean="0"/>
+              <a:t>4/27/2017</a:t>
+            </a:fld>
+            <a:endParaRPr lang="en-US"/>
+          </a:p>
+        </p:txBody>
+      </p:sp>
+      <p:sp>
+        <p:nvSpPr>
+          <p:cNvPr id="4" name="Slide Image Placeholder 3"/>
+          <p:cNvSpPr>
+            <a:spLocks noGrp="1" noRot="1" noChangeAspect="1"/>
+          </p:cNvSpPr>
+          <p:nvPr>
+            <p:ph type="sldImg" idx="2"/>
+          </p:nvPr>
+        </p:nvSpPr>
+        <p:spPr>
+          <a:xfrm>
+            <a:off x="1143000" y="685800"/>
+            <a:ext cx="4572000" cy="3429000"/>
+          </a:xfrm>
+          <a:prstGeom prst="rect">
+            <a:avLst/>
+          </a:prstGeom>
+          <a:noFill/>
+          <a:ln w="12700">
+            <a:solidFill>
+              <a:prstClr val="black"/>
+            </a:solidFill>
+          </a:ln>
+        </p:spPr>
+        <p:txBody>
+          <a:bodyPr vert="horz" lIns="91440" tIns="45720" rIns="91440" bIns="45720" rtlCol="0" anchor="ctr"/>
+          <a:lstStyle/>
+          <a:p>
+            <a:endParaRPr lang="en-US"/>
+          </a:p>
+        </p:txBody>
+      </p:sp>
+      <p:sp>
+        <p:nvSpPr>
+          <p:cNvPr id="5" name="Notes Placeholder 4"/>
+          <p:cNvSpPr>
+            <a:spLocks noGrp="1"/>
+          </p:cNvSpPr>
+          <p:nvPr>
+            <p:ph type="body" sz="quarter" idx="3"/>
+          </p:nvPr>
+        </p:nvSpPr>
+        <p:spPr>
+          <a:xfrm>
+            <a:off x="685800" y="4343400"/>
+            <a:ext cx="5486400" cy="4114800"/>
+          </a:xfrm>
+          <a:prstGeom prst="rect">
+            <a:avLst/>
+          </a:prstGeom>
+        </p:spPr>
+        <p:txBody>
+          <a:bodyPr vert="horz" lIns="91440" tIns="45720" rIns="91440" bIns="45720" rtlCol="0"/>
+          <a:lstStyle/>
+          <a:p>
+            <a:pPr lvl="0"/>
+            <a:r>
+              <a:rPr lang="en-US" smtClean="0"/>
+              <a:t>Click to edit Master text styles</a:t>
+            </a:r>
+          </a:p>
+          <a:p>
+            <a:pPr lvl="1"/>
+            <a:r>
+              <a:rPr lang="en-US" smtClean="0"/>
+              <a:t>Second level</a:t>
+            </a:r>
+          </a:p>
+          <a:p>
+            <a:pPr lvl="2"/>
+            <a:r>
+              <a:rPr lang="en-US" smtClean="0"/>
+              <a:t>Third level</a:t>
+            </a:r>
+          </a:p>
+          <a:p>
+            <a:pPr lvl="3"/>
+            <a:r>
+              <a:rPr lang="en-US" smtClean="0"/>
+              <a:t>Fourth level</a:t>
+            </a:r>
+          </a:p>
+          <a:p>
+            <a:pPr lvl="4"/>
+            <a:r>
+              <a:rPr lang="en-US" smtClean="0"/>
+              <a:t>Fifth level</a:t>
+            </a:r>
+            <a:endParaRPr lang="en-US"/>
+          </a:p>
+        </p:txBody>
+      </p:sp>
+      <p:sp>
+        <p:nvSpPr>
+          <p:cNvPr id="6" name="Footer Placeholder 5"/>
+          <p:cNvSpPr>
+            <a:spLocks noGrp="1"/>
+          </p:cNvSpPr>
+          <p:nvPr>
+            <p:ph type="ftr" sz="quarter" idx="4"/>
+          </p:nvPr>
+        </p:nvSpPr>
+        <p:spPr>
+          <a:xfrm>
+            <a:off x="0" y="8685213"/>
+            <a:ext cx="2971800" cy="457200"/>
+          </a:xfrm>
+          <a:prstGeom prst="rect">
+            <a:avLst/>
+          </a:prstGeom>
+        </p:spPr>
+        <p:txBody>
+          <a:bodyPr vert="horz" lIns="91440" tIns="45720" rIns="91440" bIns="45720" rtlCol="0" anchor="b"/>
+          <a:lstStyle>
+            <a:lvl1pPr algn="l">
+              <a:defRPr sz="1200"/>
+            </a:lvl1pPr>
+          </a:lstStyle>
+          <a:p>
+            <a:endParaRPr lang="en-US"/>
+          </a:p>
+        </p:txBody>
+      </p:sp>
+      <p:sp>
+        <p:nvSpPr>
+          <p:cNvPr id="7" name="Slide Number Placeholder 6"/>
+          <p:cNvSpPr>
+            <a:spLocks noGrp="1"/>
+          </p:cNvSpPr>
+          <p:nvPr>
+            <p:ph type="sldNum" sz="quarter" idx="5"/>
+          </p:nvPr>
+        </p:nvSpPr>
+        <p:spPr>
+          <a:xfrm>
+            <a:off x="3884613" y="8685213"/>
+            <a:ext cx="2971800" cy="457200"/>
+          </a:xfrm>
+          <a:prstGeom prst="rect">
+            <a:avLst/>
+          </a:prstGeom>
+        </p:spPr>
+        <p:txBody>
+          <a:bodyPr vert="horz" lIns="91440" tIns="45720" rIns="91440" bIns="45720" rtlCol="0" anchor="b"/>
+          <a:lstStyle>
+            <a:lvl1pPr algn="r">
+              <a:defRPr sz="1200"/>
+            </a:lvl1pPr>
+          </a:lstStyle>
+          <a:p>
+            <a:fld id="{7A7DE8C9-8C03-4509-B572-245EAFEE7719}" type="slidenum">
+              <a:rPr lang="en-US" smtClean="0"/>
+              <a:t>‹#›</a:t>
+            </a:fld>
+            <a:endParaRPr lang="en-US"/>
+          </a:p>
+        </p:txBody>
+      </p:sp>
+    </p:spTree>
+    <p:extLst>
+      <p:ext uri="{BB962C8B-B14F-4D97-AF65-F5344CB8AC3E}">
+        <p14:creationId xmlns:p14="http://schemas.microsoft.com/office/powerpoint/2010/main" val="523364535"/>
+      </p:ext>
+    </p:extLst>
+  </p:cSld>
+  <p:clrMap bg1="lt1" tx1="dk1" bg2="lt2" tx2="dk2" accent1="accent1" accent2="accent2" accent3="accent3" accent4="accent4" accent5="accent5" accent6="accent6" hlink="hlink" folHlink="folHlink"/>
+  <p:notesStyle>
+    <a:lvl1pPr marL="0" algn="l" defTabSz="914400" rtl="0" eaLnBrk="1" latinLnBrk="0" hangingPunct="1">
+      <a:defRPr sz="1200" kern="1200">
+        <a:solidFill>
+          <a:schemeClr val="tx1"/>
+        </a:solidFill>
+        <a:latin typeface="+mn-lt"/>
+        <a:ea typeface="+mn-ea"/>
+        <a:cs typeface="+mn-cs"/>
+      </a:defRPr>
+    </a:lvl1pPr>
+    <a:lvl2pPr marL="457200" algn="l" defTabSz="914400" rtl="0" eaLnBrk="1" latinLnBrk="0" hangingPunct="1">
+      <a:defRPr sz="1200" kern="1200">
+        <a:solidFill>
+          <a:schemeClr val="tx1"/>
+        </a:solidFill>
+        <a:latin typeface="+mn-lt"/>
+        <a:ea typeface="+mn-ea"/>
+        <a:cs typeface="+mn-cs"/>
+      </a:defRPr>
+    </a:lvl2pPr>
+    <a:lvl3pPr marL="914400" algn="l" defTabSz="914400" rtl="0" eaLnBrk="1" latinLnBrk="0" hangingPunct="1">
+      <a:defRPr sz="1200" kern="1200">
+        <a:solidFill>
+          <a:schemeClr val="tx1"/>
+        </a:solidFill>
+        <a:latin typeface="+mn-lt"/>
+        <a:ea typeface="+mn-ea"/>
+        <a:cs typeface="+mn-cs"/>
+      </a:defRPr>
+    </a:lvl3pPr>
+    <a:lvl4pPr marL="1371600" algn="l" defTabSz="914400" rtl="0" eaLnBrk="1" latinLnBrk="0" hangingPunct="1">
+      <a:defRPr sz="1200" kern="1200">
+        <a:solidFill>
+          <a:schemeClr val="tx1"/>
+        </a:solidFill>
+        <a:latin typeface="+mn-lt"/>
+        <a:ea typeface="+mn-ea"/>
+        <a:cs typeface="+mn-cs"/>
+      </a:defRPr>
+    </a:lvl4pPr>
+    <a:lvl5pPr marL="1828800" algn="l" defTabSz="914400" rtl="0" eaLnBrk="1" latinLnBrk="0" hangingPunct="1">
+      <a:defRPr sz="1200" kern="1200">
+        <a:solidFill>
+          <a:schemeClr val="tx1"/>
+        </a:solidFill>
+        <a:latin typeface="+mn-lt"/>
+        <a:ea typeface="+mn-ea"/>
+        <a:cs typeface="+mn-cs"/>
+      </a:defRPr>
+    </a:lvl5pPr>
+    <a:lvl6pPr marL="2286000" algn="l" defTabSz="914400" rtl="0" eaLnBrk="1" latinLnBrk="0" hangingPunct="1">
+      <a:defRPr sz="1200" kern="1200">
+        <a:solidFill>
+          <a:schemeClr val="tx1"/>
+        </a:solidFill>
+        <a:latin typeface="+mn-lt"/>
+        <a:ea typeface="+mn-ea"/>
+        <a:cs typeface="+mn-cs"/>
+      </a:defRPr>
+    </a:lvl6pPr>
+    <a:lvl7pPr marL="2743200" algn="l" defTabSz="914400" rtl="0" eaLnBrk="1" latinLnBrk="0" hangingPunct="1">
+      <a:defRPr sz="1200" kern="1200">
+        <a:solidFill>
+          <a:schemeClr val="tx1"/>
+        </a:solidFill>
+        <a:latin typeface="+mn-lt"/>
+        <a:ea typeface="+mn-ea"/>
+        <a:cs typeface="+mn-cs"/>
+      </a:defRPr>
+    </a:lvl7pPr>
+    <a:lvl8pPr marL="3200400" algn="l" defTabSz="914400" rtl="0" eaLnBrk="1" latinLnBrk="0" hangingPunct="1">
+      <a:defRPr sz="1200" kern="1200">
+        <a:solidFill>
+          <a:schemeClr val="tx1"/>
+        </a:solidFill>
+        <a:latin typeface="+mn-lt"/>
+        <a:ea typeface="+mn-ea"/>
+        <a:cs typeface="+mn-cs"/>
+      </a:defRPr>
+    </a:lvl8pPr>
+    <a:lvl9pPr marL="3657600" algn="l" defTabSz="914400" rtl="0" eaLnBrk="1" latinLnBrk="0" hangingPunct="1">
+      <a:defRPr sz="1200" kern="1200">
+        <a:solidFill>
+          <a:schemeClr val="tx1"/>
+        </a:solidFill>
+        <a:latin typeface="+mn-lt"/>
+        <a:ea typeface="+mn-ea"/>
+        <a:cs typeface="+mn-cs"/>
+      </a:defRPr>
+    </a:lvl9pPr>
+  </p:notesStyle>
+</p:notesMaster>
+</file>
+
+<file path=ppt/notesSlides/notesSlide1.xml><?xml version="1.0" encoding="utf-8"?>
+<p:notes xmlns:a="http://schemas.openxmlformats.org/drawingml/2006/main" xmlns:r="http://schemas.openxmlformats.org/officeDocument/2006/relationships" xmlns:p="http://schemas.openxmlformats.org/presentationml/2006/main">
+  <p:cSld>
+    <p:spTree>
+      <p:nvGrpSpPr>
+        <p:cNvPr id="1" name=""/>
+        <p:cNvGrpSpPr/>
+        <p:nvPr/>
+      </p:nvGrpSpPr>
+      <p:grpSpPr>
+        <a:xfrm>
+          <a:off x="0" y="0"/>
+          <a:ext cx="0" cy="0"/>
+          <a:chOff x="0" y="0"/>
+          <a:chExt cx="0" cy="0"/>
+        </a:xfrm>
+      </p:grpSpPr>
+      <p:sp>
+        <p:nvSpPr>
+          <p:cNvPr id="2" name="Slide Image Placeholder 1"/>
+          <p:cNvSpPr>
+            <a:spLocks noGrp="1" noRot="1" noChangeAspect="1"/>
+          </p:cNvSpPr>
+          <p:nvPr>
+            <p:ph type="sldImg"/>
+          </p:nvPr>
+        </p:nvSpPr>
+        <p:spPr/>
+      </p:sp>
+      <p:sp>
+        <p:nvSpPr>
+          <p:cNvPr id="3" name="Notes Placeholder 2"/>
+          <p:cNvSpPr>
+            <a:spLocks noGrp="1"/>
+          </p:cNvSpPr>
+          <p:nvPr>
+            <p:ph type="body" idx="1"/>
+          </p:nvPr>
+        </p:nvSpPr>
+        <p:spPr/>
+        <p:txBody>
+          <a:bodyPr/>
+          <a:lstStyle/>
+          <a:p>
+            <a:endParaRPr lang="en-US" dirty="0"/>
+          </a:p>
+        </p:txBody>
+      </p:sp>
+      <p:sp>
+        <p:nvSpPr>
+          <p:cNvPr id="4" name="Slide Number Placeholder 3"/>
+          <p:cNvSpPr>
+            <a:spLocks noGrp="1"/>
+          </p:cNvSpPr>
+          <p:nvPr>
+            <p:ph type="sldNum" sz="quarter" idx="10"/>
+          </p:nvPr>
+        </p:nvSpPr>
+        <p:spPr/>
+        <p:txBody>
+          <a:bodyPr/>
+          <a:lstStyle/>
+          <a:p>
+            <a:fld id="{7A7DE8C9-8C03-4509-B572-245EAFEE7719}" type="slidenum">
+              <a:rPr lang="en-US" smtClean="0"/>
+              <a:t>2</a:t>
+            </a:fld>
+            <a:endParaRPr lang="en-US"/>
+          </a:p>
+        </p:txBody>
+      </p:sp>
+    </p:spTree>
+    <p:extLst>
+      <p:ext uri="{BB962C8B-B14F-4D97-AF65-F5344CB8AC3E}">
+        <p14:creationId xmlns:p14="http://schemas.microsoft.com/office/powerpoint/2010/main" val="2351363554"/>
+      </p:ext>
+    </p:extLst>
+  </p:cSld>
+  <p:clrMapOvr>
+    <a:masterClrMapping/>
+  </p:clrMapOvr>
+</p:notes>
 </file>
 
 <file path=ppt/slideLayouts/slideLayout1.xml><?xml version="1.0" encoding="utf-8"?>
@@ -735,7 +1171,7 @@
           <a:p>
             <a:fld id="{B94EC5BE-1084-4C3B-ABA7-5D08BFDB57DD}" type="datetimeFigureOut">
               <a:rPr lang="en-US" smtClean="0"/>
-              <a:t>4/26/2017</a:t>
+              <a:t>4/27/2017</a:t>
             </a:fld>
             <a:endParaRPr lang="en-US"/>
           </a:p>
@@ -931,7 +1367,7 @@
           <a:p>
             <a:fld id="{B94EC5BE-1084-4C3B-ABA7-5D08BFDB57DD}" type="datetimeFigureOut">
               <a:rPr lang="en-US" smtClean="0"/>
-              <a:t>4/26/2017</a:t>
+              <a:t>4/27/2017</a:t>
             </a:fld>
             <a:endParaRPr lang="en-US"/>
           </a:p>
@@ -1116,7 +1552,7 @@
           <a:p>
             <a:fld id="{B94EC5BE-1084-4C3B-ABA7-5D08BFDB57DD}" type="datetimeFigureOut">
               <a:rPr lang="en-US" smtClean="0"/>
-              <a:t>4/26/2017</a:t>
+              <a:t>4/27/2017</a:t>
             </a:fld>
             <a:endParaRPr lang="en-US"/>
           </a:p>
@@ -1266,7 +1702,7 @@
           <a:p>
             <a:fld id="{B94EC5BE-1084-4C3B-ABA7-5D08BFDB57DD}" type="datetimeFigureOut">
               <a:rPr lang="en-US" smtClean="0"/>
-              <a:t>4/26/2017</a:t>
+              <a:t>4/27/2017</a:t>
             </a:fld>
             <a:endParaRPr lang="en-US"/>
           </a:p>
@@ -1521,7 +1957,7 @@
           <a:p>
             <a:fld id="{B94EC5BE-1084-4C3B-ABA7-5D08BFDB57DD}" type="datetimeFigureOut">
               <a:rPr lang="en-US" smtClean="0"/>
-              <a:t>4/26/2017</a:t>
+              <a:t>4/27/2017</a:t>
             </a:fld>
             <a:endParaRPr lang="en-US"/>
           </a:p>
@@ -1930,7 +2366,7 @@
           <a:p>
             <a:fld id="{B94EC5BE-1084-4C3B-ABA7-5D08BFDB57DD}" type="datetimeFigureOut">
               <a:rPr lang="en-US" smtClean="0"/>
-              <a:t>4/26/2017</a:t>
+              <a:t>4/27/2017</a:t>
             </a:fld>
             <a:endParaRPr lang="en-US"/>
           </a:p>
@@ -2376,7 +2812,7 @@
           <a:p>
             <a:fld id="{B94EC5BE-1084-4C3B-ABA7-5D08BFDB57DD}" type="datetimeFigureOut">
               <a:rPr lang="en-US" smtClean="0"/>
-              <a:t>4/26/2017</a:t>
+              <a:t>4/27/2017</a:t>
             </a:fld>
             <a:endParaRPr lang="en-US"/>
           </a:p>
@@ -2477,7 +2913,7 @@
           <a:p>
             <a:fld id="{B94EC5BE-1084-4C3B-ABA7-5D08BFDB57DD}" type="datetimeFigureOut">
               <a:rPr lang="en-US" smtClean="0"/>
-              <a:t>4/26/2017</a:t>
+              <a:t>4/27/2017</a:t>
             </a:fld>
             <a:endParaRPr lang="en-US"/>
           </a:p>
@@ -2598,7 +3034,7 @@
           <a:p>
             <a:fld id="{B94EC5BE-1084-4C3B-ABA7-5D08BFDB57DD}" type="datetimeFigureOut">
               <a:rPr lang="en-US" smtClean="0"/>
-              <a:t>4/26/2017</a:t>
+              <a:t>4/27/2017</a:t>
             </a:fld>
             <a:endParaRPr lang="en-US"/>
           </a:p>
@@ -2872,7 +3308,7 @@
           <a:p>
             <a:fld id="{B94EC5BE-1084-4C3B-ABA7-5D08BFDB57DD}" type="datetimeFigureOut">
               <a:rPr lang="en-US" smtClean="0"/>
-              <a:t>4/26/2017</a:t>
+              <a:t>4/27/2017</a:t>
             </a:fld>
             <a:endParaRPr lang="en-US"/>
           </a:p>
@@ -3077,7 +3513,7 @@
           <a:p>
             <a:fld id="{B94EC5BE-1084-4C3B-ABA7-5D08BFDB57DD}" type="datetimeFigureOut">
               <a:rPr lang="en-US" smtClean="0"/>
-              <a:t>4/26/2017</a:t>
+              <a:t>4/27/2017</a:t>
             </a:fld>
             <a:endParaRPr lang="en-US"/>
           </a:p>
@@ -4186,7 +4622,7 @@
           <a:p>
             <a:fld id="{B94EC5BE-1084-4C3B-ABA7-5D08BFDB57DD}" type="datetimeFigureOut">
               <a:rPr lang="en-US" smtClean="0"/>
-              <a:t>4/26/2017</a:t>
+              <a:t>4/27/2017</a:t>
             </a:fld>
             <a:endParaRPr lang="en-US"/>
           </a:p>
@@ -4667,108 +5103,6 @@
       </p:grpSpPr>
       <p:sp>
         <p:nvSpPr>
-          <p:cNvPr id="2" name="Content Placeholder 1"/>
-          <p:cNvSpPr>
-            <a:spLocks noGrp="1"/>
-          </p:cNvSpPr>
-          <p:nvPr>
-            <p:ph idx="1"/>
-          </p:nvPr>
-        </p:nvSpPr>
-        <p:spPr/>
-        <p:txBody>
-          <a:bodyPr/>
-          <a:lstStyle/>
-          <a:p>
-            <a:r>
-              <a:rPr lang="en-US" dirty="0" smtClean="0"/>
-              <a:t>/command</a:t>
-            </a:r>
-          </a:p>
-          <a:p>
-            <a:r>
-              <a:rPr lang="en-US" dirty="0" smtClean="0"/>
-              <a:t>/</a:t>
-            </a:r>
-            <a:r>
-              <a:rPr lang="en-US" dirty="0" err="1" smtClean="0"/>
-              <a:t>ss</a:t>
-            </a:r>
-            <a:r>
-              <a:rPr lang="en-US" dirty="0"/>
-              <a:t> </a:t>
-            </a:r>
-            <a:r>
-              <a:rPr lang="en-US" dirty="0" smtClean="0"/>
-              <a:t>www.yahoo.com</a:t>
-            </a:r>
-          </a:p>
-          <a:p>
-            <a:r>
-              <a:rPr lang="en-US" dirty="0" smtClean="0"/>
-              <a:t>Screenshots</a:t>
-            </a:r>
-          </a:p>
-          <a:p>
-            <a:r>
-              <a:rPr lang="en-US" dirty="0" smtClean="0"/>
-              <a:t>done</a:t>
-            </a:r>
-            <a:endParaRPr lang="en-US" dirty="0"/>
-          </a:p>
-        </p:txBody>
-      </p:sp>
-      <p:sp>
-        <p:nvSpPr>
-          <p:cNvPr id="3" name="Title 2"/>
-          <p:cNvSpPr>
-            <a:spLocks noGrp="1"/>
-          </p:cNvSpPr>
-          <p:nvPr>
-            <p:ph type="title"/>
-          </p:nvPr>
-        </p:nvSpPr>
-        <p:spPr/>
-        <p:txBody>
-          <a:bodyPr/>
-          <a:lstStyle/>
-          <a:p>
-            <a:endParaRPr lang="en-US"/>
-          </a:p>
-        </p:txBody>
-      </p:sp>
-    </p:spTree>
-    <p:extLst>
-      <p:ext uri="{BB962C8B-B14F-4D97-AF65-F5344CB8AC3E}">
-        <p14:creationId xmlns:p14="http://schemas.microsoft.com/office/powerpoint/2010/main" val="2886195350"/>
-      </p:ext>
-    </p:extLst>
-  </p:cSld>
-  <p:clrMapOvr>
-    <a:masterClrMapping/>
-  </p:clrMapOvr>
-</p:sld>
-</file>
-
-<file path=ppt/slides/slide3.xml><?xml version="1.0" encoding="utf-8"?>
-<p:sld xmlns:a="http://schemas.openxmlformats.org/drawingml/2006/main" xmlns:r="http://schemas.openxmlformats.org/officeDocument/2006/relationships" xmlns:p="http://schemas.openxmlformats.org/presentationml/2006/main">
-  <p:cSld>
-    <p:spTree>
-      <p:nvGrpSpPr>
-        <p:cNvPr id="1" name=""/>
-        <p:cNvGrpSpPr/>
-        <p:nvPr/>
-      </p:nvGrpSpPr>
-      <p:grpSpPr>
-        <a:xfrm>
-          <a:off x="0" y="0"/>
-          <a:ext cx="0" cy="0"/>
-          <a:chOff x="0" y="0"/>
-          <a:chExt cx="0" cy="0"/>
-        </a:xfrm>
-      </p:grpSpPr>
-      <p:sp>
-        <p:nvSpPr>
           <p:cNvPr id="17" name="Rounded Rectangle 16"/>
           <p:cNvSpPr/>
           <p:nvPr/>
@@ -4912,7 +5246,7 @@
         </p:nvSpPr>
         <p:spPr>
           <a:xfrm>
-            <a:off x="7391400" y="152400"/>
+            <a:off x="6553200" y="152400"/>
             <a:ext cx="1219200" cy="457200"/>
           </a:xfrm>
           <a:prstGeom prst="roundRect">
@@ -5055,7 +5389,7 @@
         </p:nvCxnSpPr>
         <p:spPr>
           <a:xfrm>
-            <a:off x="8001000" y="638973"/>
+            <a:off x="7162800" y="638973"/>
             <a:ext cx="0" cy="5229220"/>
           </a:xfrm>
           <a:prstGeom prst="straightConnector1">
@@ -5064,6 +5398,688 @@
           <a:ln w="57150">
             <a:tailEnd type="arrow"/>
           </a:ln>
+        </p:spPr>
+        <p:style>
+          <a:lnRef idx="1">
+            <a:schemeClr val="accent1"/>
+          </a:lnRef>
+          <a:fillRef idx="0">
+            <a:schemeClr val="accent1"/>
+          </a:fillRef>
+          <a:effectRef idx="0">
+            <a:schemeClr val="accent1"/>
+          </a:effectRef>
+          <a:fontRef idx="minor">
+            <a:schemeClr val="tx1"/>
+          </a:fontRef>
+        </p:style>
+      </p:cxnSp>
+      <p:sp>
+        <p:nvSpPr>
+          <p:cNvPr id="2" name="TextBox 1"/>
+          <p:cNvSpPr txBox="1"/>
+          <p:nvPr/>
+        </p:nvSpPr>
+        <p:spPr>
+          <a:xfrm>
+            <a:off x="838200" y="685800"/>
+            <a:ext cx="1513556" cy="230832"/>
+          </a:xfrm>
+          <a:prstGeom prst="rect">
+            <a:avLst/>
+          </a:prstGeom>
+          <a:noFill/>
+        </p:spPr>
+        <p:txBody>
+          <a:bodyPr wrap="none" rtlCol="0">
+            <a:spAutoFit/>
+          </a:bodyPr>
+          <a:lstStyle/>
+          <a:p>
+            <a:r>
+              <a:rPr lang="en-US" sz="900" b="1" dirty="0" smtClean="0"/>
+              <a:t>/</a:t>
+            </a:r>
+            <a:r>
+              <a:rPr lang="en-US" sz="900" b="1" dirty="0" err="1" smtClean="0"/>
+              <a:t>ss</a:t>
+            </a:r>
+            <a:r>
+              <a:rPr lang="en-US" sz="900" b="1" dirty="0" smtClean="0"/>
+              <a:t> test01.dev.kbb.com</a:t>
+            </a:r>
+            <a:endParaRPr lang="en-US" sz="900" b="1" dirty="0"/>
+          </a:p>
+        </p:txBody>
+      </p:sp>
+      <p:sp>
+        <p:nvSpPr>
+          <p:cNvPr id="11" name="TextBox 10"/>
+          <p:cNvSpPr txBox="1"/>
+          <p:nvPr/>
+        </p:nvSpPr>
+        <p:spPr>
+          <a:xfrm>
+            <a:off x="3155368" y="1219200"/>
+            <a:ext cx="1340432" cy="230832"/>
+          </a:xfrm>
+          <a:prstGeom prst="rect">
+            <a:avLst/>
+          </a:prstGeom>
+          <a:noFill/>
+        </p:spPr>
+        <p:txBody>
+          <a:bodyPr wrap="none" rtlCol="0">
+            <a:spAutoFit/>
+          </a:bodyPr>
+          <a:lstStyle/>
+          <a:p>
+            <a:r>
+              <a:rPr lang="en-US" sz="900" b="1" dirty="0" smtClean="0"/>
+              <a:t>Request screenshots</a:t>
+            </a:r>
+            <a:endParaRPr lang="en-US" sz="900" b="1" dirty="0"/>
+          </a:p>
+        </p:txBody>
+      </p:sp>
+      <p:sp>
+        <p:nvSpPr>
+          <p:cNvPr id="12" name="TextBox 11"/>
+          <p:cNvSpPr txBox="1"/>
+          <p:nvPr/>
+        </p:nvSpPr>
+        <p:spPr>
+          <a:xfrm>
+            <a:off x="5410200" y="1600200"/>
+            <a:ext cx="1438214" cy="230832"/>
+          </a:xfrm>
+          <a:prstGeom prst="rect">
+            <a:avLst/>
+          </a:prstGeom>
+          <a:noFill/>
+        </p:spPr>
+        <p:txBody>
+          <a:bodyPr wrap="none" rtlCol="0">
+            <a:spAutoFit/>
+          </a:bodyPr>
+          <a:lstStyle/>
+          <a:p>
+            <a:r>
+              <a:rPr lang="en-US" sz="900" b="1" dirty="0" smtClean="0"/>
+              <a:t>Submit screenshot job</a:t>
+            </a:r>
+            <a:endParaRPr lang="en-US" sz="900" b="1" dirty="0"/>
+          </a:p>
+        </p:txBody>
+      </p:sp>
+      <p:sp>
+        <p:nvSpPr>
+          <p:cNvPr id="13" name="TextBox 12"/>
+          <p:cNvSpPr txBox="1"/>
+          <p:nvPr/>
+        </p:nvSpPr>
+        <p:spPr>
+          <a:xfrm>
+            <a:off x="7315200" y="2207568"/>
+            <a:ext cx="1396536" cy="230832"/>
+          </a:xfrm>
+          <a:prstGeom prst="rect">
+            <a:avLst/>
+          </a:prstGeom>
+          <a:noFill/>
+        </p:spPr>
+        <p:txBody>
+          <a:bodyPr wrap="none" rtlCol="0">
+            <a:spAutoFit/>
+          </a:bodyPr>
+          <a:lstStyle/>
+          <a:p>
+            <a:r>
+              <a:rPr lang="en-US" sz="900" b="1" dirty="0" smtClean="0"/>
+              <a:t>Generate Screenshots</a:t>
+            </a:r>
+            <a:endParaRPr lang="en-US" sz="900" b="1" dirty="0"/>
+          </a:p>
+        </p:txBody>
+      </p:sp>
+      <p:sp>
+        <p:nvSpPr>
+          <p:cNvPr id="14" name="TextBox 13"/>
+          <p:cNvSpPr txBox="1"/>
+          <p:nvPr/>
+        </p:nvSpPr>
+        <p:spPr>
+          <a:xfrm>
+            <a:off x="5562600" y="2362200"/>
+            <a:ext cx="1183337" cy="369332"/>
+          </a:xfrm>
+          <a:prstGeom prst="rect">
+            <a:avLst/>
+          </a:prstGeom>
+          <a:noFill/>
+        </p:spPr>
+        <p:txBody>
+          <a:bodyPr wrap="none" rtlCol="0">
+            <a:spAutoFit/>
+          </a:bodyPr>
+          <a:lstStyle/>
+          <a:p>
+            <a:r>
+              <a:rPr lang="en-US" sz="900" b="1" dirty="0" smtClean="0"/>
+              <a:t>poll for job status</a:t>
+            </a:r>
+          </a:p>
+          <a:p>
+            <a:r>
+              <a:rPr lang="en-US" sz="900" b="1" dirty="0" smtClean="0"/>
+              <a:t>every 3 seconds</a:t>
+            </a:r>
+            <a:endParaRPr lang="en-US" sz="900" b="1" dirty="0"/>
+          </a:p>
+        </p:txBody>
+      </p:sp>
+      <p:sp>
+        <p:nvSpPr>
+          <p:cNvPr id="15" name="TextBox 14"/>
+          <p:cNvSpPr txBox="1"/>
+          <p:nvPr/>
+        </p:nvSpPr>
+        <p:spPr>
+          <a:xfrm>
+            <a:off x="7239000" y="3124200"/>
+            <a:ext cx="1638590" cy="230832"/>
+          </a:xfrm>
+          <a:prstGeom prst="rect">
+            <a:avLst/>
+          </a:prstGeom>
+          <a:noFill/>
+        </p:spPr>
+        <p:txBody>
+          <a:bodyPr wrap="none" rtlCol="0">
+            <a:spAutoFit/>
+          </a:bodyPr>
+          <a:lstStyle/>
+          <a:p>
+            <a:r>
+              <a:rPr lang="en-US" sz="900" b="1" dirty="0" smtClean="0"/>
+              <a:t>All screenshots </a:t>
+            </a:r>
+            <a:r>
+              <a:rPr lang="en-US" sz="900" b="1" dirty="0" smtClean="0"/>
+              <a:t>generated</a:t>
+            </a:r>
+            <a:endParaRPr lang="en-US" sz="900" b="1" dirty="0"/>
+          </a:p>
+        </p:txBody>
+      </p:sp>
+      <p:sp>
+        <p:nvSpPr>
+          <p:cNvPr id="16" name="TextBox 15"/>
+          <p:cNvSpPr txBox="1"/>
+          <p:nvPr/>
+        </p:nvSpPr>
+        <p:spPr>
+          <a:xfrm>
+            <a:off x="2895600" y="3883968"/>
+            <a:ext cx="2068195" cy="230832"/>
+          </a:xfrm>
+          <a:prstGeom prst="rect">
+            <a:avLst/>
+          </a:prstGeom>
+          <a:noFill/>
+        </p:spPr>
+        <p:txBody>
+          <a:bodyPr wrap="none" rtlCol="0">
+            <a:spAutoFit/>
+          </a:bodyPr>
+          <a:lstStyle/>
+          <a:p>
+            <a:r>
+              <a:rPr lang="en-US" sz="900" b="1" dirty="0" smtClean="0"/>
+              <a:t>Send </a:t>
+            </a:r>
+            <a:r>
+              <a:rPr lang="en-US" sz="900" b="1" dirty="0" smtClean="0"/>
+              <a:t>screenshot </a:t>
+            </a:r>
+            <a:r>
+              <a:rPr lang="en-US" sz="900" b="1" dirty="0" err="1" smtClean="0"/>
+              <a:t>urls</a:t>
+            </a:r>
+            <a:r>
+              <a:rPr lang="en-US" sz="900" b="1" dirty="0" smtClean="0"/>
+              <a:t> to slack app</a:t>
+            </a:r>
+            <a:endParaRPr lang="en-US" sz="900" b="1" dirty="0"/>
+          </a:p>
+        </p:txBody>
+      </p:sp>
+      <p:sp>
+        <p:nvSpPr>
+          <p:cNvPr id="21" name="TextBox 20"/>
+          <p:cNvSpPr txBox="1"/>
+          <p:nvPr/>
+        </p:nvSpPr>
+        <p:spPr>
+          <a:xfrm>
+            <a:off x="990600" y="4292769"/>
+            <a:ext cx="1524000" cy="507831"/>
+          </a:xfrm>
+          <a:prstGeom prst="rect">
+            <a:avLst/>
+          </a:prstGeom>
+          <a:noFill/>
+        </p:spPr>
+        <p:txBody>
+          <a:bodyPr wrap="square" rtlCol="0">
+            <a:spAutoFit/>
+          </a:bodyPr>
+          <a:lstStyle/>
+          <a:p>
+            <a:r>
+              <a:rPr lang="en-US" sz="900" b="1" dirty="0" smtClean="0"/>
+              <a:t>Post </a:t>
+            </a:r>
+            <a:r>
+              <a:rPr lang="en-US" sz="900" b="1" dirty="0" smtClean="0"/>
+              <a:t>message </a:t>
+            </a:r>
+            <a:r>
+              <a:rPr lang="en-US" sz="900" b="1" dirty="0" smtClean="0"/>
+              <a:t>with screenshot </a:t>
+            </a:r>
+            <a:r>
+              <a:rPr lang="en-US" sz="900" b="1" dirty="0" err="1" smtClean="0"/>
+              <a:t>urls</a:t>
+            </a:r>
+            <a:r>
+              <a:rPr lang="en-US" sz="900" b="1" dirty="0" smtClean="0"/>
+              <a:t> to </a:t>
+            </a:r>
+            <a:r>
+              <a:rPr lang="en-US" sz="900" b="1" dirty="0" smtClean="0"/>
+              <a:t>channel</a:t>
+            </a:r>
+            <a:endParaRPr lang="en-US" sz="900" b="1" dirty="0"/>
+          </a:p>
+        </p:txBody>
+      </p:sp>
+      <p:cxnSp>
+        <p:nvCxnSpPr>
+          <p:cNvPr id="4" name="Straight Arrow Connector 3"/>
+          <p:cNvCxnSpPr/>
+          <p:nvPr/>
+        </p:nvCxnSpPr>
+        <p:spPr>
+          <a:xfrm>
+            <a:off x="571500" y="838200"/>
+            <a:ext cx="2139583" cy="266700"/>
+          </a:xfrm>
+          <a:prstGeom prst="straightConnector1">
+            <a:avLst/>
+          </a:prstGeom>
+          <a:ln>
+            <a:tailEnd type="arrow"/>
+          </a:ln>
+        </p:spPr>
+        <p:style>
+          <a:lnRef idx="1">
+            <a:schemeClr val="accent1"/>
+          </a:lnRef>
+          <a:fillRef idx="0">
+            <a:schemeClr val="accent1"/>
+          </a:fillRef>
+          <a:effectRef idx="0">
+            <a:schemeClr val="accent1"/>
+          </a:effectRef>
+          <a:fontRef idx="minor">
+            <a:schemeClr val="tx1"/>
+          </a:fontRef>
+        </p:style>
+      </p:cxnSp>
+      <p:cxnSp>
+        <p:nvCxnSpPr>
+          <p:cNvPr id="23" name="Straight Arrow Connector 22"/>
+          <p:cNvCxnSpPr/>
+          <p:nvPr/>
+        </p:nvCxnSpPr>
+        <p:spPr>
+          <a:xfrm>
+            <a:off x="2705100" y="1370484"/>
+            <a:ext cx="2400300" cy="266700"/>
+          </a:xfrm>
+          <a:prstGeom prst="straightConnector1">
+            <a:avLst/>
+          </a:prstGeom>
+          <a:ln>
+            <a:tailEnd type="arrow"/>
+          </a:ln>
+        </p:spPr>
+        <p:style>
+          <a:lnRef idx="1">
+            <a:schemeClr val="accent1"/>
+          </a:lnRef>
+          <a:fillRef idx="0">
+            <a:schemeClr val="accent1"/>
+          </a:fillRef>
+          <a:effectRef idx="0">
+            <a:schemeClr val="accent1"/>
+          </a:effectRef>
+          <a:fontRef idx="minor">
+            <a:schemeClr val="tx1"/>
+          </a:fontRef>
+        </p:style>
+      </p:cxnSp>
+      <p:cxnSp>
+        <p:nvCxnSpPr>
+          <p:cNvPr id="26" name="Straight Arrow Connector 25"/>
+          <p:cNvCxnSpPr/>
+          <p:nvPr/>
+        </p:nvCxnSpPr>
+        <p:spPr>
+          <a:xfrm>
+            <a:off x="5105400" y="1751484"/>
+            <a:ext cx="2057400" cy="229716"/>
+          </a:xfrm>
+          <a:prstGeom prst="straightConnector1">
+            <a:avLst/>
+          </a:prstGeom>
+          <a:ln>
+            <a:tailEnd type="arrow"/>
+          </a:ln>
+        </p:spPr>
+        <p:style>
+          <a:lnRef idx="1">
+            <a:schemeClr val="accent1"/>
+          </a:lnRef>
+          <a:fillRef idx="0">
+            <a:schemeClr val="accent1"/>
+          </a:fillRef>
+          <a:effectRef idx="0">
+            <a:schemeClr val="accent1"/>
+          </a:effectRef>
+          <a:fontRef idx="minor">
+            <a:schemeClr val="tx1"/>
+          </a:fontRef>
+        </p:style>
+      </p:cxnSp>
+      <p:cxnSp>
+        <p:nvCxnSpPr>
+          <p:cNvPr id="31" name="Straight Arrow Connector 30"/>
+          <p:cNvCxnSpPr/>
+          <p:nvPr/>
+        </p:nvCxnSpPr>
+        <p:spPr>
+          <a:xfrm>
+            <a:off x="5105400" y="2628342"/>
+            <a:ext cx="2057400" cy="267258"/>
+          </a:xfrm>
+          <a:prstGeom prst="straightConnector1">
+            <a:avLst/>
+          </a:prstGeom>
+          <a:ln>
+            <a:tailEnd type="arrow"/>
+          </a:ln>
+        </p:spPr>
+        <p:style>
+          <a:lnRef idx="1">
+            <a:schemeClr val="accent1"/>
+          </a:lnRef>
+          <a:fillRef idx="0">
+            <a:schemeClr val="accent1"/>
+          </a:fillRef>
+          <a:effectRef idx="0">
+            <a:schemeClr val="accent1"/>
+          </a:effectRef>
+          <a:fontRef idx="minor">
+            <a:schemeClr val="tx1"/>
+          </a:fontRef>
+        </p:style>
+      </p:cxnSp>
+      <p:cxnSp>
+        <p:nvCxnSpPr>
+          <p:cNvPr id="34" name="Straight Arrow Connector 33"/>
+          <p:cNvCxnSpPr/>
+          <p:nvPr/>
+        </p:nvCxnSpPr>
+        <p:spPr>
+          <a:xfrm flipH="1">
+            <a:off x="5105400" y="3620616"/>
+            <a:ext cx="2057400" cy="265584"/>
+          </a:xfrm>
+          <a:prstGeom prst="straightConnector1">
+            <a:avLst/>
+          </a:prstGeom>
+          <a:ln>
+            <a:tailEnd type="arrow"/>
+          </a:ln>
+        </p:spPr>
+        <p:style>
+          <a:lnRef idx="1">
+            <a:schemeClr val="accent1"/>
+          </a:lnRef>
+          <a:fillRef idx="0">
+            <a:schemeClr val="accent1"/>
+          </a:fillRef>
+          <a:effectRef idx="0">
+            <a:schemeClr val="accent1"/>
+          </a:effectRef>
+          <a:fontRef idx="minor">
+            <a:schemeClr val="tx1"/>
+          </a:fontRef>
+        </p:style>
+      </p:cxnSp>
+      <p:sp>
+        <p:nvSpPr>
+          <p:cNvPr id="36" name="TextBox 35"/>
+          <p:cNvSpPr txBox="1"/>
+          <p:nvPr/>
+        </p:nvSpPr>
+        <p:spPr>
+          <a:xfrm>
+            <a:off x="5398946" y="3502968"/>
+            <a:ext cx="1459054" cy="230832"/>
+          </a:xfrm>
+          <a:prstGeom prst="rect">
+            <a:avLst/>
+          </a:prstGeom>
+          <a:noFill/>
+        </p:spPr>
+        <p:txBody>
+          <a:bodyPr wrap="none" rtlCol="0">
+            <a:spAutoFit/>
+          </a:bodyPr>
+          <a:lstStyle/>
+          <a:p>
+            <a:r>
+              <a:rPr lang="en-US" sz="900" b="1" dirty="0" smtClean="0"/>
+              <a:t>All image </a:t>
+            </a:r>
+            <a:r>
+              <a:rPr lang="en-US" sz="900" b="1" dirty="0" err="1" smtClean="0"/>
+              <a:t>urls</a:t>
+            </a:r>
+            <a:r>
+              <a:rPr lang="en-US" sz="900" b="1" dirty="0" smtClean="0"/>
+              <a:t> received</a:t>
+            </a:r>
+            <a:endParaRPr lang="en-US" sz="900" b="1" dirty="0"/>
+          </a:p>
+        </p:txBody>
+      </p:sp>
+      <p:cxnSp>
+        <p:nvCxnSpPr>
+          <p:cNvPr id="37" name="Straight Arrow Connector 36"/>
+          <p:cNvCxnSpPr/>
+          <p:nvPr/>
+        </p:nvCxnSpPr>
+        <p:spPr>
+          <a:xfrm flipH="1">
+            <a:off x="2705100" y="4041119"/>
+            <a:ext cx="2379518" cy="302281"/>
+          </a:xfrm>
+          <a:prstGeom prst="straightConnector1">
+            <a:avLst/>
+          </a:prstGeom>
+          <a:ln>
+            <a:tailEnd type="arrow"/>
+          </a:ln>
+        </p:spPr>
+        <p:style>
+          <a:lnRef idx="1">
+            <a:schemeClr val="accent1"/>
+          </a:lnRef>
+          <a:fillRef idx="0">
+            <a:schemeClr val="accent1"/>
+          </a:fillRef>
+          <a:effectRef idx="0">
+            <a:schemeClr val="accent1"/>
+          </a:effectRef>
+          <a:fontRef idx="minor">
+            <a:schemeClr val="tx1"/>
+          </a:fontRef>
+        </p:style>
+      </p:cxnSp>
+      <p:cxnSp>
+        <p:nvCxnSpPr>
+          <p:cNvPr id="39" name="Straight Arrow Connector 38"/>
+          <p:cNvCxnSpPr/>
+          <p:nvPr/>
+        </p:nvCxnSpPr>
+        <p:spPr>
+          <a:xfrm flipH="1">
+            <a:off x="571501" y="4648200"/>
+            <a:ext cx="2130450" cy="314727"/>
+          </a:xfrm>
+          <a:prstGeom prst="straightConnector1">
+            <a:avLst/>
+          </a:prstGeom>
+          <a:ln>
+            <a:tailEnd type="arrow"/>
+          </a:ln>
+        </p:spPr>
+        <p:style>
+          <a:lnRef idx="1">
+            <a:schemeClr val="accent1"/>
+          </a:lnRef>
+          <a:fillRef idx="0">
+            <a:schemeClr val="accent1"/>
+          </a:fillRef>
+          <a:effectRef idx="0">
+            <a:schemeClr val="accent1"/>
+          </a:effectRef>
+          <a:fontRef idx="minor">
+            <a:schemeClr val="tx1"/>
+          </a:fontRef>
+        </p:style>
+      </p:cxnSp>
+      <p:cxnSp>
+        <p:nvCxnSpPr>
+          <p:cNvPr id="63" name="Straight Connector 62"/>
+          <p:cNvCxnSpPr/>
+          <p:nvPr/>
+        </p:nvCxnSpPr>
+        <p:spPr>
+          <a:xfrm>
+            <a:off x="7162800" y="2133600"/>
+            <a:ext cx="1828800" cy="0"/>
+          </a:xfrm>
+          <a:prstGeom prst="line">
+            <a:avLst/>
+          </a:prstGeom>
+        </p:spPr>
+        <p:style>
+          <a:lnRef idx="1">
+            <a:schemeClr val="accent1"/>
+          </a:lnRef>
+          <a:fillRef idx="0">
+            <a:schemeClr val="accent1"/>
+          </a:fillRef>
+          <a:effectRef idx="0">
+            <a:schemeClr val="accent1"/>
+          </a:effectRef>
+          <a:fontRef idx="minor">
+            <a:schemeClr val="tx1"/>
+          </a:fontRef>
+        </p:style>
+      </p:cxnSp>
+      <p:cxnSp>
+        <p:nvCxnSpPr>
+          <p:cNvPr id="66" name="Straight Connector 65"/>
+          <p:cNvCxnSpPr/>
+          <p:nvPr/>
+        </p:nvCxnSpPr>
+        <p:spPr>
+          <a:xfrm>
+            <a:off x="8991600" y="2133600"/>
+            <a:ext cx="0" cy="1334616"/>
+          </a:xfrm>
+          <a:prstGeom prst="line">
+            <a:avLst/>
+          </a:prstGeom>
+        </p:spPr>
+        <p:style>
+          <a:lnRef idx="1">
+            <a:schemeClr val="accent1"/>
+          </a:lnRef>
+          <a:fillRef idx="0">
+            <a:schemeClr val="accent1"/>
+          </a:fillRef>
+          <a:effectRef idx="0">
+            <a:schemeClr val="accent1"/>
+          </a:effectRef>
+          <a:fontRef idx="minor">
+            <a:schemeClr val="tx1"/>
+          </a:fontRef>
+        </p:style>
+      </p:cxnSp>
+      <p:cxnSp>
+        <p:nvCxnSpPr>
+          <p:cNvPr id="74" name="Straight Arrow Connector 73"/>
+          <p:cNvCxnSpPr/>
+          <p:nvPr/>
+        </p:nvCxnSpPr>
+        <p:spPr>
+          <a:xfrm>
+            <a:off x="8013468" y="2514600"/>
+            <a:ext cx="0" cy="533400"/>
+          </a:xfrm>
+          <a:prstGeom prst="straightConnector1">
+            <a:avLst/>
+          </a:prstGeom>
+          <a:ln>
+            <a:tailEnd type="arrow"/>
+          </a:ln>
+        </p:spPr>
+        <p:style>
+          <a:lnRef idx="1">
+            <a:schemeClr val="accent1"/>
+          </a:lnRef>
+          <a:fillRef idx="0">
+            <a:schemeClr val="accent1"/>
+          </a:fillRef>
+          <a:effectRef idx="0">
+            <a:schemeClr val="accent1"/>
+          </a:effectRef>
+          <a:fontRef idx="minor">
+            <a:schemeClr val="tx1"/>
+          </a:fontRef>
+        </p:style>
+      </p:cxnSp>
+      <p:cxnSp>
+        <p:nvCxnSpPr>
+          <p:cNvPr id="77" name="Straight Connector 76"/>
+          <p:cNvCxnSpPr/>
+          <p:nvPr/>
+        </p:nvCxnSpPr>
+        <p:spPr>
+          <a:xfrm>
+            <a:off x="7162800" y="3468216"/>
+            <a:ext cx="1828800" cy="0"/>
+          </a:xfrm>
+          <a:prstGeom prst="line">
+            <a:avLst/>
+          </a:prstGeom>
         </p:spPr>
         <p:style>
           <a:lnRef idx="1">
@@ -5100,7 +6116,7 @@
 </p:sld>
 </file>
 
-<file path=ppt/slides/slide4.xml><?xml version="1.0" encoding="utf-8"?>
+<file path=ppt/slides/slide3.xml><?xml version="1.0" encoding="utf-8"?>
 <p:sld xmlns:a="http://schemas.openxmlformats.org/drawingml/2006/main" xmlns:r="http://schemas.openxmlformats.org/officeDocument/2006/relationships" xmlns:p="http://schemas.openxmlformats.org/presentationml/2006/main">
   <p:cSld>
     <p:spTree>
@@ -5479,4 +6495,289 @@
   <a:objectDefaults/>
   <a:extraClrSchemeLst/>
 </a:theme>
+</file>
+
+<file path=ppt/theme/theme2.xml><?xml version="1.0" encoding="utf-8"?>
+<a:theme xmlns:a="http://schemas.openxmlformats.org/drawingml/2006/main" name="Office Theme">
+  <a:themeElements>
+    <a:clrScheme name="Office">
+      <a:dk1>
+        <a:sysClr val="windowText" lastClr="000000"/>
+      </a:dk1>
+      <a:lt1>
+        <a:sysClr val="window" lastClr="FFFFFF"/>
+      </a:lt1>
+      <a:dk2>
+        <a:srgbClr val="1F497D"/>
+      </a:dk2>
+      <a:lt2>
+        <a:srgbClr val="EEECE1"/>
+      </a:lt2>
+      <a:accent1>
+        <a:srgbClr val="4F81BD"/>
+      </a:accent1>
+      <a:accent2>
+        <a:srgbClr val="C0504D"/>
+      </a:accent2>
+      <a:accent3>
+        <a:srgbClr val="9BBB59"/>
+      </a:accent3>
+      <a:accent4>
+        <a:srgbClr val="8064A2"/>
+      </a:accent4>
+      <a:accent5>
+        <a:srgbClr val="4BACC6"/>
+      </a:accent5>
+      <a:accent6>
+        <a:srgbClr val="F79646"/>
+      </a:accent6>
+      <a:hlink>
+        <a:srgbClr val="0000FF"/>
+      </a:hlink>
+      <a:folHlink>
+        <a:srgbClr val="800080"/>
+      </a:folHlink>
+    </a:clrScheme>
+    <a:fontScheme name="Office">
+      <a:majorFont>
+        <a:latin typeface="Calibri"/>
+        <a:ea typeface=""/>
+        <a:cs typeface=""/>
+        <a:font script="Jpan" typeface="ＭＳ Ｐゴシック"/>
+        <a:font script="Hang" typeface="맑은 고딕"/>
+        <a:font script="Hans" typeface="宋体"/>
+        <a:font script="Hant" typeface="新細明體"/>
+        <a:font script="Arab" typeface="Times New Roman"/>
+        <a:font script="Hebr" typeface="Times New Roman"/>
+        <a:font script="Thai" typeface="Angsana New"/>
+        <a:font script="Ethi" typeface="Nyala"/>
+        <a:font script="Beng" typeface="Vrinda"/>
+        <a:font script="Gujr" typeface="Shruti"/>
+        <a:font script="Khmr" typeface="MoolBoran"/>
+        <a:font script="Knda" typeface="Tunga"/>
+        <a:font script="Guru" typeface="Raavi"/>
+        <a:font script="Cans" typeface="Euphemia"/>
+        <a:font script="Cher" typeface="Plantagenet Cherokee"/>
+        <a:font script="Yiii" typeface="Microsoft Yi Baiti"/>
+        <a:font script="Tibt" typeface="Microsoft Himalaya"/>
+        <a:font script="Thaa" typeface="MV Boli"/>
+        <a:font script="Deva" typeface="Mangal"/>
+        <a:font script="Telu" typeface="Gautami"/>
+        <a:font script="Taml" typeface="Latha"/>
+        <a:font script="Syrc" typeface="Estrangelo Edessa"/>
+        <a:font script="Orya" typeface="Kalinga"/>
+        <a:font script="Mlym" typeface="Kartika"/>
+        <a:font script="Laoo" typeface="DokChampa"/>
+        <a:font script="Sinh" typeface="Iskoola Pota"/>
+        <a:font script="Mong" typeface="Mongolian Baiti"/>
+        <a:font script="Viet" typeface="Times New Roman"/>
+        <a:font script="Uigh" typeface="Microsoft Uighur"/>
+        <a:font script="Geor" typeface="Sylfaen"/>
+      </a:majorFont>
+      <a:minorFont>
+        <a:latin typeface="Calibri"/>
+        <a:ea typeface=""/>
+        <a:cs typeface=""/>
+        <a:font script="Jpan" typeface="ＭＳ Ｐゴシック"/>
+        <a:font script="Hang" typeface="맑은 고딕"/>
+        <a:font script="Hans" typeface="宋体"/>
+        <a:font script="Hant" typeface="新細明體"/>
+        <a:font script="Arab" typeface="Arial"/>
+        <a:font script="Hebr" typeface="Arial"/>
+        <a:font script="Thai" typeface="Cordia New"/>
+        <a:font script="Ethi" typeface="Nyala"/>
+        <a:font script="Beng" typeface="Vrinda"/>
+        <a:font script="Gujr" typeface="Shruti"/>
+        <a:font script="Khmr" typeface="DaunPenh"/>
+        <a:font script="Knda" typeface="Tunga"/>
+        <a:font script="Guru" typeface="Raavi"/>
+        <a:font script="Cans" typeface="Euphemia"/>
+        <a:font script="Cher" typeface="Plantagenet Cherokee"/>
+        <a:font script="Yiii" typeface="Microsoft Yi Baiti"/>
+        <a:font script="Tibt" typeface="Microsoft Himalaya"/>
+        <a:font script="Thaa" typeface="MV Boli"/>
+        <a:font script="Deva" typeface="Mangal"/>
+        <a:font script="Telu" typeface="Gautami"/>
+        <a:font script="Taml" typeface="Latha"/>
+        <a:font script="Syrc" typeface="Estrangelo Edessa"/>
+        <a:font script="Orya" typeface="Kalinga"/>
+        <a:font script="Mlym" typeface="Kartika"/>
+        <a:font script="Laoo" typeface="DokChampa"/>
+        <a:font script="Sinh" typeface="Iskoola Pota"/>
+        <a:font script="Mong" typeface="Mongolian Baiti"/>
+        <a:font script="Viet" typeface="Arial"/>
+        <a:font script="Uigh" typeface="Microsoft Uighur"/>
+        <a:font script="Geor" typeface="Sylfaen"/>
+      </a:minorFont>
+    </a:fontScheme>
+    <a:fmtScheme name="Office">
+      <a:fillStyleLst>
+        <a:solidFill>
+          <a:schemeClr val="phClr"/>
+        </a:solidFill>
+        <a:gradFill rotWithShape="1">
+          <a:gsLst>
+            <a:gs pos="0">
+              <a:schemeClr val="phClr">
+                <a:tint val="50000"/>
+                <a:satMod val="300000"/>
+              </a:schemeClr>
+            </a:gs>
+            <a:gs pos="35000">
+              <a:schemeClr val="phClr">
+                <a:tint val="37000"/>
+                <a:satMod val="300000"/>
+              </a:schemeClr>
+            </a:gs>
+            <a:gs pos="100000">
+              <a:schemeClr val="phClr">
+                <a:tint val="15000"/>
+                <a:satMod val="350000"/>
+              </a:schemeClr>
+            </a:gs>
+          </a:gsLst>
+          <a:lin ang="16200000" scaled="1"/>
+        </a:gradFill>
+        <a:gradFill rotWithShape="1">
+          <a:gsLst>
+            <a:gs pos="0">
+              <a:schemeClr val="phClr">
+                <a:shade val="51000"/>
+                <a:satMod val="130000"/>
+              </a:schemeClr>
+            </a:gs>
+            <a:gs pos="80000">
+              <a:schemeClr val="phClr">
+                <a:shade val="93000"/>
+                <a:satMod val="130000"/>
+              </a:schemeClr>
+            </a:gs>
+            <a:gs pos="100000">
+              <a:schemeClr val="phClr">
+                <a:shade val="94000"/>
+                <a:satMod val="135000"/>
+              </a:schemeClr>
+            </a:gs>
+          </a:gsLst>
+          <a:lin ang="16200000" scaled="0"/>
+        </a:gradFill>
+      </a:fillStyleLst>
+      <a:lnStyleLst>
+        <a:ln w="9525" cap="flat" cmpd="sng" algn="ctr">
+          <a:solidFill>
+            <a:schemeClr val="phClr">
+              <a:shade val="95000"/>
+              <a:satMod val="105000"/>
+            </a:schemeClr>
+          </a:solidFill>
+          <a:prstDash val="solid"/>
+        </a:ln>
+        <a:ln w="25400" cap="flat" cmpd="sng" algn="ctr">
+          <a:solidFill>
+            <a:schemeClr val="phClr"/>
+          </a:solidFill>
+          <a:prstDash val="solid"/>
+        </a:ln>
+        <a:ln w="38100" cap="flat" cmpd="sng" algn="ctr">
+          <a:solidFill>
+            <a:schemeClr val="phClr"/>
+          </a:solidFill>
+          <a:prstDash val="solid"/>
+        </a:ln>
+      </a:lnStyleLst>
+      <a:effectStyleLst>
+        <a:effectStyle>
+          <a:effectLst>
+            <a:outerShdw blurRad="40000" dist="20000" dir="5400000" rotWithShape="0">
+              <a:srgbClr val="000000">
+                <a:alpha val="38000"/>
+              </a:srgbClr>
+            </a:outerShdw>
+          </a:effectLst>
+        </a:effectStyle>
+        <a:effectStyle>
+          <a:effectLst>
+            <a:outerShdw blurRad="40000" dist="23000" dir="5400000" rotWithShape="0">
+              <a:srgbClr val="000000">
+                <a:alpha val="35000"/>
+              </a:srgbClr>
+            </a:outerShdw>
+          </a:effectLst>
+        </a:effectStyle>
+        <a:effectStyle>
+          <a:effectLst>
+            <a:outerShdw blurRad="40000" dist="23000" dir="5400000" rotWithShape="0">
+              <a:srgbClr val="000000">
+                <a:alpha val="35000"/>
+              </a:srgbClr>
+            </a:outerShdw>
+          </a:effectLst>
+          <a:scene3d>
+            <a:camera prst="orthographicFront">
+              <a:rot lat="0" lon="0" rev="0"/>
+            </a:camera>
+            <a:lightRig rig="threePt" dir="t">
+              <a:rot lat="0" lon="0" rev="1200000"/>
+            </a:lightRig>
+          </a:scene3d>
+          <a:sp3d>
+            <a:bevelT w="63500" h="25400"/>
+          </a:sp3d>
+        </a:effectStyle>
+      </a:effectStyleLst>
+      <a:bgFillStyleLst>
+        <a:solidFill>
+          <a:schemeClr val="phClr"/>
+        </a:solidFill>
+        <a:gradFill rotWithShape="1">
+          <a:gsLst>
+            <a:gs pos="0">
+              <a:schemeClr val="phClr">
+                <a:tint val="40000"/>
+                <a:satMod val="350000"/>
+              </a:schemeClr>
+            </a:gs>
+            <a:gs pos="40000">
+              <a:schemeClr val="phClr">
+                <a:tint val="45000"/>
+                <a:shade val="99000"/>
+                <a:satMod val="350000"/>
+              </a:schemeClr>
+            </a:gs>
+            <a:gs pos="100000">
+              <a:schemeClr val="phClr">
+                <a:shade val="20000"/>
+                <a:satMod val="255000"/>
+              </a:schemeClr>
+            </a:gs>
+          </a:gsLst>
+          <a:path path="circle">
+            <a:fillToRect l="50000" t="-80000" r="50000" b="180000"/>
+          </a:path>
+        </a:gradFill>
+        <a:gradFill rotWithShape="1">
+          <a:gsLst>
+            <a:gs pos="0">
+              <a:schemeClr val="phClr">
+                <a:tint val="80000"/>
+                <a:satMod val="300000"/>
+              </a:schemeClr>
+            </a:gs>
+            <a:gs pos="100000">
+              <a:schemeClr val="phClr">
+                <a:shade val="30000"/>
+                <a:satMod val="200000"/>
+              </a:schemeClr>
+            </a:gs>
+          </a:gsLst>
+          <a:path path="circle">
+            <a:fillToRect l="50000" t="50000" r="50000" b="50000"/>
+          </a:path>
+        </a:gradFill>
+      </a:bgFillStyleLst>
+    </a:fmtScheme>
+  </a:themeElements>
+  <a:objectDefaults/>
+  <a:extraClrSchemeLst/>
+</a:theme>
 </file>
--- a/Slack UI Screenshot App.pptx
+++ b/Slack UI Screenshot App.pptx
@@ -5081,6 +5081,13 @@
   <p:clrMapOvr>
     <a:masterClrMapping/>
   </p:clrMapOvr>
+  <p:timing>
+    <p:tnLst>
+      <p:par>
+        <p:cTn id="1" dur="indefinite" restart="never" nodeType="tmRoot"/>
+      </p:par>
+    </p:tnLst>
+  </p:timing>
 </p:sld>
 </file>
 
@@ -5290,7 +5297,7 @@
         </p:nvCxnSpPr>
         <p:spPr>
           <a:xfrm>
-            <a:off x="571500" y="638973"/>
+            <a:off x="568666" y="638973"/>
             <a:ext cx="0" cy="5229220"/>
           </a:xfrm>
           <a:prstGeom prst="straightConnector1">
@@ -5602,11 +5609,7 @@
           <a:p>
             <a:r>
               <a:rPr lang="en-US" sz="900" b="1" dirty="0" smtClean="0"/>
-              <a:t>All screenshots </a:t>
-            </a:r>
-            <a:r>
-              <a:rPr lang="en-US" sz="900" b="1" dirty="0" smtClean="0"/>
-              <a:t>generated</a:t>
+              <a:t>All screenshots generated</a:t>
             </a:r>
             <a:endParaRPr lang="en-US" sz="900" b="1" dirty="0"/>
           </a:p>
@@ -5636,11 +5639,7 @@
           <a:p>
             <a:r>
               <a:rPr lang="en-US" sz="900" b="1" dirty="0" smtClean="0"/>
-              <a:t>Send </a:t>
-            </a:r>
-            <a:r>
-              <a:rPr lang="en-US" sz="900" b="1" dirty="0" smtClean="0"/>
-              <a:t>screenshot </a:t>
+              <a:t>Send screenshot </a:t>
             </a:r>
             <a:r>
               <a:rPr lang="en-US" sz="900" b="1" dirty="0" err="1" smtClean="0"/>
@@ -5678,15 +5677,7 @@
           <a:p>
             <a:r>
               <a:rPr lang="en-US" sz="900" b="1" dirty="0" smtClean="0"/>
-              <a:t>Post </a:t>
-            </a:r>
-            <a:r>
-              <a:rPr lang="en-US" sz="900" b="1" dirty="0" smtClean="0"/>
-              <a:t>message </a:t>
-            </a:r>
-            <a:r>
-              <a:rPr lang="en-US" sz="900" b="1" dirty="0" smtClean="0"/>
-              <a:t>with screenshot </a:t>
+              <a:t>Post message with screenshot </a:t>
             </a:r>
             <a:r>
               <a:rPr lang="en-US" sz="900" b="1" dirty="0" err="1" smtClean="0"/>
@@ -5694,11 +5685,7 @@
             </a:r>
             <a:r>
               <a:rPr lang="en-US" sz="900" b="1" dirty="0" smtClean="0"/>
-              <a:t> to </a:t>
-            </a:r>
-            <a:r>
-              <a:rPr lang="en-US" sz="900" b="1" dirty="0" smtClean="0"/>
-              <a:t>channel</a:t>
+              <a:t> to channel</a:t>
             </a:r>
             <a:endParaRPr lang="en-US" sz="900" b="1" dirty="0"/>
           </a:p>
@@ -6109,9 +6096,982 @@
   <p:timing>
     <p:tnLst>
       <p:par>
-        <p:cTn id="1" dur="indefinite" restart="never" nodeType="tmRoot"/>
+        <p:cTn id="1" dur="indefinite" restart="never" nodeType="tmRoot">
+          <p:childTnLst>
+            <p:seq concurrent="1" nextAc="seek">
+              <p:cTn id="2" dur="indefinite" nodeType="mainSeq">
+                <p:childTnLst>
+                  <p:par>
+                    <p:cTn id="3" fill="hold">
+                      <p:stCondLst>
+                        <p:cond delay="indefinite"/>
+                      </p:stCondLst>
+                      <p:childTnLst>
+                        <p:par>
+                          <p:cTn id="4" fill="hold">
+                            <p:stCondLst>
+                              <p:cond delay="0"/>
+                            </p:stCondLst>
+                            <p:childTnLst>
+                              <p:par>
+                                <p:cTn id="5" presetID="1" presetClass="entr" presetSubtype="0" fill="hold" grpId="0" nodeType="clickEffect">
+                                  <p:stCondLst>
+                                    <p:cond delay="0"/>
+                                  </p:stCondLst>
+                                  <p:childTnLst>
+                                    <p:set>
+                                      <p:cBhvr>
+                                        <p:cTn id="6" dur="1" fill="hold">
+                                          <p:stCondLst>
+                                            <p:cond delay="0"/>
+                                          </p:stCondLst>
+                                        </p:cTn>
+                                        <p:tgtEl>
+                                          <p:spTgt spid="17"/>
+                                        </p:tgtEl>
+                                        <p:attrNameLst>
+                                          <p:attrName>style.visibility</p:attrName>
+                                        </p:attrNameLst>
+                                      </p:cBhvr>
+                                      <p:to>
+                                        <p:strVal val="visible"/>
+                                      </p:to>
+                                    </p:set>
+                                  </p:childTnLst>
+                                </p:cTn>
+                              </p:par>
+                            </p:childTnLst>
+                          </p:cTn>
+                        </p:par>
+                      </p:childTnLst>
+                    </p:cTn>
+                  </p:par>
+                  <p:par>
+                    <p:cTn id="7" fill="hold">
+                      <p:stCondLst>
+                        <p:cond delay="indefinite"/>
+                      </p:stCondLst>
+                      <p:childTnLst>
+                        <p:par>
+                          <p:cTn id="8" fill="hold">
+                            <p:stCondLst>
+                              <p:cond delay="0"/>
+                            </p:stCondLst>
+                            <p:childTnLst>
+                              <p:par>
+                                <p:cTn id="9" presetID="1" presetClass="entr" presetSubtype="0" fill="hold" grpId="0" nodeType="clickEffect">
+                                  <p:stCondLst>
+                                    <p:cond delay="0"/>
+                                  </p:stCondLst>
+                                  <p:childTnLst>
+                                    <p:set>
+                                      <p:cBhvr>
+                                        <p:cTn id="10" dur="1" fill="hold">
+                                          <p:stCondLst>
+                                            <p:cond delay="0"/>
+                                          </p:stCondLst>
+                                        </p:cTn>
+                                        <p:tgtEl>
+                                          <p:spTgt spid="18"/>
+                                        </p:tgtEl>
+                                        <p:attrNameLst>
+                                          <p:attrName>style.visibility</p:attrName>
+                                        </p:attrNameLst>
+                                      </p:cBhvr>
+                                      <p:to>
+                                        <p:strVal val="visible"/>
+                                      </p:to>
+                                    </p:set>
+                                  </p:childTnLst>
+                                </p:cTn>
+                              </p:par>
+                            </p:childTnLst>
+                          </p:cTn>
+                        </p:par>
+                      </p:childTnLst>
+                    </p:cTn>
+                  </p:par>
+                  <p:par>
+                    <p:cTn id="11" fill="hold">
+                      <p:stCondLst>
+                        <p:cond delay="indefinite"/>
+                      </p:stCondLst>
+                      <p:childTnLst>
+                        <p:par>
+                          <p:cTn id="12" fill="hold">
+                            <p:stCondLst>
+                              <p:cond delay="0"/>
+                            </p:stCondLst>
+                            <p:childTnLst>
+                              <p:par>
+                                <p:cTn id="13" presetID="1" presetClass="entr" presetSubtype="0" fill="hold" grpId="0" nodeType="clickEffect">
+                                  <p:stCondLst>
+                                    <p:cond delay="0"/>
+                                  </p:stCondLst>
+                                  <p:childTnLst>
+                                    <p:set>
+                                      <p:cBhvr>
+                                        <p:cTn id="14" dur="1" fill="hold">
+                                          <p:stCondLst>
+                                            <p:cond delay="0"/>
+                                          </p:stCondLst>
+                                        </p:cTn>
+                                        <p:tgtEl>
+                                          <p:spTgt spid="19"/>
+                                        </p:tgtEl>
+                                        <p:attrNameLst>
+                                          <p:attrName>style.visibility</p:attrName>
+                                        </p:attrNameLst>
+                                      </p:cBhvr>
+                                      <p:to>
+                                        <p:strVal val="visible"/>
+                                      </p:to>
+                                    </p:set>
+                                  </p:childTnLst>
+                                </p:cTn>
+                              </p:par>
+                            </p:childTnLst>
+                          </p:cTn>
+                        </p:par>
+                      </p:childTnLst>
+                    </p:cTn>
+                  </p:par>
+                  <p:par>
+                    <p:cTn id="15" fill="hold">
+                      <p:stCondLst>
+                        <p:cond delay="indefinite"/>
+                      </p:stCondLst>
+                      <p:childTnLst>
+                        <p:par>
+                          <p:cTn id="16" fill="hold">
+                            <p:stCondLst>
+                              <p:cond delay="0"/>
+                            </p:stCondLst>
+                            <p:childTnLst>
+                              <p:par>
+                                <p:cTn id="17" presetID="1" presetClass="entr" presetSubtype="0" fill="hold" grpId="0" nodeType="clickEffect">
+                                  <p:stCondLst>
+                                    <p:cond delay="0"/>
+                                  </p:stCondLst>
+                                  <p:childTnLst>
+                                    <p:set>
+                                      <p:cBhvr>
+                                        <p:cTn id="18" dur="1" fill="hold">
+                                          <p:stCondLst>
+                                            <p:cond delay="0"/>
+                                          </p:stCondLst>
+                                        </p:cTn>
+                                        <p:tgtEl>
+                                          <p:spTgt spid="20"/>
+                                        </p:tgtEl>
+                                        <p:attrNameLst>
+                                          <p:attrName>style.visibility</p:attrName>
+                                        </p:attrNameLst>
+                                      </p:cBhvr>
+                                      <p:to>
+                                        <p:strVal val="visible"/>
+                                      </p:to>
+                                    </p:set>
+                                  </p:childTnLst>
+                                </p:cTn>
+                              </p:par>
+                            </p:childTnLst>
+                          </p:cTn>
+                        </p:par>
+                      </p:childTnLst>
+                    </p:cTn>
+                  </p:par>
+                  <p:par>
+                    <p:cTn id="19" fill="hold">
+                      <p:stCondLst>
+                        <p:cond delay="indefinite"/>
+                      </p:stCondLst>
+                      <p:childTnLst>
+                        <p:par>
+                          <p:cTn id="20" fill="hold">
+                            <p:stCondLst>
+                              <p:cond delay="0"/>
+                            </p:stCondLst>
+                            <p:childTnLst>
+                              <p:par>
+                                <p:cTn id="21" presetID="1" presetClass="entr" presetSubtype="0" fill="hold" nodeType="clickEffect">
+                                  <p:stCondLst>
+                                    <p:cond delay="0"/>
+                                  </p:stCondLst>
+                                  <p:childTnLst>
+                                    <p:set>
+                                      <p:cBhvr>
+                                        <p:cTn id="22" dur="1" fill="hold">
+                                          <p:stCondLst>
+                                            <p:cond delay="0"/>
+                                          </p:stCondLst>
+                                        </p:cTn>
+                                        <p:tgtEl>
+                                          <p:spTgt spid="22"/>
+                                        </p:tgtEl>
+                                        <p:attrNameLst>
+                                          <p:attrName>style.visibility</p:attrName>
+                                        </p:attrNameLst>
+                                      </p:cBhvr>
+                                      <p:to>
+                                        <p:strVal val="visible"/>
+                                      </p:to>
+                                    </p:set>
+                                  </p:childTnLst>
+                                </p:cTn>
+                              </p:par>
+                              <p:par>
+                                <p:cTn id="23" presetID="1" presetClass="entr" presetSubtype="0" fill="hold" nodeType="withEffect">
+                                  <p:stCondLst>
+                                    <p:cond delay="0"/>
+                                  </p:stCondLst>
+                                  <p:childTnLst>
+                                    <p:set>
+                                      <p:cBhvr>
+                                        <p:cTn id="24" dur="1" fill="hold">
+                                          <p:stCondLst>
+                                            <p:cond delay="0"/>
+                                          </p:stCondLst>
+                                        </p:cTn>
+                                        <p:tgtEl>
+                                          <p:spTgt spid="28"/>
+                                        </p:tgtEl>
+                                        <p:attrNameLst>
+                                          <p:attrName>style.visibility</p:attrName>
+                                        </p:attrNameLst>
+                                      </p:cBhvr>
+                                      <p:to>
+                                        <p:strVal val="visible"/>
+                                      </p:to>
+                                    </p:set>
+                                  </p:childTnLst>
+                                </p:cTn>
+                              </p:par>
+                              <p:par>
+                                <p:cTn id="25" presetID="1" presetClass="entr" presetSubtype="0" fill="hold" nodeType="withEffect">
+                                  <p:stCondLst>
+                                    <p:cond delay="0"/>
+                                  </p:stCondLst>
+                                  <p:childTnLst>
+                                    <p:set>
+                                      <p:cBhvr>
+                                        <p:cTn id="26" dur="1" fill="hold">
+                                          <p:stCondLst>
+                                            <p:cond delay="0"/>
+                                          </p:stCondLst>
+                                        </p:cTn>
+                                        <p:tgtEl>
+                                          <p:spTgt spid="29"/>
+                                        </p:tgtEl>
+                                        <p:attrNameLst>
+                                          <p:attrName>style.visibility</p:attrName>
+                                        </p:attrNameLst>
+                                      </p:cBhvr>
+                                      <p:to>
+                                        <p:strVal val="visible"/>
+                                      </p:to>
+                                    </p:set>
+                                  </p:childTnLst>
+                                </p:cTn>
+                              </p:par>
+                              <p:par>
+                                <p:cTn id="27" presetID="1" presetClass="entr" presetSubtype="0" fill="hold" nodeType="withEffect">
+                                  <p:stCondLst>
+                                    <p:cond delay="0"/>
+                                  </p:stCondLst>
+                                  <p:childTnLst>
+                                    <p:set>
+                                      <p:cBhvr>
+                                        <p:cTn id="28" dur="1" fill="hold">
+                                          <p:stCondLst>
+                                            <p:cond delay="0"/>
+                                          </p:stCondLst>
+                                        </p:cTn>
+                                        <p:tgtEl>
+                                          <p:spTgt spid="30"/>
+                                        </p:tgtEl>
+                                        <p:attrNameLst>
+                                          <p:attrName>style.visibility</p:attrName>
+                                        </p:attrNameLst>
+                                      </p:cBhvr>
+                                      <p:to>
+                                        <p:strVal val="visible"/>
+                                      </p:to>
+                                    </p:set>
+                                  </p:childTnLst>
+                                </p:cTn>
+                              </p:par>
+                            </p:childTnLst>
+                          </p:cTn>
+                        </p:par>
+                      </p:childTnLst>
+                    </p:cTn>
+                  </p:par>
+                  <p:par>
+                    <p:cTn id="29" fill="hold">
+                      <p:stCondLst>
+                        <p:cond delay="indefinite"/>
+                      </p:stCondLst>
+                      <p:childTnLst>
+                        <p:par>
+                          <p:cTn id="30" fill="hold">
+                            <p:stCondLst>
+                              <p:cond delay="0"/>
+                            </p:stCondLst>
+                            <p:childTnLst>
+                              <p:par>
+                                <p:cTn id="31" presetID="1" presetClass="entr" presetSubtype="0" fill="hold" grpId="0" nodeType="clickEffect">
+                                  <p:stCondLst>
+                                    <p:cond delay="0"/>
+                                  </p:stCondLst>
+                                  <p:childTnLst>
+                                    <p:set>
+                                      <p:cBhvr>
+                                        <p:cTn id="32" dur="1" fill="hold">
+                                          <p:stCondLst>
+                                            <p:cond delay="0"/>
+                                          </p:stCondLst>
+                                        </p:cTn>
+                                        <p:tgtEl>
+                                          <p:spTgt spid="2"/>
+                                        </p:tgtEl>
+                                        <p:attrNameLst>
+                                          <p:attrName>style.visibility</p:attrName>
+                                        </p:attrNameLst>
+                                      </p:cBhvr>
+                                      <p:to>
+                                        <p:strVal val="visible"/>
+                                      </p:to>
+                                    </p:set>
+                                  </p:childTnLst>
+                                </p:cTn>
+                              </p:par>
+                              <p:par>
+                                <p:cTn id="33" presetID="1" presetClass="entr" presetSubtype="0" fill="hold" nodeType="withEffect">
+                                  <p:stCondLst>
+                                    <p:cond delay="0"/>
+                                  </p:stCondLst>
+                                  <p:childTnLst>
+                                    <p:set>
+                                      <p:cBhvr>
+                                        <p:cTn id="34" dur="1" fill="hold">
+                                          <p:stCondLst>
+                                            <p:cond delay="0"/>
+                                          </p:stCondLst>
+                                        </p:cTn>
+                                        <p:tgtEl>
+                                          <p:spTgt spid="4"/>
+                                        </p:tgtEl>
+                                        <p:attrNameLst>
+                                          <p:attrName>style.visibility</p:attrName>
+                                        </p:attrNameLst>
+                                      </p:cBhvr>
+                                      <p:to>
+                                        <p:strVal val="visible"/>
+                                      </p:to>
+                                    </p:set>
+                                  </p:childTnLst>
+                                </p:cTn>
+                              </p:par>
+                            </p:childTnLst>
+                          </p:cTn>
+                        </p:par>
+                      </p:childTnLst>
+                    </p:cTn>
+                  </p:par>
+                  <p:par>
+                    <p:cTn id="35" fill="hold">
+                      <p:stCondLst>
+                        <p:cond delay="indefinite"/>
+                      </p:stCondLst>
+                      <p:childTnLst>
+                        <p:par>
+                          <p:cTn id="36" fill="hold">
+                            <p:stCondLst>
+                              <p:cond delay="0"/>
+                            </p:stCondLst>
+                            <p:childTnLst>
+                              <p:par>
+                                <p:cTn id="37" presetID="1" presetClass="entr" presetSubtype="0" fill="hold" grpId="0" nodeType="clickEffect">
+                                  <p:stCondLst>
+                                    <p:cond delay="0"/>
+                                  </p:stCondLst>
+                                  <p:childTnLst>
+                                    <p:set>
+                                      <p:cBhvr>
+                                        <p:cTn id="38" dur="1" fill="hold">
+                                          <p:stCondLst>
+                                            <p:cond delay="0"/>
+                                          </p:stCondLst>
+                                        </p:cTn>
+                                        <p:tgtEl>
+                                          <p:spTgt spid="11"/>
+                                        </p:tgtEl>
+                                        <p:attrNameLst>
+                                          <p:attrName>style.visibility</p:attrName>
+                                        </p:attrNameLst>
+                                      </p:cBhvr>
+                                      <p:to>
+                                        <p:strVal val="visible"/>
+                                      </p:to>
+                                    </p:set>
+                                  </p:childTnLst>
+                                </p:cTn>
+                              </p:par>
+                              <p:par>
+                                <p:cTn id="39" presetID="1" presetClass="entr" presetSubtype="0" fill="hold" nodeType="withEffect">
+                                  <p:stCondLst>
+                                    <p:cond delay="0"/>
+                                  </p:stCondLst>
+                                  <p:childTnLst>
+                                    <p:set>
+                                      <p:cBhvr>
+                                        <p:cTn id="40" dur="1" fill="hold">
+                                          <p:stCondLst>
+                                            <p:cond delay="0"/>
+                                          </p:stCondLst>
+                                        </p:cTn>
+                                        <p:tgtEl>
+                                          <p:spTgt spid="23"/>
+                                        </p:tgtEl>
+                                        <p:attrNameLst>
+                                          <p:attrName>style.visibility</p:attrName>
+                                        </p:attrNameLst>
+                                      </p:cBhvr>
+                                      <p:to>
+                                        <p:strVal val="visible"/>
+                                      </p:to>
+                                    </p:set>
+                                  </p:childTnLst>
+                                </p:cTn>
+                              </p:par>
+                            </p:childTnLst>
+                          </p:cTn>
+                        </p:par>
+                      </p:childTnLst>
+                    </p:cTn>
+                  </p:par>
+                  <p:par>
+                    <p:cTn id="41" fill="hold">
+                      <p:stCondLst>
+                        <p:cond delay="indefinite"/>
+                      </p:stCondLst>
+                      <p:childTnLst>
+                        <p:par>
+                          <p:cTn id="42" fill="hold">
+                            <p:stCondLst>
+                              <p:cond delay="0"/>
+                            </p:stCondLst>
+                            <p:childTnLst>
+                              <p:par>
+                                <p:cTn id="43" presetID="1" presetClass="entr" presetSubtype="0" fill="hold" grpId="0" nodeType="clickEffect">
+                                  <p:stCondLst>
+                                    <p:cond delay="0"/>
+                                  </p:stCondLst>
+                                  <p:childTnLst>
+                                    <p:set>
+                                      <p:cBhvr>
+                                        <p:cTn id="44" dur="1" fill="hold">
+                                          <p:stCondLst>
+                                            <p:cond delay="0"/>
+                                          </p:stCondLst>
+                                        </p:cTn>
+                                        <p:tgtEl>
+                                          <p:spTgt spid="12"/>
+                                        </p:tgtEl>
+                                        <p:attrNameLst>
+                                          <p:attrName>style.visibility</p:attrName>
+                                        </p:attrNameLst>
+                                      </p:cBhvr>
+                                      <p:to>
+                                        <p:strVal val="visible"/>
+                                      </p:to>
+                                    </p:set>
+                                  </p:childTnLst>
+                                </p:cTn>
+                              </p:par>
+                              <p:par>
+                                <p:cTn id="45" presetID="1" presetClass="entr" presetSubtype="0" fill="hold" nodeType="withEffect">
+                                  <p:stCondLst>
+                                    <p:cond delay="0"/>
+                                  </p:stCondLst>
+                                  <p:childTnLst>
+                                    <p:set>
+                                      <p:cBhvr>
+                                        <p:cTn id="46" dur="1" fill="hold">
+                                          <p:stCondLst>
+                                            <p:cond delay="0"/>
+                                          </p:stCondLst>
+                                        </p:cTn>
+                                        <p:tgtEl>
+                                          <p:spTgt spid="26"/>
+                                        </p:tgtEl>
+                                        <p:attrNameLst>
+                                          <p:attrName>style.visibility</p:attrName>
+                                        </p:attrNameLst>
+                                      </p:cBhvr>
+                                      <p:to>
+                                        <p:strVal val="visible"/>
+                                      </p:to>
+                                    </p:set>
+                                  </p:childTnLst>
+                                </p:cTn>
+                              </p:par>
+                            </p:childTnLst>
+                          </p:cTn>
+                        </p:par>
+                      </p:childTnLst>
+                    </p:cTn>
+                  </p:par>
+                  <p:par>
+                    <p:cTn id="47" fill="hold">
+                      <p:stCondLst>
+                        <p:cond delay="indefinite"/>
+                      </p:stCondLst>
+                      <p:childTnLst>
+                        <p:par>
+                          <p:cTn id="48" fill="hold">
+                            <p:stCondLst>
+                              <p:cond delay="0"/>
+                            </p:stCondLst>
+                            <p:childTnLst>
+                              <p:par>
+                                <p:cTn id="49" presetID="1" presetClass="entr" presetSubtype="0" fill="hold" nodeType="clickEffect">
+                                  <p:stCondLst>
+                                    <p:cond delay="0"/>
+                                  </p:stCondLst>
+                                  <p:childTnLst>
+                                    <p:set>
+                                      <p:cBhvr>
+                                        <p:cTn id="50" dur="1" fill="hold">
+                                          <p:stCondLst>
+                                            <p:cond delay="0"/>
+                                          </p:stCondLst>
+                                        </p:cTn>
+                                        <p:tgtEl>
+                                          <p:spTgt spid="63"/>
+                                        </p:tgtEl>
+                                        <p:attrNameLst>
+                                          <p:attrName>style.visibility</p:attrName>
+                                        </p:attrNameLst>
+                                      </p:cBhvr>
+                                      <p:to>
+                                        <p:strVal val="visible"/>
+                                      </p:to>
+                                    </p:set>
+                                  </p:childTnLst>
+                                </p:cTn>
+                              </p:par>
+                              <p:par>
+                                <p:cTn id="51" presetID="1" presetClass="entr" presetSubtype="0" fill="hold" grpId="0" nodeType="withEffect">
+                                  <p:stCondLst>
+                                    <p:cond delay="0"/>
+                                  </p:stCondLst>
+                                  <p:childTnLst>
+                                    <p:set>
+                                      <p:cBhvr>
+                                        <p:cTn id="52" dur="1" fill="hold">
+                                          <p:stCondLst>
+                                            <p:cond delay="0"/>
+                                          </p:stCondLst>
+                                        </p:cTn>
+                                        <p:tgtEl>
+                                          <p:spTgt spid="13"/>
+                                        </p:tgtEl>
+                                        <p:attrNameLst>
+                                          <p:attrName>style.visibility</p:attrName>
+                                        </p:attrNameLst>
+                                      </p:cBhvr>
+                                      <p:to>
+                                        <p:strVal val="visible"/>
+                                      </p:to>
+                                    </p:set>
+                                  </p:childTnLst>
+                                </p:cTn>
+                              </p:par>
+                              <p:par>
+                                <p:cTn id="53" presetID="1" presetClass="entr" presetSubtype="0" fill="hold" nodeType="withEffect">
+                                  <p:stCondLst>
+                                    <p:cond delay="0"/>
+                                  </p:stCondLst>
+                                  <p:childTnLst>
+                                    <p:set>
+                                      <p:cBhvr>
+                                        <p:cTn id="54" dur="1" fill="hold">
+                                          <p:stCondLst>
+                                            <p:cond delay="0"/>
+                                          </p:stCondLst>
+                                        </p:cTn>
+                                        <p:tgtEl>
+                                          <p:spTgt spid="66"/>
+                                        </p:tgtEl>
+                                        <p:attrNameLst>
+                                          <p:attrName>style.visibility</p:attrName>
+                                        </p:attrNameLst>
+                                      </p:cBhvr>
+                                      <p:to>
+                                        <p:strVal val="visible"/>
+                                      </p:to>
+                                    </p:set>
+                                  </p:childTnLst>
+                                </p:cTn>
+                              </p:par>
+                              <p:par>
+                                <p:cTn id="55" presetID="1" presetClass="entr" presetSubtype="0" fill="hold" nodeType="withEffect">
+                                  <p:stCondLst>
+                                    <p:cond delay="0"/>
+                                  </p:stCondLst>
+                                  <p:childTnLst>
+                                    <p:set>
+                                      <p:cBhvr>
+                                        <p:cTn id="56" dur="1" fill="hold">
+                                          <p:stCondLst>
+                                            <p:cond delay="0"/>
+                                          </p:stCondLst>
+                                        </p:cTn>
+                                        <p:tgtEl>
+                                          <p:spTgt spid="77"/>
+                                        </p:tgtEl>
+                                        <p:attrNameLst>
+                                          <p:attrName>style.visibility</p:attrName>
+                                        </p:attrNameLst>
+                                      </p:cBhvr>
+                                      <p:to>
+                                        <p:strVal val="visible"/>
+                                      </p:to>
+                                    </p:set>
+                                  </p:childTnLst>
+                                </p:cTn>
+                              </p:par>
+                            </p:childTnLst>
+                          </p:cTn>
+                        </p:par>
+                      </p:childTnLst>
+                    </p:cTn>
+                  </p:par>
+                  <p:par>
+                    <p:cTn id="57" fill="hold">
+                      <p:stCondLst>
+                        <p:cond delay="indefinite"/>
+                      </p:stCondLst>
+                      <p:childTnLst>
+                        <p:par>
+                          <p:cTn id="58" fill="hold">
+                            <p:stCondLst>
+                              <p:cond delay="0"/>
+                            </p:stCondLst>
+                            <p:childTnLst>
+                              <p:par>
+                                <p:cTn id="59" presetID="1" presetClass="entr" presetSubtype="0" fill="hold" grpId="0" nodeType="clickEffect">
+                                  <p:stCondLst>
+                                    <p:cond delay="0"/>
+                                  </p:stCondLst>
+                                  <p:childTnLst>
+                                    <p:set>
+                                      <p:cBhvr>
+                                        <p:cTn id="60" dur="1" fill="hold">
+                                          <p:stCondLst>
+                                            <p:cond delay="0"/>
+                                          </p:stCondLst>
+                                        </p:cTn>
+                                        <p:tgtEl>
+                                          <p:spTgt spid="14"/>
+                                        </p:tgtEl>
+                                        <p:attrNameLst>
+                                          <p:attrName>style.visibility</p:attrName>
+                                        </p:attrNameLst>
+                                      </p:cBhvr>
+                                      <p:to>
+                                        <p:strVal val="visible"/>
+                                      </p:to>
+                                    </p:set>
+                                  </p:childTnLst>
+                                </p:cTn>
+                              </p:par>
+                              <p:par>
+                                <p:cTn id="61" presetID="1" presetClass="entr" presetSubtype="0" fill="hold" nodeType="withEffect">
+                                  <p:stCondLst>
+                                    <p:cond delay="0"/>
+                                  </p:stCondLst>
+                                  <p:childTnLst>
+                                    <p:set>
+                                      <p:cBhvr>
+                                        <p:cTn id="62" dur="1" fill="hold">
+                                          <p:stCondLst>
+                                            <p:cond delay="0"/>
+                                          </p:stCondLst>
+                                        </p:cTn>
+                                        <p:tgtEl>
+                                          <p:spTgt spid="31"/>
+                                        </p:tgtEl>
+                                        <p:attrNameLst>
+                                          <p:attrName>style.visibility</p:attrName>
+                                        </p:attrNameLst>
+                                      </p:cBhvr>
+                                      <p:to>
+                                        <p:strVal val="visible"/>
+                                      </p:to>
+                                    </p:set>
+                                  </p:childTnLst>
+                                </p:cTn>
+                              </p:par>
+                            </p:childTnLst>
+                          </p:cTn>
+                        </p:par>
+                      </p:childTnLst>
+                    </p:cTn>
+                  </p:par>
+                  <p:par>
+                    <p:cTn id="63" fill="hold">
+                      <p:stCondLst>
+                        <p:cond delay="indefinite"/>
+                      </p:stCondLst>
+                      <p:childTnLst>
+                        <p:par>
+                          <p:cTn id="64" fill="hold">
+                            <p:stCondLst>
+                              <p:cond delay="0"/>
+                            </p:stCondLst>
+                            <p:childTnLst>
+                              <p:par>
+                                <p:cTn id="65" presetID="1" presetClass="entr" presetSubtype="0" fill="hold" nodeType="clickEffect">
+                                  <p:stCondLst>
+                                    <p:cond delay="0"/>
+                                  </p:stCondLst>
+                                  <p:childTnLst>
+                                    <p:set>
+                                      <p:cBhvr>
+                                        <p:cTn id="66" dur="1" fill="hold">
+                                          <p:stCondLst>
+                                            <p:cond delay="0"/>
+                                          </p:stCondLst>
+                                        </p:cTn>
+                                        <p:tgtEl>
+                                          <p:spTgt spid="74"/>
+                                        </p:tgtEl>
+                                        <p:attrNameLst>
+                                          <p:attrName>style.visibility</p:attrName>
+                                        </p:attrNameLst>
+                                      </p:cBhvr>
+                                      <p:to>
+                                        <p:strVal val="visible"/>
+                                      </p:to>
+                                    </p:set>
+                                  </p:childTnLst>
+                                </p:cTn>
+                              </p:par>
+                              <p:par>
+                                <p:cTn id="67" presetID="1" presetClass="entr" presetSubtype="0" fill="hold" grpId="0" nodeType="withEffect">
+                                  <p:stCondLst>
+                                    <p:cond delay="0"/>
+                                  </p:stCondLst>
+                                  <p:childTnLst>
+                                    <p:set>
+                                      <p:cBhvr>
+                                        <p:cTn id="68" dur="1" fill="hold">
+                                          <p:stCondLst>
+                                            <p:cond delay="0"/>
+                                          </p:stCondLst>
+                                        </p:cTn>
+                                        <p:tgtEl>
+                                          <p:spTgt spid="15"/>
+                                        </p:tgtEl>
+                                        <p:attrNameLst>
+                                          <p:attrName>style.visibility</p:attrName>
+                                        </p:attrNameLst>
+                                      </p:cBhvr>
+                                      <p:to>
+                                        <p:strVal val="visible"/>
+                                      </p:to>
+                                    </p:set>
+                                  </p:childTnLst>
+                                </p:cTn>
+                              </p:par>
+                            </p:childTnLst>
+                          </p:cTn>
+                        </p:par>
+                      </p:childTnLst>
+                    </p:cTn>
+                  </p:par>
+                  <p:par>
+                    <p:cTn id="69" fill="hold">
+                      <p:stCondLst>
+                        <p:cond delay="indefinite"/>
+                      </p:stCondLst>
+                      <p:childTnLst>
+                        <p:par>
+                          <p:cTn id="70" fill="hold">
+                            <p:stCondLst>
+                              <p:cond delay="0"/>
+                            </p:stCondLst>
+                            <p:childTnLst>
+                              <p:par>
+                                <p:cTn id="71" presetID="1" presetClass="entr" presetSubtype="0" fill="hold" grpId="0" nodeType="clickEffect">
+                                  <p:stCondLst>
+                                    <p:cond delay="0"/>
+                                  </p:stCondLst>
+                                  <p:childTnLst>
+                                    <p:set>
+                                      <p:cBhvr>
+                                        <p:cTn id="72" dur="1" fill="hold">
+                                          <p:stCondLst>
+                                            <p:cond delay="0"/>
+                                          </p:stCondLst>
+                                        </p:cTn>
+                                        <p:tgtEl>
+                                          <p:spTgt spid="36"/>
+                                        </p:tgtEl>
+                                        <p:attrNameLst>
+                                          <p:attrName>style.visibility</p:attrName>
+                                        </p:attrNameLst>
+                                      </p:cBhvr>
+                                      <p:to>
+                                        <p:strVal val="visible"/>
+                                      </p:to>
+                                    </p:set>
+                                  </p:childTnLst>
+                                </p:cTn>
+                              </p:par>
+                              <p:par>
+                                <p:cTn id="73" presetID="1" presetClass="entr" presetSubtype="0" fill="hold" nodeType="withEffect">
+                                  <p:stCondLst>
+                                    <p:cond delay="0"/>
+                                  </p:stCondLst>
+                                  <p:childTnLst>
+                                    <p:set>
+                                      <p:cBhvr>
+                                        <p:cTn id="74" dur="1" fill="hold">
+                                          <p:stCondLst>
+                                            <p:cond delay="0"/>
+                                          </p:stCondLst>
+                                        </p:cTn>
+                                        <p:tgtEl>
+                                          <p:spTgt spid="34"/>
+                                        </p:tgtEl>
+                                        <p:attrNameLst>
+                                          <p:attrName>style.visibility</p:attrName>
+                                        </p:attrNameLst>
+                                      </p:cBhvr>
+                                      <p:to>
+                                        <p:strVal val="visible"/>
+                                      </p:to>
+                                    </p:set>
+                                  </p:childTnLst>
+                                </p:cTn>
+                              </p:par>
+                            </p:childTnLst>
+                          </p:cTn>
+                        </p:par>
+                      </p:childTnLst>
+                    </p:cTn>
+                  </p:par>
+                  <p:par>
+                    <p:cTn id="75" fill="hold">
+                      <p:stCondLst>
+                        <p:cond delay="indefinite"/>
+                      </p:stCondLst>
+                      <p:childTnLst>
+                        <p:par>
+                          <p:cTn id="76" fill="hold">
+                            <p:stCondLst>
+                              <p:cond delay="0"/>
+                            </p:stCondLst>
+                            <p:childTnLst>
+                              <p:par>
+                                <p:cTn id="77" presetID="1" presetClass="entr" presetSubtype="0" fill="hold" grpId="0" nodeType="clickEffect">
+                                  <p:stCondLst>
+                                    <p:cond delay="0"/>
+                                  </p:stCondLst>
+                                  <p:childTnLst>
+                                    <p:set>
+                                      <p:cBhvr>
+                                        <p:cTn id="78" dur="1" fill="hold">
+                                          <p:stCondLst>
+                                            <p:cond delay="0"/>
+                                          </p:stCondLst>
+                                        </p:cTn>
+                                        <p:tgtEl>
+                                          <p:spTgt spid="16"/>
+                                        </p:tgtEl>
+                                        <p:attrNameLst>
+                                          <p:attrName>style.visibility</p:attrName>
+                                        </p:attrNameLst>
+                                      </p:cBhvr>
+                                      <p:to>
+                                        <p:strVal val="visible"/>
+                                      </p:to>
+                                    </p:set>
+                                  </p:childTnLst>
+                                </p:cTn>
+                              </p:par>
+                              <p:par>
+                                <p:cTn id="79" presetID="1" presetClass="entr" presetSubtype="0" fill="hold" nodeType="withEffect">
+                                  <p:stCondLst>
+                                    <p:cond delay="0"/>
+                                  </p:stCondLst>
+                                  <p:childTnLst>
+                                    <p:set>
+                                      <p:cBhvr>
+                                        <p:cTn id="80" dur="1" fill="hold">
+                                          <p:stCondLst>
+                                            <p:cond delay="0"/>
+                                          </p:stCondLst>
+                                        </p:cTn>
+                                        <p:tgtEl>
+                                          <p:spTgt spid="37"/>
+                                        </p:tgtEl>
+                                        <p:attrNameLst>
+                                          <p:attrName>style.visibility</p:attrName>
+                                        </p:attrNameLst>
+                                      </p:cBhvr>
+                                      <p:to>
+                                        <p:strVal val="visible"/>
+                                      </p:to>
+                                    </p:set>
+                                  </p:childTnLst>
+                                </p:cTn>
+                              </p:par>
+                            </p:childTnLst>
+                          </p:cTn>
+                        </p:par>
+                      </p:childTnLst>
+                    </p:cTn>
+                  </p:par>
+                </p:childTnLst>
+              </p:cTn>
+              <p:prevCondLst>
+                <p:cond evt="onPrev" delay="0">
+                  <p:tgtEl>
+                    <p:sldTgt/>
+                  </p:tgtEl>
+                </p:cond>
+              </p:prevCondLst>
+              <p:nextCondLst>
+                <p:cond evt="onNext" delay="0">
+                  <p:tgtEl>
+                    <p:sldTgt/>
+                  </p:tgtEl>
+                </p:cond>
+              </p:nextCondLst>
+            </p:seq>
+          </p:childTnLst>
+        </p:cTn>
       </p:par>
     </p:tnLst>
+    <p:bldLst>
+      <p:bldP spid="17" grpId="0" animBg="1"/>
+      <p:bldP spid="18" grpId="0" animBg="1"/>
+      <p:bldP spid="19" grpId="0" animBg="1"/>
+      <p:bldP spid="20" grpId="0" animBg="1"/>
+      <p:bldP spid="2" grpId="0"/>
+      <p:bldP spid="11" grpId="0"/>
+      <p:bldP spid="12" grpId="0"/>
+      <p:bldP spid="13" grpId="0"/>
+      <p:bldP spid="14" grpId="0"/>
+      <p:bldP spid="15" grpId="0"/>
+      <p:bldP spid="16" grpId="0"/>
+      <p:bldP spid="36" grpId="0"/>
+    </p:bldLst>
   </p:timing>
 </p:sld>
 </file>
@@ -6150,19 +7110,13 @@
           <a:p>
             <a:r>
               <a:rPr lang="en-US" dirty="0" smtClean="0"/>
-              <a:t>Future</a:t>
+              <a:t>Slack Card to select browsers/devices</a:t>
             </a:r>
           </a:p>
           <a:p>
             <a:r>
               <a:rPr lang="en-US" dirty="0" smtClean="0"/>
-              <a:t>Card to select browsers/devices</a:t>
-            </a:r>
-          </a:p>
-          <a:p>
-            <a:r>
-              <a:rPr lang="en-US" dirty="0" smtClean="0"/>
-              <a:t>Post to either a dedicated screenshot channel or to yourself</a:t>
+              <a:t>Choose which channel to post screenshots to</a:t>
             </a:r>
           </a:p>
           <a:p>
@@ -6172,7 +7126,16 @@
             </a:r>
             <a:r>
               <a:rPr lang="en-US" dirty="0" smtClean="0"/>
-              <a:t> validating corrections</a:t>
+              <a:t> validation</a:t>
+            </a:r>
+          </a:p>
+          <a:p>
+            <a:endParaRPr lang="en-US" dirty="0"/>
+          </a:p>
+          <a:p>
+            <a:r>
+              <a:rPr lang="en-US" dirty="0" smtClean="0"/>
+              <a:t>Precursor to UI Automation</a:t>
             </a:r>
             <a:endParaRPr lang="en-US" dirty="0"/>
           </a:p>
@@ -6193,7 +7156,15 @@
           <a:bodyPr/>
           <a:lstStyle/>
           <a:p>
-            <a:endParaRPr lang="en-US"/>
+            <a:r>
+              <a:rPr lang="en-US" dirty="0" smtClean="0"/>
+              <a:t>Future </a:t>
+            </a:r>
+            <a:r>
+              <a:rPr lang="en-US" dirty="0" err="1" smtClean="0"/>
+              <a:t>enchancements</a:t>
+            </a:r>
+            <a:endParaRPr lang="en-US" dirty="0"/>
           </a:p>
         </p:txBody>
       </p:sp>
@@ -6207,6 +7178,13 @@
   <p:clrMapOvr>
     <a:masterClrMapping/>
   </p:clrMapOvr>
+  <p:timing>
+    <p:tnLst>
+      <p:par>
+        <p:cTn id="1" dur="indefinite" restart="never" nodeType="tmRoot"/>
+      </p:par>
+    </p:tnLst>
+  </p:timing>
 </p:sld>
 </file>
 

--- a/Slack UI Screenshot App.pptx
+++ b/Slack UI Screenshot App.pptx
@@ -7037,6 +7037,78 @@
                       </p:childTnLst>
                     </p:cTn>
                   </p:par>
+                  <p:par>
+                    <p:cTn id="81" fill="hold">
+                      <p:stCondLst>
+                        <p:cond delay="indefinite"/>
+                      </p:stCondLst>
+                      <p:childTnLst>
+                        <p:par>
+                          <p:cTn id="82" fill="hold">
+                            <p:stCondLst>
+                              <p:cond delay="0"/>
+                            </p:stCondLst>
+                            <p:childTnLst>
+                              <p:par>
+                                <p:cTn id="83" presetID="1" presetClass="entr" presetSubtype="0" fill="hold" grpId="0" nodeType="clickEffect">
+                                  <p:stCondLst>
+                                    <p:cond delay="0"/>
+                                  </p:stCondLst>
+                                  <p:childTnLst>
+                                    <p:set>
+                                      <p:cBhvr>
+                                        <p:cTn id="84" dur="1" fill="hold">
+                                          <p:stCondLst>
+                                            <p:cond delay="0"/>
+                                          </p:stCondLst>
+                                        </p:cTn>
+                                        <p:tgtEl>
+                                          <p:spTgt spid="21"/>
+                                        </p:tgtEl>
+                                        <p:attrNameLst>
+                                          <p:attrName>style.visibility</p:attrName>
+                                        </p:attrNameLst>
+                                      </p:cBhvr>
+                                      <p:to>
+                                        <p:strVal val="visible"/>
+                                      </p:to>
+                                    </p:set>
+                                  </p:childTnLst>
+                                </p:cTn>
+                              </p:par>
+                              <p:par>
+                                <p:cTn id="85" presetID="1" presetClass="entr" presetSubtype="0" fill="hold" nodeType="withEffect">
+                                  <p:stCondLst>
+                                    <p:cond delay="0"/>
+                                  </p:stCondLst>
+                                  <p:childTnLst>
+                                    <p:set>
+                                      <p:cBhvr>
+                                        <p:cTn id="86" dur="1" fill="hold">
+                                          <p:stCondLst>
+                                            <p:cond delay="0"/>
+                                          </p:stCondLst>
+                                        </p:cTn>
+                                        <p:tgtEl>
+                                          <p:spTgt spid="39"/>
+                                        </p:tgtEl>
+                                        <p:attrNameLst>
+                                          <p:attrName>style.visibility</p:attrName>
+                                        </p:attrNameLst>
+                                      </p:cBhvr>
+                                      <p:to>
+                                        <p:strVal val="visible"/>
+                                      </p:to>
+                                    </p:set>
+                                  </p:childTnLst>
+                                </p:cTn>
+                              </p:par>
+                            </p:childTnLst>
+                          </p:cTn>
+                        </p:par>
+                      </p:childTnLst>
+                    </p:cTn>
+                  </p:par>
                 </p:childTnLst>
               </p:cTn>
               <p:prevCondLst>
@@ -7070,6 +7142,7 @@
       <p:bldP spid="14" grpId="0"/>
       <p:bldP spid="15" grpId="0"/>
       <p:bldP spid="16" grpId="0"/>
+      <p:bldP spid="21" grpId="0"/>
       <p:bldP spid="36" grpId="0"/>
     </p:bldLst>
   </p:timing>

--- a/Slack UI Screenshot App.pptx
+++ b/Slack UI Screenshot App.pptx
@@ -9,7 +9,7 @@
   </p:notesMasterIdLst>
   <p:sldIdLst>
     <p:sldId id="256" r:id="rId2"/>
-    <p:sldId id="258" r:id="rId3"/>
+    <p:sldId id="260" r:id="rId3"/>
     <p:sldId id="259" r:id="rId4"/>
   </p:sldIdLst>
   <p:sldSz cx="9144000" cy="6858000" type="screen4x3"/>
@@ -194,7 +194,7 @@
           <a:p>
             <a:fld id="{F355558A-C583-433E-8C58-C401C6E4FD44}" type="datetimeFigureOut">
               <a:rPr lang="en-US" smtClean="0"/>
-              <a:t>4/27/2017</a:t>
+              <a:t>6/7/2017</a:t>
             </a:fld>
             <a:endParaRPr lang="en-US"/>
           </a:p>
@@ -460,90 +460,6 @@
     </a:lvl9pPr>
   </p:notesStyle>
 </p:notesMaster>
-</file>
-
-<file path=ppt/notesSlides/notesSlide1.xml><?xml version="1.0" encoding="utf-8"?>
-<p:notes xmlns:a="http://schemas.openxmlformats.org/drawingml/2006/main" xmlns:r="http://schemas.openxmlformats.org/officeDocument/2006/relationships" xmlns:p="http://schemas.openxmlformats.org/presentationml/2006/main">
-  <p:cSld>
-    <p:spTree>
-      <p:nvGrpSpPr>
-        <p:cNvPr id="1" name=""/>
-        <p:cNvGrpSpPr/>
-        <p:nvPr/>
-      </p:nvGrpSpPr>
-      <p:grpSpPr>
-        <a:xfrm>
-          <a:off x="0" y="0"/>
-          <a:ext cx="0" cy="0"/>
-          <a:chOff x="0" y="0"/>
-          <a:chExt cx="0" cy="0"/>
-        </a:xfrm>
-      </p:grpSpPr>
-      <p:sp>
-        <p:nvSpPr>
-          <p:cNvPr id="2" name="Slide Image Placeholder 1"/>
-          <p:cNvSpPr>
-            <a:spLocks noGrp="1" noRot="1" noChangeAspect="1"/>
-          </p:cNvSpPr>
-          <p:nvPr>
-            <p:ph type="sldImg"/>
-          </p:nvPr>
-        </p:nvSpPr>
-        <p:spPr/>
-      </p:sp>
-      <p:sp>
-        <p:nvSpPr>
-          <p:cNvPr id="3" name="Notes Placeholder 2"/>
-          <p:cNvSpPr>
-            <a:spLocks noGrp="1"/>
-          </p:cNvSpPr>
-          <p:nvPr>
-            <p:ph type="body" idx="1"/>
-          </p:nvPr>
-        </p:nvSpPr>
-        <p:spPr/>
-        <p:txBody>
-          <a:bodyPr/>
-          <a:lstStyle/>
-          <a:p>
-            <a:endParaRPr lang="en-US" dirty="0"/>
-          </a:p>
-        </p:txBody>
-      </p:sp>
-      <p:sp>
-        <p:nvSpPr>
-          <p:cNvPr id="4" name="Slide Number Placeholder 3"/>
-          <p:cNvSpPr>
-            <a:spLocks noGrp="1"/>
-          </p:cNvSpPr>
-          <p:nvPr>
-            <p:ph type="sldNum" sz="quarter" idx="10"/>
-          </p:nvPr>
-        </p:nvSpPr>
-        <p:spPr/>
-        <p:txBody>
-          <a:bodyPr/>
-          <a:lstStyle/>
-          <a:p>
-            <a:fld id="{7A7DE8C9-8C03-4509-B572-245EAFEE7719}" type="slidenum">
-              <a:rPr lang="en-US" smtClean="0"/>
-              <a:t>2</a:t>
-            </a:fld>
-            <a:endParaRPr lang="en-US"/>
-          </a:p>
-        </p:txBody>
-      </p:sp>
-    </p:spTree>
-    <p:extLst>
-      <p:ext uri="{BB962C8B-B14F-4D97-AF65-F5344CB8AC3E}">
-        <p14:creationId xmlns:p14="http://schemas.microsoft.com/office/powerpoint/2010/main" val="2351363554"/>
-      </p:ext>
-    </p:extLst>
-  </p:cSld>
-  <p:clrMapOvr>
-    <a:masterClrMapping/>
-  </p:clrMapOvr>
-</p:notes>
 </file>
 
 <file path=ppt/slideLayouts/slideLayout1.xml><?xml version="1.0" encoding="utf-8"?>
@@ -1171,7 +1087,7 @@
           <a:p>
             <a:fld id="{B94EC5BE-1084-4C3B-ABA7-5D08BFDB57DD}" type="datetimeFigureOut">
               <a:rPr lang="en-US" smtClean="0"/>
-              <a:t>4/27/2017</a:t>
+              <a:t>6/7/2017</a:t>
             </a:fld>
             <a:endParaRPr lang="en-US"/>
           </a:p>
@@ -1367,7 +1283,7 @@
           <a:p>
             <a:fld id="{B94EC5BE-1084-4C3B-ABA7-5D08BFDB57DD}" type="datetimeFigureOut">
               <a:rPr lang="en-US" smtClean="0"/>
-              <a:t>4/27/2017</a:t>
+              <a:t>6/7/2017</a:t>
             </a:fld>
             <a:endParaRPr lang="en-US"/>
           </a:p>
@@ -1552,7 +1468,7 @@
           <a:p>
             <a:fld id="{B94EC5BE-1084-4C3B-ABA7-5D08BFDB57DD}" type="datetimeFigureOut">
               <a:rPr lang="en-US" smtClean="0"/>
-              <a:t>4/27/2017</a:t>
+              <a:t>6/7/2017</a:t>
             </a:fld>
             <a:endParaRPr lang="en-US"/>
           </a:p>
@@ -1702,7 +1618,7 @@
           <a:p>
             <a:fld id="{B94EC5BE-1084-4C3B-ABA7-5D08BFDB57DD}" type="datetimeFigureOut">
               <a:rPr lang="en-US" smtClean="0"/>
-              <a:t>4/27/2017</a:t>
+              <a:t>6/7/2017</a:t>
             </a:fld>
             <a:endParaRPr lang="en-US"/>
           </a:p>
@@ -1957,7 +1873,7 @@
           <a:p>
             <a:fld id="{B94EC5BE-1084-4C3B-ABA7-5D08BFDB57DD}" type="datetimeFigureOut">
               <a:rPr lang="en-US" smtClean="0"/>
-              <a:t>4/27/2017</a:t>
+              <a:t>6/7/2017</a:t>
             </a:fld>
             <a:endParaRPr lang="en-US"/>
           </a:p>
@@ -2366,7 +2282,7 @@
           <a:p>
             <a:fld id="{B94EC5BE-1084-4C3B-ABA7-5D08BFDB57DD}" type="datetimeFigureOut">
               <a:rPr lang="en-US" smtClean="0"/>
-              <a:t>4/27/2017</a:t>
+              <a:t>6/7/2017</a:t>
             </a:fld>
             <a:endParaRPr lang="en-US"/>
           </a:p>
@@ -2812,7 +2728,7 @@
           <a:p>
             <a:fld id="{B94EC5BE-1084-4C3B-ABA7-5D08BFDB57DD}" type="datetimeFigureOut">
               <a:rPr lang="en-US" smtClean="0"/>
-              <a:t>4/27/2017</a:t>
+              <a:t>6/7/2017</a:t>
             </a:fld>
             <a:endParaRPr lang="en-US"/>
           </a:p>
@@ -2913,7 +2829,7 @@
           <a:p>
             <a:fld id="{B94EC5BE-1084-4C3B-ABA7-5D08BFDB57DD}" type="datetimeFigureOut">
               <a:rPr lang="en-US" smtClean="0"/>
-              <a:t>4/27/2017</a:t>
+              <a:t>6/7/2017</a:t>
             </a:fld>
             <a:endParaRPr lang="en-US"/>
           </a:p>
@@ -3034,7 +2950,7 @@
           <a:p>
             <a:fld id="{B94EC5BE-1084-4C3B-ABA7-5D08BFDB57DD}" type="datetimeFigureOut">
               <a:rPr lang="en-US" smtClean="0"/>
-              <a:t>4/27/2017</a:t>
+              <a:t>6/7/2017</a:t>
             </a:fld>
             <a:endParaRPr lang="en-US"/>
           </a:p>
@@ -3308,7 +3224,7 @@
           <a:p>
             <a:fld id="{B94EC5BE-1084-4C3B-ABA7-5D08BFDB57DD}" type="datetimeFigureOut">
               <a:rPr lang="en-US" smtClean="0"/>
-              <a:t>4/27/2017</a:t>
+              <a:t>6/7/2017</a:t>
             </a:fld>
             <a:endParaRPr lang="en-US"/>
           </a:p>
@@ -3513,7 +3429,7 @@
           <a:p>
             <a:fld id="{B94EC5BE-1084-4C3B-ABA7-5D08BFDB57DD}" type="datetimeFigureOut">
               <a:rPr lang="en-US" smtClean="0"/>
-              <a:t>4/27/2017</a:t>
+              <a:t>6/7/2017</a:t>
             </a:fld>
             <a:endParaRPr lang="en-US"/>
           </a:p>
@@ -4622,7 +4538,7 @@
           <a:p>
             <a:fld id="{B94EC5BE-1084-4C3B-ABA7-5D08BFDB57DD}" type="datetimeFigureOut">
               <a:rPr lang="en-US" smtClean="0"/>
-              <a:t>4/27/2017</a:t>
+              <a:t>6/7/2017</a:t>
             </a:fld>
             <a:endParaRPr lang="en-US"/>
           </a:p>
@@ -5110,18 +5026,53 @@
       </p:grpSpPr>
       <p:sp>
         <p:nvSpPr>
-          <p:cNvPr id="17" name="Rounded Rectangle 16"/>
+          <p:cNvPr id="3" name="Title 2"/>
+          <p:cNvSpPr>
+            <a:spLocks noGrp="1"/>
+          </p:cNvSpPr>
+          <p:nvPr>
+            <p:ph type="title"/>
+          </p:nvPr>
+        </p:nvSpPr>
+        <p:spPr/>
+        <p:txBody>
+          <a:bodyPr>
+            <a:normAutofit/>
+          </a:bodyPr>
+          <a:lstStyle/>
+          <a:p>
+            <a:r>
+              <a:rPr lang="en-US" sz="2800" dirty="0" smtClean="0"/>
+              <a:t>Server Configuration and Process Flow</a:t>
+            </a:r>
+            <a:endParaRPr lang="en-US" sz="2800" dirty="0"/>
+          </a:p>
+        </p:txBody>
+      </p:sp>
+      <p:sp>
+        <p:nvSpPr>
+          <p:cNvPr id="10" name="Rounded Rectangle 9"/>
           <p:cNvSpPr/>
           <p:nvPr/>
         </p:nvSpPr>
         <p:spPr>
           <a:xfrm>
-            <a:off x="228600" y="152400"/>
-            <a:ext cx="685800" cy="457200"/>
+            <a:off x="685799" y="1219200"/>
+            <a:ext cx="1524000" cy="685800"/>
           </a:xfrm>
           <a:prstGeom prst="roundRect">
             <a:avLst/>
           </a:prstGeom>
+          <a:solidFill>
+            <a:schemeClr val="accent6"/>
+          </a:solidFill>
+          <a:ln w="38100" cmpd="sng">
+            <a:solidFill>
+              <a:schemeClr val="accent6">
+                <a:lumMod val="50000"/>
+              </a:schemeClr>
+            </a:solidFill>
+          </a:ln>
         </p:spPr>
         <p:style>
           <a:lnRef idx="2">
@@ -5145,26 +5096,37 @@
           <a:p>
             <a:pPr algn="ctr"/>
             <a:r>
-              <a:rPr lang="en-US" sz="1200" dirty="0" smtClean="0"/>
-              <a:t>Slack</a:t>
-            </a:r>
-          </a:p>
-        </p:txBody>
-      </p:sp>
-      <p:sp>
-        <p:nvSpPr>
-          <p:cNvPr id="18" name="Rounded Rectangle 17"/>
+              <a:rPr lang="en-US" sz="1000" dirty="0" smtClean="0"/>
+              <a:t>Slack.com</a:t>
+            </a:r>
+            <a:endParaRPr lang="en-US" sz="1000" dirty="0"/>
+          </a:p>
+        </p:txBody>
+      </p:sp>
+      <p:sp>
+        <p:nvSpPr>
+          <p:cNvPr id="12" name="Rounded Rectangle 11"/>
           <p:cNvSpPr/>
           <p:nvPr/>
         </p:nvSpPr>
         <p:spPr>
           <a:xfrm>
-            <a:off x="2209800" y="152400"/>
-            <a:ext cx="990600" cy="457200"/>
+            <a:off x="6529270" y="1219200"/>
+            <a:ext cx="1524000" cy="685800"/>
           </a:xfrm>
           <a:prstGeom prst="roundRect">
             <a:avLst/>
           </a:prstGeom>
+          <a:solidFill>
+            <a:schemeClr val="accent6"/>
+          </a:solidFill>
+          <a:ln w="38100" cmpd="sng">
+            <a:solidFill>
+              <a:schemeClr val="accent6">
+                <a:lumMod val="50000"/>
+              </a:schemeClr>
+            </a:solidFill>
+          </a:ln>
         </p:spPr>
         <p:style>
           <a:lnRef idx="2">
@@ -5188,26 +5150,28 @@
           <a:p>
             <a:pPr algn="ctr"/>
             <a:r>
-              <a:rPr lang="en-US" sz="1200" dirty="0" smtClean="0"/>
-              <a:t>Slack App</a:t>
-            </a:r>
-          </a:p>
-        </p:txBody>
-      </p:sp>
-      <p:sp>
-        <p:nvSpPr>
-          <p:cNvPr id="19" name="Rounded Rectangle 18"/>
+              <a:rPr lang="en-US" sz="1000" dirty="0" smtClean="0"/>
+              <a:t>Browserstack.com</a:t>
+            </a:r>
+            <a:endParaRPr lang="en-US" sz="1000" dirty="0"/>
+          </a:p>
+        </p:txBody>
+      </p:sp>
+      <p:sp>
+        <p:nvSpPr>
+          <p:cNvPr id="13" name="Rounded Rectangle 12"/>
           <p:cNvSpPr/>
           <p:nvPr/>
         </p:nvSpPr>
         <p:spPr>
           <a:xfrm>
-            <a:off x="4495800" y="152400"/>
-            <a:ext cx="1219200" cy="457200"/>
+            <a:off x="7391400" y="6208096"/>
+            <a:ext cx="1524000" cy="421304"/>
           </a:xfrm>
           <a:prstGeom prst="roundRect">
             <a:avLst/>
           </a:prstGeom>
+          <a:ln w="38100" cmpd="sng"/>
         </p:spPr>
         <p:style>
           <a:lnRef idx="2">
@@ -5231,34 +5195,37 @@
           <a:p>
             <a:pPr algn="ctr"/>
             <a:r>
-              <a:rPr lang="en-US" sz="1200" dirty="0" err="1" smtClean="0"/>
-              <a:t>Browserstack</a:t>
-            </a:r>
-            <a:r>
-              <a:rPr lang="en-US" sz="1200" dirty="0"/>
-              <a:t> </a:t>
-            </a:r>
-            <a:r>
-              <a:rPr lang="en-US" sz="1200" dirty="0" smtClean="0"/>
-              <a:t>App</a:t>
-            </a:r>
-          </a:p>
-        </p:txBody>
-      </p:sp>
-      <p:sp>
-        <p:nvSpPr>
-          <p:cNvPr id="20" name="Rounded Rectangle 19"/>
+              <a:rPr lang="en-US" sz="1000" dirty="0" smtClean="0"/>
+              <a:t>Node Services</a:t>
+            </a:r>
+            <a:endParaRPr lang="en-US" sz="1000" dirty="0"/>
+          </a:p>
+        </p:txBody>
+      </p:sp>
+      <p:sp>
+        <p:nvSpPr>
+          <p:cNvPr id="14" name="Rounded Rectangle 13"/>
           <p:cNvSpPr/>
           <p:nvPr/>
         </p:nvSpPr>
         <p:spPr>
           <a:xfrm>
-            <a:off x="6553200" y="152400"/>
-            <a:ext cx="1219200" cy="457200"/>
+            <a:off x="7391400" y="5715000"/>
+            <a:ext cx="1524000" cy="421304"/>
           </a:xfrm>
           <a:prstGeom prst="roundRect">
             <a:avLst/>
           </a:prstGeom>
+          <a:solidFill>
+            <a:schemeClr val="accent6"/>
+          </a:solidFill>
+          <a:ln w="38100" cmpd="sng">
+            <a:solidFill>
+              <a:schemeClr val="accent6">
+                <a:lumMod val="50000"/>
+              </a:schemeClr>
+            </a:solidFill>
+          </a:ln>
         </p:spPr>
         <p:style>
           <a:lnRef idx="2">
@@ -5282,28 +5249,545 @@
           <a:p>
             <a:pPr algn="ctr"/>
             <a:r>
-              <a:rPr lang="en-US" sz="1200" dirty="0" err="1" smtClean="0"/>
-              <a:t>Browserstack</a:t>
-            </a:r>
-            <a:endParaRPr lang="en-US" sz="1200" dirty="0" smtClean="0"/>
+              <a:rPr lang="en-US" sz="1000" dirty="0" smtClean="0"/>
+              <a:t>3</a:t>
+            </a:r>
+            <a:r>
+              <a:rPr lang="en-US" sz="1000" baseline="30000" dirty="0" smtClean="0"/>
+              <a:t>rd</a:t>
+            </a:r>
+            <a:r>
+              <a:rPr lang="en-US" sz="1000" dirty="0" smtClean="0"/>
+              <a:t> Party Services</a:t>
+            </a:r>
+            <a:endParaRPr lang="en-US" sz="1000" dirty="0"/>
+          </a:p>
+        </p:txBody>
+      </p:sp>
+      <p:sp>
+        <p:nvSpPr>
+          <p:cNvPr id="18" name="Rounded Rectangle 17"/>
+          <p:cNvSpPr/>
+          <p:nvPr/>
+        </p:nvSpPr>
+        <p:spPr>
+          <a:xfrm>
+            <a:off x="7391400" y="5217496"/>
+            <a:ext cx="1524000" cy="421304"/>
+          </a:xfrm>
+          <a:prstGeom prst="roundRect">
+            <a:avLst/>
+          </a:prstGeom>
+          <a:solidFill>
+            <a:schemeClr val="tx1">
+              <a:lumMod val="50000"/>
+              <a:lumOff val="50000"/>
+            </a:schemeClr>
+          </a:solidFill>
+          <a:ln w="38100" cmpd="sng">
+            <a:solidFill>
+              <a:schemeClr val="accent6">
+                <a:lumMod val="50000"/>
+              </a:schemeClr>
+            </a:solidFill>
+          </a:ln>
+        </p:spPr>
+        <p:style>
+          <a:lnRef idx="2">
+            <a:schemeClr val="accent1">
+              <a:shade val="50000"/>
+            </a:schemeClr>
+          </a:lnRef>
+          <a:fillRef idx="1">
+            <a:schemeClr val="accent1"/>
+          </a:fillRef>
+          <a:effectRef idx="0">
+            <a:schemeClr val="accent1"/>
+          </a:effectRef>
+          <a:fontRef idx="minor">
+            <a:schemeClr val="lt1"/>
+          </a:fontRef>
+        </p:style>
+        <p:txBody>
+          <a:bodyPr rtlCol="0" anchor="ctr"/>
+          <a:lstStyle/>
+          <a:p>
+            <a:pPr algn="ctr"/>
+            <a:r>
+              <a:rPr lang="en-US" sz="1000" dirty="0" err="1" smtClean="0"/>
+              <a:t>MooMoo</a:t>
+            </a:r>
+            <a:r>
+              <a:rPr lang="en-US" sz="1000" dirty="0" smtClean="0"/>
+              <a:t> (Slack App)</a:t>
+            </a:r>
+            <a:endParaRPr lang="en-US" sz="1000" dirty="0"/>
+          </a:p>
+        </p:txBody>
+      </p:sp>
+      <p:sp>
+        <p:nvSpPr>
+          <p:cNvPr id="19" name="Rounded Rectangle 18"/>
+          <p:cNvSpPr/>
+          <p:nvPr/>
+        </p:nvSpPr>
+        <p:spPr>
+          <a:xfrm>
+            <a:off x="685800" y="3110030"/>
+            <a:ext cx="1524000" cy="699970"/>
+          </a:xfrm>
+          <a:prstGeom prst="roundRect">
+            <a:avLst/>
+          </a:prstGeom>
+          <a:solidFill>
+            <a:schemeClr val="tx1">
+              <a:lumMod val="50000"/>
+              <a:lumOff val="50000"/>
+            </a:schemeClr>
+          </a:solidFill>
+          <a:ln w="38100" cmpd="sng">
+            <a:solidFill>
+              <a:schemeClr val="accent6">
+                <a:lumMod val="50000"/>
+              </a:schemeClr>
+            </a:solidFill>
+          </a:ln>
+        </p:spPr>
+        <p:style>
+          <a:lnRef idx="2">
+            <a:schemeClr val="accent1">
+              <a:shade val="50000"/>
+            </a:schemeClr>
+          </a:lnRef>
+          <a:fillRef idx="1">
+            <a:schemeClr val="accent1"/>
+          </a:fillRef>
+          <a:effectRef idx="0">
+            <a:schemeClr val="accent1"/>
+          </a:effectRef>
+          <a:fontRef idx="minor">
+            <a:schemeClr val="lt1"/>
+          </a:fontRef>
+        </p:style>
+        <p:txBody>
+          <a:bodyPr rtlCol="0" anchor="ctr"/>
+          <a:lstStyle/>
+          <a:p>
+            <a:pPr algn="ctr"/>
+            <a:r>
+              <a:rPr lang="en-US" sz="1000" dirty="0" err="1" smtClean="0"/>
+              <a:t>MooMoo</a:t>
+            </a:r>
+            <a:r>
+              <a:rPr lang="en-US" sz="1000" dirty="0" smtClean="0"/>
+              <a:t> (Slack App)</a:t>
+            </a:r>
+            <a:endParaRPr lang="en-US" sz="1000" dirty="0"/>
           </a:p>
         </p:txBody>
       </p:sp>
       <p:cxnSp>
         <p:nvCxnSpPr>
-          <p:cNvPr id="22" name="Straight Arrow Connector 21"/>
-          <p:cNvCxnSpPr/>
+          <p:cNvPr id="23" name="Straight Arrow Connector 22"/>
+          <p:cNvCxnSpPr>
+            <a:stCxn id="10" idx="2"/>
+            <a:endCxn id="19" idx="0"/>
+          </p:cNvCxnSpPr>
           <p:nvPr/>
         </p:nvCxnSpPr>
         <p:spPr>
           <a:xfrm>
-            <a:off x="568666" y="638973"/>
-            <a:ext cx="0" cy="5229220"/>
+            <a:off x="1447799" y="1905000"/>
+            <a:ext cx="1" cy="1205030"/>
           </a:xfrm>
           <a:prstGeom prst="straightConnector1">
             <a:avLst/>
           </a:prstGeom>
-          <a:ln w="57150">
+          <a:ln w="12700">
+            <a:solidFill>
+              <a:schemeClr val="tx1"/>
+            </a:solidFill>
+            <a:tailEnd type="arrow"/>
+          </a:ln>
+        </p:spPr>
+        <p:style>
+          <a:lnRef idx="1">
+            <a:schemeClr val="dk1"/>
+          </a:lnRef>
+          <a:fillRef idx="0">
+            <a:schemeClr val="dk1"/>
+          </a:fillRef>
+          <a:effectRef idx="0">
+            <a:schemeClr val="dk1"/>
+          </a:effectRef>
+          <a:fontRef idx="minor">
+            <a:schemeClr val="tx1"/>
+          </a:fontRef>
+        </p:style>
+      </p:cxnSp>
+      <p:sp>
+        <p:nvSpPr>
+          <p:cNvPr id="17" name="Rectangle 16"/>
+          <p:cNvSpPr/>
+          <p:nvPr/>
+        </p:nvSpPr>
+        <p:spPr>
+          <a:xfrm>
+            <a:off x="2895600" y="2362200"/>
+            <a:ext cx="2921910" cy="3048000"/>
+          </a:xfrm>
+          <a:prstGeom prst="rect">
+            <a:avLst/>
+          </a:prstGeom>
+          <a:solidFill>
+            <a:schemeClr val="bg2"/>
+          </a:solidFill>
+          <a:ln w="12700" cmpd="sng">
+            <a:solidFill>
+              <a:schemeClr val="bg2">
+                <a:lumMod val="25000"/>
+              </a:schemeClr>
+            </a:solidFill>
+          </a:ln>
+        </p:spPr>
+        <p:style>
+          <a:lnRef idx="2">
+            <a:schemeClr val="accent1">
+              <a:shade val="50000"/>
+            </a:schemeClr>
+          </a:lnRef>
+          <a:fillRef idx="1">
+            <a:schemeClr val="accent1"/>
+          </a:fillRef>
+          <a:effectRef idx="0">
+            <a:schemeClr val="accent1"/>
+          </a:effectRef>
+          <a:fontRef idx="minor">
+            <a:schemeClr val="lt1"/>
+          </a:fontRef>
+        </p:style>
+        <p:txBody>
+          <a:bodyPr rtlCol="0" anchor="t"/>
+          <a:lstStyle/>
+          <a:p>
+            <a:r>
+              <a:rPr lang="en-US" sz="1100" dirty="0" smtClean="0">
+                <a:solidFill>
+                  <a:schemeClr val="tx1"/>
+                </a:solidFill>
+              </a:rPr>
+              <a:t>KBB Server with access to internal sites</a:t>
+            </a:r>
+            <a:endParaRPr lang="en-US" sz="1100" dirty="0">
+              <a:solidFill>
+                <a:schemeClr val="tx1"/>
+              </a:solidFill>
+            </a:endParaRPr>
+          </a:p>
+        </p:txBody>
+      </p:sp>
+      <p:sp>
+        <p:nvSpPr>
+          <p:cNvPr id="7" name="Rounded Rectangle 6"/>
+          <p:cNvSpPr/>
+          <p:nvPr/>
+        </p:nvSpPr>
+        <p:spPr>
+          <a:xfrm>
+            <a:off x="3581400" y="2825697"/>
+            <a:ext cx="1524000" cy="762000"/>
+          </a:xfrm>
+          <a:prstGeom prst="roundRect">
+            <a:avLst/>
+          </a:prstGeom>
+          <a:ln w="38100" cmpd="sng"/>
+        </p:spPr>
+        <p:style>
+          <a:lnRef idx="2">
+            <a:schemeClr val="accent1">
+              <a:shade val="50000"/>
+            </a:schemeClr>
+          </a:lnRef>
+          <a:fillRef idx="1">
+            <a:schemeClr val="accent1"/>
+          </a:fillRef>
+          <a:effectRef idx="0">
+            <a:schemeClr val="accent1"/>
+          </a:effectRef>
+          <a:fontRef idx="minor">
+            <a:schemeClr val="lt1"/>
+          </a:fontRef>
+        </p:style>
+        <p:txBody>
+          <a:bodyPr rtlCol="0" anchor="ctr"/>
+          <a:lstStyle/>
+          <a:p>
+            <a:pPr algn="ctr"/>
+            <a:r>
+              <a:rPr lang="en-US" sz="1000" dirty="0" smtClean="0"/>
+              <a:t>Slack </a:t>
+            </a:r>
+          </a:p>
+          <a:p>
+            <a:pPr algn="ctr"/>
+            <a:r>
+              <a:rPr lang="en-US" sz="1000" dirty="0" smtClean="0"/>
+              <a:t>Service</a:t>
+            </a:r>
+            <a:endParaRPr lang="en-US" sz="1000" dirty="0"/>
+          </a:p>
+        </p:txBody>
+      </p:sp>
+      <p:sp>
+        <p:nvSpPr>
+          <p:cNvPr id="8" name="Rounded Rectangle 7"/>
+          <p:cNvSpPr/>
+          <p:nvPr/>
+        </p:nvSpPr>
+        <p:spPr>
+          <a:xfrm>
+            <a:off x="3578881" y="4197926"/>
+            <a:ext cx="1524000" cy="762000"/>
+          </a:xfrm>
+          <a:prstGeom prst="roundRect">
+            <a:avLst/>
+          </a:prstGeom>
+          <a:ln w="38100" cmpd="sng"/>
+        </p:spPr>
+        <p:style>
+          <a:lnRef idx="2">
+            <a:schemeClr val="accent1">
+              <a:shade val="50000"/>
+            </a:schemeClr>
+          </a:lnRef>
+          <a:fillRef idx="1">
+            <a:schemeClr val="accent1"/>
+          </a:fillRef>
+          <a:effectRef idx="0">
+            <a:schemeClr val="accent1"/>
+          </a:effectRef>
+          <a:fontRef idx="minor">
+            <a:schemeClr val="lt1"/>
+          </a:fontRef>
+        </p:style>
+        <p:txBody>
+          <a:bodyPr rtlCol="0" anchor="ctr"/>
+          <a:lstStyle/>
+          <a:p>
+            <a:pPr algn="ctr"/>
+            <a:r>
+              <a:rPr lang="en-US" sz="1000" dirty="0" err="1" smtClean="0"/>
+              <a:t>Browserstack</a:t>
+            </a:r>
+            <a:endParaRPr lang="en-US" sz="1000" dirty="0"/>
+          </a:p>
+          <a:p>
+            <a:pPr algn="ctr"/>
+            <a:r>
+              <a:rPr lang="en-US" sz="1000" dirty="0" smtClean="0"/>
+              <a:t>Service</a:t>
+            </a:r>
+            <a:endParaRPr lang="en-US" sz="1000" dirty="0"/>
+          </a:p>
+        </p:txBody>
+      </p:sp>
+      <p:sp>
+        <p:nvSpPr>
+          <p:cNvPr id="9" name="Rectangle 8"/>
+          <p:cNvSpPr/>
+          <p:nvPr/>
+        </p:nvSpPr>
+        <p:spPr>
+          <a:xfrm>
+            <a:off x="3695700" y="5124607"/>
+            <a:ext cx="1295400" cy="152400"/>
+          </a:xfrm>
+          <a:prstGeom prst="rect">
+            <a:avLst/>
+          </a:prstGeom>
+          <a:solidFill>
+            <a:schemeClr val="tx2">
+              <a:lumMod val="20000"/>
+              <a:lumOff val="80000"/>
+            </a:schemeClr>
+          </a:solidFill>
+          <a:ln w="34925">
+            <a:noFill/>
+          </a:ln>
+        </p:spPr>
+        <p:style>
+          <a:lnRef idx="2">
+            <a:schemeClr val="accent1">
+              <a:shade val="50000"/>
+            </a:schemeClr>
+          </a:lnRef>
+          <a:fillRef idx="1">
+            <a:schemeClr val="accent1"/>
+          </a:fillRef>
+          <a:effectRef idx="0">
+            <a:schemeClr val="accent1"/>
+          </a:effectRef>
+          <a:fontRef idx="minor">
+            <a:schemeClr val="lt1"/>
+          </a:fontRef>
+        </p:style>
+        <p:txBody>
+          <a:bodyPr rtlCol="0" anchor="ctr"/>
+          <a:lstStyle/>
+          <a:p>
+            <a:pPr algn="ctr"/>
+            <a:r>
+              <a:rPr lang="en-US" sz="800" dirty="0" smtClean="0">
+                <a:solidFill>
+                  <a:schemeClr val="tx1"/>
+                </a:solidFill>
+              </a:rPr>
+              <a:t>BrowserStackLocal.exe</a:t>
+            </a:r>
+            <a:endParaRPr lang="en-US" sz="800" dirty="0">
+              <a:solidFill>
+                <a:schemeClr val="tx1"/>
+              </a:solidFill>
+            </a:endParaRPr>
+          </a:p>
+        </p:txBody>
+      </p:sp>
+      <p:cxnSp>
+        <p:nvCxnSpPr>
+          <p:cNvPr id="29" name="Straight Arrow Connector 28"/>
+          <p:cNvCxnSpPr>
+            <a:stCxn id="7" idx="2"/>
+            <a:endCxn id="8" idx="0"/>
+          </p:cNvCxnSpPr>
+          <p:nvPr/>
+        </p:nvCxnSpPr>
+        <p:spPr>
+          <a:xfrm flipH="1">
+            <a:off x="4340881" y="3587697"/>
+            <a:ext cx="2519" cy="610229"/>
+          </a:xfrm>
+          <a:prstGeom prst="straightConnector1">
+            <a:avLst/>
+          </a:prstGeom>
+          <a:ln w="12700">
+            <a:solidFill>
+              <a:schemeClr val="tx1"/>
+            </a:solidFill>
+            <a:tailEnd type="arrow"/>
+          </a:ln>
+        </p:spPr>
+        <p:style>
+          <a:lnRef idx="1">
+            <a:schemeClr val="dk1"/>
+          </a:lnRef>
+          <a:fillRef idx="0">
+            <a:schemeClr val="dk1"/>
+          </a:fillRef>
+          <a:effectRef idx="0">
+            <a:schemeClr val="dk1"/>
+          </a:effectRef>
+          <a:fontRef idx="minor">
+            <a:schemeClr val="tx1"/>
+          </a:fontRef>
+        </p:style>
+      </p:cxnSp>
+      <p:sp>
+        <p:nvSpPr>
+          <p:cNvPr id="33" name="TextBox 32"/>
+          <p:cNvSpPr txBox="1"/>
+          <p:nvPr/>
+        </p:nvSpPr>
+        <p:spPr>
+          <a:xfrm>
+            <a:off x="4344030" y="3733800"/>
+            <a:ext cx="1473480" cy="338554"/>
+          </a:xfrm>
+          <a:prstGeom prst="rect">
+            <a:avLst/>
+          </a:prstGeom>
+          <a:noFill/>
+        </p:spPr>
+        <p:txBody>
+          <a:bodyPr wrap="none" rtlCol="0">
+            <a:spAutoFit/>
+          </a:bodyPr>
+          <a:lstStyle/>
+          <a:p>
+            <a:r>
+              <a:rPr lang="en-US" sz="800" dirty="0" smtClean="0"/>
+              <a:t>3. Parse request from app</a:t>
+            </a:r>
+          </a:p>
+          <a:p>
+            <a:r>
+              <a:rPr lang="en-US" sz="800" dirty="0" smtClean="0"/>
+              <a:t>4. Submit job request</a:t>
+            </a:r>
+            <a:endParaRPr lang="en-US" sz="800" dirty="0"/>
+          </a:p>
+        </p:txBody>
+      </p:sp>
+      <p:sp>
+        <p:nvSpPr>
+          <p:cNvPr id="37" name="TextBox 36"/>
+          <p:cNvSpPr txBox="1"/>
+          <p:nvPr/>
+        </p:nvSpPr>
+        <p:spPr>
+          <a:xfrm>
+            <a:off x="1467322" y="1981200"/>
+            <a:ext cx="1540806" cy="215444"/>
+          </a:xfrm>
+          <a:prstGeom prst="rect">
+            <a:avLst/>
+          </a:prstGeom>
+          <a:noFill/>
+        </p:spPr>
+        <p:txBody>
+          <a:bodyPr wrap="none" rtlCol="0">
+            <a:spAutoFit/>
+          </a:bodyPr>
+          <a:lstStyle/>
+          <a:p>
+            <a:r>
+              <a:rPr lang="en-US" sz="800" dirty="0" smtClean="0"/>
+              <a:t>1. /</a:t>
+            </a:r>
+            <a:r>
+              <a:rPr lang="en-US" sz="800" dirty="0" err="1" smtClean="0"/>
+              <a:t>moomoo</a:t>
+            </a:r>
+            <a:r>
+              <a:rPr lang="en-US" sz="800" dirty="0" smtClean="0"/>
+              <a:t> www.kbb.com</a:t>
+            </a:r>
+            <a:endParaRPr lang="en-US" sz="800" dirty="0"/>
+          </a:p>
+        </p:txBody>
+      </p:sp>
+      <p:cxnSp>
+        <p:nvCxnSpPr>
+          <p:cNvPr id="40" name="Elbow Connector 39"/>
+          <p:cNvCxnSpPr>
+            <a:stCxn id="19" idx="2"/>
+          </p:cNvCxnSpPr>
+          <p:nvPr/>
+        </p:nvCxnSpPr>
+        <p:spPr>
+          <a:xfrm rot="5400000" flipH="1" flipV="1">
+            <a:off x="2211689" y="2442809"/>
+            <a:ext cx="603302" cy="2131080"/>
+          </a:xfrm>
+          <a:prstGeom prst="bentConnector4">
+            <a:avLst>
+              <a:gd name="adj1" fmla="val -37891"/>
+              <a:gd name="adj2" fmla="val 63268"/>
+            </a:avLst>
+          </a:prstGeom>
+          <a:ln w="12700">
+            <a:solidFill>
+              <a:schemeClr val="tx1"/>
+            </a:solidFill>
             <a:tailEnd type="arrow"/>
           </a:ln>
         </p:spPr>
@@ -5322,21 +5806,56 @@
           </a:fontRef>
         </p:style>
       </p:cxnSp>
+      <p:sp>
+        <p:nvSpPr>
+          <p:cNvPr id="41" name="TextBox 40"/>
+          <p:cNvSpPr txBox="1"/>
+          <p:nvPr/>
+        </p:nvSpPr>
+        <p:spPr>
+          <a:xfrm>
+            <a:off x="812464" y="4175394"/>
+            <a:ext cx="2111475" cy="215444"/>
+          </a:xfrm>
+          <a:prstGeom prst="rect">
+            <a:avLst/>
+          </a:prstGeom>
+          <a:noFill/>
+        </p:spPr>
+        <p:txBody>
+          <a:bodyPr wrap="none" rtlCol="0">
+            <a:spAutoFit/>
+          </a:bodyPr>
+          <a:lstStyle/>
+          <a:p>
+            <a:r>
+              <a:rPr lang="en-US" sz="800" dirty="0" smtClean="0"/>
+              <a:t>2. Forward request to the Slack Service</a:t>
+            </a:r>
+            <a:endParaRPr lang="en-US" sz="800" dirty="0"/>
+          </a:p>
+        </p:txBody>
+      </p:sp>
       <p:cxnSp>
         <p:nvCxnSpPr>
-          <p:cNvPr id="28" name="Straight Arrow Connector 27"/>
-          <p:cNvCxnSpPr/>
+          <p:cNvPr id="55" name="Elbow Connector 54"/>
+          <p:cNvCxnSpPr>
+            <a:stCxn id="8" idx="3"/>
+          </p:cNvCxnSpPr>
           <p:nvPr/>
         </p:nvCxnSpPr>
         <p:spPr>
-          <a:xfrm>
-            <a:off x="2711083" y="638973"/>
-            <a:ext cx="0" cy="5229220"/>
+          <a:xfrm flipV="1">
+            <a:off x="5102881" y="1905000"/>
+            <a:ext cx="2654749" cy="2673926"/>
           </a:xfrm>
-          <a:prstGeom prst="straightConnector1">
+          <a:prstGeom prst="bentConnector2">
             <a:avLst/>
           </a:prstGeom>
-          <a:ln w="57150">
+          <a:ln w="12700">
+            <a:solidFill>
+              <a:schemeClr val="tx1"/>
+            </a:solidFill>
             <a:tailEnd type="arrow"/>
           </a:ln>
         </p:spPr>
@@ -5355,21 +5874,188 @@
           </a:fontRef>
         </p:style>
       </p:cxnSp>
+      <p:sp>
+        <p:nvSpPr>
+          <p:cNvPr id="64" name="TextBox 63"/>
+          <p:cNvSpPr txBox="1"/>
+          <p:nvPr/>
+        </p:nvSpPr>
+        <p:spPr>
+          <a:xfrm>
+            <a:off x="5941795" y="4648200"/>
+            <a:ext cx="2321469" cy="338554"/>
+          </a:xfrm>
+          <a:prstGeom prst="rect">
+            <a:avLst/>
+          </a:prstGeom>
+          <a:noFill/>
+        </p:spPr>
+        <p:txBody>
+          <a:bodyPr wrap="none" rtlCol="0">
+            <a:spAutoFit/>
+          </a:bodyPr>
+          <a:lstStyle/>
+          <a:p>
+            <a:r>
+              <a:rPr lang="en-US" sz="800" dirty="0" smtClean="0"/>
+              <a:t>5. Compile browsers to test</a:t>
+            </a:r>
+          </a:p>
+          <a:p>
+            <a:r>
+              <a:rPr lang="en-US" sz="800" dirty="0" smtClean="0"/>
+              <a:t>6. Submit job request to Browserstack.com</a:t>
+            </a:r>
+            <a:endParaRPr lang="en-US" sz="800" dirty="0"/>
+          </a:p>
+        </p:txBody>
+      </p:sp>
+      <p:grpSp>
+        <p:nvGrpSpPr>
+          <p:cNvPr id="98" name="Group 97"/>
+          <p:cNvGrpSpPr/>
+          <p:nvPr/>
+        </p:nvGrpSpPr>
+        <p:grpSpPr>
+          <a:xfrm>
+            <a:off x="5105400" y="1909762"/>
+            <a:ext cx="1828800" cy="1301698"/>
+            <a:chOff x="5105400" y="1909762"/>
+            <a:chExt cx="1828800" cy="1301698"/>
+          </a:xfrm>
+        </p:grpSpPr>
+        <p:cxnSp>
+          <p:nvCxnSpPr>
+            <p:cNvPr id="90" name="Straight Connector 89"/>
+            <p:cNvCxnSpPr/>
+            <p:nvPr/>
+          </p:nvCxnSpPr>
+          <p:spPr>
+            <a:xfrm>
+              <a:off x="6931819" y="1909762"/>
+              <a:ext cx="0" cy="1301698"/>
+            </a:xfrm>
+            <a:prstGeom prst="line">
+              <a:avLst/>
+            </a:prstGeom>
+            <a:ln w="12700">
+              <a:solidFill>
+                <a:schemeClr val="tx1"/>
+              </a:solidFill>
+            </a:ln>
+          </p:spPr>
+          <p:style>
+            <a:lnRef idx="1">
+              <a:schemeClr val="accent1"/>
+            </a:lnRef>
+            <a:fillRef idx="0">
+              <a:schemeClr val="accent1"/>
+            </a:fillRef>
+            <a:effectRef idx="0">
+              <a:schemeClr val="accent1"/>
+            </a:effectRef>
+            <a:fontRef idx="minor">
+              <a:schemeClr val="tx1"/>
+            </a:fontRef>
+          </p:style>
+        </p:cxnSp>
+        <p:cxnSp>
+          <p:nvCxnSpPr>
+            <p:cNvPr id="93" name="Straight Arrow Connector 92"/>
+            <p:cNvCxnSpPr>
+              <a:endCxn id="7" idx="3"/>
+            </p:cNvCxnSpPr>
+            <p:nvPr/>
+          </p:nvCxnSpPr>
+          <p:spPr>
+            <a:xfrm flipH="1">
+              <a:off x="5105400" y="3206697"/>
+              <a:ext cx="1828800" cy="0"/>
+            </a:xfrm>
+            <a:prstGeom prst="straightConnector1">
+              <a:avLst/>
+            </a:prstGeom>
+            <a:ln w="12700">
+              <a:solidFill>
+                <a:schemeClr val="tx1"/>
+              </a:solidFill>
+              <a:tailEnd type="arrow"/>
+            </a:ln>
+          </p:spPr>
+          <p:style>
+            <a:lnRef idx="1">
+              <a:schemeClr val="accent1"/>
+            </a:lnRef>
+            <a:fillRef idx="0">
+              <a:schemeClr val="accent1"/>
+            </a:fillRef>
+            <a:effectRef idx="0">
+              <a:schemeClr val="accent1"/>
+            </a:effectRef>
+            <a:fontRef idx="minor">
+              <a:schemeClr val="tx1"/>
+            </a:fontRef>
+          </p:style>
+        </p:cxnSp>
+      </p:grpSp>
+      <p:sp>
+        <p:nvSpPr>
+          <p:cNvPr id="100" name="TextBox 99"/>
+          <p:cNvSpPr txBox="1"/>
+          <p:nvPr/>
+        </p:nvSpPr>
+        <p:spPr>
+          <a:xfrm>
+            <a:off x="5872521" y="3242846"/>
+            <a:ext cx="1899879" cy="338554"/>
+          </a:xfrm>
+          <a:prstGeom prst="rect">
+            <a:avLst/>
+          </a:prstGeom>
+          <a:noFill/>
+        </p:spPr>
+        <p:txBody>
+          <a:bodyPr wrap="none" rtlCol="0">
+            <a:spAutoFit/>
+          </a:bodyPr>
+          <a:lstStyle/>
+          <a:p>
+            <a:r>
+              <a:rPr lang="en-US" sz="800" dirty="0" smtClean="0"/>
+              <a:t>7. Job Complete</a:t>
+            </a:r>
+          </a:p>
+          <a:p>
+            <a:r>
+              <a:rPr lang="en-US" sz="800" dirty="0" smtClean="0"/>
+              <a:t>8. Send job details to slack service</a:t>
+            </a:r>
+            <a:endParaRPr lang="en-US" sz="800" dirty="0"/>
+          </a:p>
+        </p:txBody>
+      </p:sp>
       <p:cxnSp>
         <p:nvCxnSpPr>
-          <p:cNvPr id="29" name="Straight Arrow Connector 28"/>
-          <p:cNvCxnSpPr/>
+          <p:cNvPr id="103" name="Elbow Connector 102"/>
+          <p:cNvCxnSpPr>
+            <a:endCxn id="10" idx="3"/>
+          </p:cNvCxnSpPr>
           <p:nvPr/>
         </p:nvCxnSpPr>
         <p:spPr>
-          <a:xfrm>
-            <a:off x="5105400" y="638973"/>
-            <a:ext cx="0" cy="5229220"/>
+          <a:xfrm rot="10800000">
+            <a:off x="2209800" y="1562100"/>
+            <a:ext cx="2917015" cy="1485904"/>
           </a:xfrm>
-          <a:prstGeom prst="straightConnector1">
-            <a:avLst/>
+          <a:prstGeom prst="bentConnector3">
+            <a:avLst>
+              <a:gd name="adj1" fmla="val -32124"/>
+            </a:avLst>
           </a:prstGeom>
-          <a:ln w="57150">
+          <a:ln w="12700">
+            <a:solidFill>
+              <a:schemeClr val="tx1"/>
+            </a:solidFill>
             <a:tailEnd type="arrow"/>
           </a:ln>
         </p:spPr>
@@ -5388,49 +6074,16 @@
           </a:fontRef>
         </p:style>
       </p:cxnSp>
-      <p:cxnSp>
-        <p:nvCxnSpPr>
-          <p:cNvPr id="30" name="Straight Arrow Connector 29"/>
-          <p:cNvCxnSpPr/>
+      <p:sp>
+        <p:nvSpPr>
+          <p:cNvPr id="113" name="TextBox 112"/>
+          <p:cNvSpPr txBox="1"/>
           <p:nvPr/>
-        </p:nvCxnSpPr>
+        </p:nvSpPr>
         <p:spPr>
           <a:xfrm>
-            <a:off x="7162800" y="638973"/>
-            <a:ext cx="0" cy="5229220"/>
-          </a:xfrm>
-          <a:prstGeom prst="straightConnector1">
-            <a:avLst/>
-          </a:prstGeom>
-          <a:ln w="57150">
-            <a:tailEnd type="arrow"/>
-          </a:ln>
-        </p:spPr>
-        <p:style>
-          <a:lnRef idx="1">
-            <a:schemeClr val="accent1"/>
-          </a:lnRef>
-          <a:fillRef idx="0">
-            <a:schemeClr val="accent1"/>
-          </a:fillRef>
-          <a:effectRef idx="0">
-            <a:schemeClr val="accent1"/>
-          </a:effectRef>
-          <a:fontRef idx="minor">
-            <a:schemeClr val="tx1"/>
-          </a:fontRef>
-        </p:style>
-      </p:cxnSp>
-      <p:sp>
-        <p:nvSpPr>
-          <p:cNvPr id="2" name="TextBox 1"/>
-          <p:cNvSpPr txBox="1"/>
-          <p:nvPr/>
-        </p:nvSpPr>
-        <p:spPr>
-          <a:xfrm>
-            <a:off x="838200" y="685800"/>
-            <a:ext cx="1513556" cy="230832"/>
+            <a:off x="3886200" y="1308556"/>
+            <a:ext cx="1571264" cy="215444"/>
           </a:xfrm>
           <a:prstGeom prst="rect">
             <a:avLst/>
@@ -5444,649 +6097,17 @@
           <a:lstStyle/>
           <a:p>
             <a:r>
-              <a:rPr lang="en-US" sz="900" b="1" dirty="0" smtClean="0"/>
-              <a:t>/</a:t>
-            </a:r>
-            <a:r>
-              <a:rPr lang="en-US" sz="900" b="1" dirty="0" err="1" smtClean="0"/>
-              <a:t>ss</a:t>
-            </a:r>
-            <a:r>
-              <a:rPr lang="en-US" sz="900" b="1" dirty="0" smtClean="0"/>
-              <a:t> test01.dev.kbb.com</a:t>
-            </a:r>
-            <a:endParaRPr lang="en-US" sz="900" b="1" dirty="0"/>
-          </a:p>
-        </p:txBody>
-      </p:sp>
-      <p:sp>
-        <p:nvSpPr>
-          <p:cNvPr id="11" name="TextBox 10"/>
-          <p:cNvSpPr txBox="1"/>
-          <p:nvPr/>
-        </p:nvSpPr>
-        <p:spPr>
-          <a:xfrm>
-            <a:off x="3155368" y="1219200"/>
-            <a:ext cx="1340432" cy="230832"/>
-          </a:xfrm>
-          <a:prstGeom prst="rect">
-            <a:avLst/>
-          </a:prstGeom>
-          <a:noFill/>
-        </p:spPr>
-        <p:txBody>
-          <a:bodyPr wrap="none" rtlCol="0">
-            <a:spAutoFit/>
-          </a:bodyPr>
-          <a:lstStyle/>
-          <a:p>
-            <a:r>
-              <a:rPr lang="en-US" sz="900" b="1" dirty="0" smtClean="0"/>
-              <a:t>Request screenshots</a:t>
-            </a:r>
-            <a:endParaRPr lang="en-US" sz="900" b="1" dirty="0"/>
-          </a:p>
-        </p:txBody>
-      </p:sp>
-      <p:sp>
-        <p:nvSpPr>
-          <p:cNvPr id="12" name="TextBox 11"/>
-          <p:cNvSpPr txBox="1"/>
-          <p:nvPr/>
-        </p:nvSpPr>
-        <p:spPr>
-          <a:xfrm>
-            <a:off x="5410200" y="1600200"/>
-            <a:ext cx="1438214" cy="230832"/>
-          </a:xfrm>
-          <a:prstGeom prst="rect">
-            <a:avLst/>
-          </a:prstGeom>
-          <a:noFill/>
-        </p:spPr>
-        <p:txBody>
-          <a:bodyPr wrap="none" rtlCol="0">
-            <a:spAutoFit/>
-          </a:bodyPr>
-          <a:lstStyle/>
-          <a:p>
-            <a:r>
-              <a:rPr lang="en-US" sz="900" b="1" dirty="0" smtClean="0"/>
-              <a:t>Submit screenshot job</a:t>
-            </a:r>
-            <a:endParaRPr lang="en-US" sz="900" b="1" dirty="0"/>
-          </a:p>
-        </p:txBody>
-      </p:sp>
-      <p:sp>
-        <p:nvSpPr>
-          <p:cNvPr id="13" name="TextBox 12"/>
-          <p:cNvSpPr txBox="1"/>
-          <p:nvPr/>
-        </p:nvSpPr>
-        <p:spPr>
-          <a:xfrm>
-            <a:off x="7315200" y="2207568"/>
-            <a:ext cx="1396536" cy="230832"/>
-          </a:xfrm>
-          <a:prstGeom prst="rect">
-            <a:avLst/>
-          </a:prstGeom>
-          <a:noFill/>
-        </p:spPr>
-        <p:txBody>
-          <a:bodyPr wrap="none" rtlCol="0">
-            <a:spAutoFit/>
-          </a:bodyPr>
-          <a:lstStyle/>
-          <a:p>
-            <a:r>
-              <a:rPr lang="en-US" sz="900" b="1" dirty="0" smtClean="0"/>
-              <a:t>Generate Screenshots</a:t>
-            </a:r>
-            <a:endParaRPr lang="en-US" sz="900" b="1" dirty="0"/>
-          </a:p>
-        </p:txBody>
-      </p:sp>
-      <p:sp>
-        <p:nvSpPr>
-          <p:cNvPr id="14" name="TextBox 13"/>
-          <p:cNvSpPr txBox="1"/>
-          <p:nvPr/>
-        </p:nvSpPr>
-        <p:spPr>
-          <a:xfrm>
-            <a:off x="5562600" y="2362200"/>
-            <a:ext cx="1183337" cy="369332"/>
-          </a:xfrm>
-          <a:prstGeom prst="rect">
-            <a:avLst/>
-          </a:prstGeom>
-          <a:noFill/>
-        </p:spPr>
-        <p:txBody>
-          <a:bodyPr wrap="none" rtlCol="0">
-            <a:spAutoFit/>
-          </a:bodyPr>
-          <a:lstStyle/>
-          <a:p>
-            <a:r>
-              <a:rPr lang="en-US" sz="900" b="1" dirty="0" smtClean="0"/>
-              <a:t>poll for job status</a:t>
-            </a:r>
-          </a:p>
-          <a:p>
-            <a:r>
-              <a:rPr lang="en-US" sz="900" b="1" dirty="0" smtClean="0"/>
-              <a:t>every 3 seconds</a:t>
-            </a:r>
-            <a:endParaRPr lang="en-US" sz="900" b="1" dirty="0"/>
-          </a:p>
-        </p:txBody>
-      </p:sp>
-      <p:sp>
-        <p:nvSpPr>
-          <p:cNvPr id="15" name="TextBox 14"/>
-          <p:cNvSpPr txBox="1"/>
-          <p:nvPr/>
-        </p:nvSpPr>
-        <p:spPr>
-          <a:xfrm>
-            <a:off x="7239000" y="3124200"/>
-            <a:ext cx="1638590" cy="230832"/>
-          </a:xfrm>
-          <a:prstGeom prst="rect">
-            <a:avLst/>
-          </a:prstGeom>
-          <a:noFill/>
-        </p:spPr>
-        <p:txBody>
-          <a:bodyPr wrap="none" rtlCol="0">
-            <a:spAutoFit/>
-          </a:bodyPr>
-          <a:lstStyle/>
-          <a:p>
-            <a:r>
-              <a:rPr lang="en-US" sz="900" b="1" dirty="0" smtClean="0"/>
-              <a:t>All screenshots generated</a:t>
-            </a:r>
-            <a:endParaRPr lang="en-US" sz="900" b="1" dirty="0"/>
-          </a:p>
-        </p:txBody>
-      </p:sp>
-      <p:sp>
-        <p:nvSpPr>
-          <p:cNvPr id="16" name="TextBox 15"/>
-          <p:cNvSpPr txBox="1"/>
-          <p:nvPr/>
-        </p:nvSpPr>
-        <p:spPr>
-          <a:xfrm>
-            <a:off x="2895600" y="3883968"/>
-            <a:ext cx="2068195" cy="230832"/>
-          </a:xfrm>
-          <a:prstGeom prst="rect">
-            <a:avLst/>
-          </a:prstGeom>
-          <a:noFill/>
-        </p:spPr>
-        <p:txBody>
-          <a:bodyPr wrap="none" rtlCol="0">
-            <a:spAutoFit/>
-          </a:bodyPr>
-          <a:lstStyle/>
-          <a:p>
-            <a:r>
-              <a:rPr lang="en-US" sz="900" b="1" dirty="0" smtClean="0"/>
-              <a:t>Send screenshot </a:t>
-            </a:r>
-            <a:r>
-              <a:rPr lang="en-US" sz="900" b="1" dirty="0" err="1" smtClean="0"/>
-              <a:t>urls</a:t>
-            </a:r>
-            <a:r>
-              <a:rPr lang="en-US" sz="900" b="1" dirty="0" smtClean="0"/>
-              <a:t> to slack app</a:t>
-            </a:r>
-            <a:endParaRPr lang="en-US" sz="900" b="1" dirty="0"/>
-          </a:p>
-        </p:txBody>
-      </p:sp>
-      <p:sp>
-        <p:nvSpPr>
-          <p:cNvPr id="21" name="TextBox 20"/>
-          <p:cNvSpPr txBox="1"/>
-          <p:nvPr/>
-        </p:nvSpPr>
-        <p:spPr>
-          <a:xfrm>
-            <a:off x="990600" y="4292769"/>
-            <a:ext cx="1524000" cy="507831"/>
-          </a:xfrm>
-          <a:prstGeom prst="rect">
-            <a:avLst/>
-          </a:prstGeom>
-          <a:noFill/>
-        </p:spPr>
-        <p:txBody>
-          <a:bodyPr wrap="square" rtlCol="0">
-            <a:spAutoFit/>
-          </a:bodyPr>
-          <a:lstStyle/>
-          <a:p>
-            <a:r>
-              <a:rPr lang="en-US" sz="900" b="1" dirty="0" smtClean="0"/>
-              <a:t>Post message with screenshot </a:t>
-            </a:r>
-            <a:r>
-              <a:rPr lang="en-US" sz="900" b="1" dirty="0" err="1" smtClean="0"/>
-              <a:t>urls</a:t>
-            </a:r>
-            <a:r>
-              <a:rPr lang="en-US" sz="900" b="1" dirty="0" smtClean="0"/>
-              <a:t> to channel</a:t>
-            </a:r>
-            <a:endParaRPr lang="en-US" sz="900" b="1" dirty="0"/>
-          </a:p>
-        </p:txBody>
-      </p:sp>
-      <p:cxnSp>
-        <p:nvCxnSpPr>
-          <p:cNvPr id="4" name="Straight Arrow Connector 3"/>
-          <p:cNvCxnSpPr/>
-          <p:nvPr/>
-        </p:nvCxnSpPr>
-        <p:spPr>
-          <a:xfrm>
-            <a:off x="571500" y="838200"/>
-            <a:ext cx="2139583" cy="266700"/>
-          </a:xfrm>
-          <a:prstGeom prst="straightConnector1">
-            <a:avLst/>
-          </a:prstGeom>
-          <a:ln>
-            <a:tailEnd type="arrow"/>
-          </a:ln>
-        </p:spPr>
-        <p:style>
-          <a:lnRef idx="1">
-            <a:schemeClr val="accent1"/>
-          </a:lnRef>
-          <a:fillRef idx="0">
-            <a:schemeClr val="accent1"/>
-          </a:fillRef>
-          <a:effectRef idx="0">
-            <a:schemeClr val="accent1"/>
-          </a:effectRef>
-          <a:fontRef idx="minor">
-            <a:schemeClr val="tx1"/>
-          </a:fontRef>
-        </p:style>
-      </p:cxnSp>
-      <p:cxnSp>
-        <p:nvCxnSpPr>
-          <p:cNvPr id="23" name="Straight Arrow Connector 22"/>
-          <p:cNvCxnSpPr/>
-          <p:nvPr/>
-        </p:nvCxnSpPr>
-        <p:spPr>
-          <a:xfrm>
-            <a:off x="2705100" y="1370484"/>
-            <a:ext cx="2400300" cy="266700"/>
-          </a:xfrm>
-          <a:prstGeom prst="straightConnector1">
-            <a:avLst/>
-          </a:prstGeom>
-          <a:ln>
-            <a:tailEnd type="arrow"/>
-          </a:ln>
-        </p:spPr>
-        <p:style>
-          <a:lnRef idx="1">
-            <a:schemeClr val="accent1"/>
-          </a:lnRef>
-          <a:fillRef idx="0">
-            <a:schemeClr val="accent1"/>
-          </a:fillRef>
-          <a:effectRef idx="0">
-            <a:schemeClr val="accent1"/>
-          </a:effectRef>
-          <a:fontRef idx="minor">
-            <a:schemeClr val="tx1"/>
-          </a:fontRef>
-        </p:style>
-      </p:cxnSp>
-      <p:cxnSp>
-        <p:nvCxnSpPr>
-          <p:cNvPr id="26" name="Straight Arrow Connector 25"/>
-          <p:cNvCxnSpPr/>
-          <p:nvPr/>
-        </p:nvCxnSpPr>
-        <p:spPr>
-          <a:xfrm>
-            <a:off x="5105400" y="1751484"/>
-            <a:ext cx="2057400" cy="229716"/>
-          </a:xfrm>
-          <a:prstGeom prst="straightConnector1">
-            <a:avLst/>
-          </a:prstGeom>
-          <a:ln>
-            <a:tailEnd type="arrow"/>
-          </a:ln>
-        </p:spPr>
-        <p:style>
-          <a:lnRef idx="1">
-            <a:schemeClr val="accent1"/>
-          </a:lnRef>
-          <a:fillRef idx="0">
-            <a:schemeClr val="accent1"/>
-          </a:fillRef>
-          <a:effectRef idx="0">
-            <a:schemeClr val="accent1"/>
-          </a:effectRef>
-          <a:fontRef idx="minor">
-            <a:schemeClr val="tx1"/>
-          </a:fontRef>
-        </p:style>
-      </p:cxnSp>
-      <p:cxnSp>
-        <p:nvCxnSpPr>
-          <p:cNvPr id="31" name="Straight Arrow Connector 30"/>
-          <p:cNvCxnSpPr/>
-          <p:nvPr/>
-        </p:nvCxnSpPr>
-        <p:spPr>
-          <a:xfrm>
-            <a:off x="5105400" y="2628342"/>
-            <a:ext cx="2057400" cy="267258"/>
-          </a:xfrm>
-          <a:prstGeom prst="straightConnector1">
-            <a:avLst/>
-          </a:prstGeom>
-          <a:ln>
-            <a:tailEnd type="arrow"/>
-          </a:ln>
-        </p:spPr>
-        <p:style>
-          <a:lnRef idx="1">
-            <a:schemeClr val="accent1"/>
-          </a:lnRef>
-          <a:fillRef idx="0">
-            <a:schemeClr val="accent1"/>
-          </a:fillRef>
-          <a:effectRef idx="0">
-            <a:schemeClr val="accent1"/>
-          </a:effectRef>
-          <a:fontRef idx="minor">
-            <a:schemeClr val="tx1"/>
-          </a:fontRef>
-        </p:style>
-      </p:cxnSp>
-      <p:cxnSp>
-        <p:nvCxnSpPr>
-          <p:cNvPr id="34" name="Straight Arrow Connector 33"/>
-          <p:cNvCxnSpPr/>
-          <p:nvPr/>
-        </p:nvCxnSpPr>
-        <p:spPr>
-          <a:xfrm flipH="1">
-            <a:off x="5105400" y="3620616"/>
-            <a:ext cx="2057400" cy="265584"/>
-          </a:xfrm>
-          <a:prstGeom prst="straightConnector1">
-            <a:avLst/>
-          </a:prstGeom>
-          <a:ln>
-            <a:tailEnd type="arrow"/>
-          </a:ln>
-        </p:spPr>
-        <p:style>
-          <a:lnRef idx="1">
-            <a:schemeClr val="accent1"/>
-          </a:lnRef>
-          <a:fillRef idx="0">
-            <a:schemeClr val="accent1"/>
-          </a:fillRef>
-          <a:effectRef idx="0">
-            <a:schemeClr val="accent1"/>
-          </a:effectRef>
-          <a:fontRef idx="minor">
-            <a:schemeClr val="tx1"/>
-          </a:fontRef>
-        </p:style>
-      </p:cxnSp>
-      <p:sp>
-        <p:nvSpPr>
-          <p:cNvPr id="36" name="TextBox 35"/>
-          <p:cNvSpPr txBox="1"/>
-          <p:nvPr/>
-        </p:nvSpPr>
-        <p:spPr>
-          <a:xfrm>
-            <a:off x="5398946" y="3502968"/>
-            <a:ext cx="1459054" cy="230832"/>
-          </a:xfrm>
-          <a:prstGeom prst="rect">
-            <a:avLst/>
-          </a:prstGeom>
-          <a:noFill/>
-        </p:spPr>
-        <p:txBody>
-          <a:bodyPr wrap="none" rtlCol="0">
-            <a:spAutoFit/>
-          </a:bodyPr>
-          <a:lstStyle/>
-          <a:p>
-            <a:r>
-              <a:rPr lang="en-US" sz="900" b="1" dirty="0" smtClean="0"/>
-              <a:t>All image </a:t>
-            </a:r>
-            <a:r>
-              <a:rPr lang="en-US" sz="900" b="1" dirty="0" err="1" smtClean="0"/>
-              <a:t>urls</a:t>
-            </a:r>
-            <a:r>
-              <a:rPr lang="en-US" sz="900" b="1" dirty="0" smtClean="0"/>
-              <a:t> received</a:t>
-            </a:r>
-            <a:endParaRPr lang="en-US" sz="900" b="1" dirty="0"/>
-          </a:p>
-        </p:txBody>
-      </p:sp>
-      <p:cxnSp>
-        <p:nvCxnSpPr>
-          <p:cNvPr id="37" name="Straight Arrow Connector 36"/>
-          <p:cNvCxnSpPr/>
-          <p:nvPr/>
-        </p:nvCxnSpPr>
-        <p:spPr>
-          <a:xfrm flipH="1">
-            <a:off x="2705100" y="4041119"/>
-            <a:ext cx="2379518" cy="302281"/>
-          </a:xfrm>
-          <a:prstGeom prst="straightConnector1">
-            <a:avLst/>
-          </a:prstGeom>
-          <a:ln>
-            <a:tailEnd type="arrow"/>
-          </a:ln>
-        </p:spPr>
-        <p:style>
-          <a:lnRef idx="1">
-            <a:schemeClr val="accent1"/>
-          </a:lnRef>
-          <a:fillRef idx="0">
-            <a:schemeClr val="accent1"/>
-          </a:fillRef>
-          <a:effectRef idx="0">
-            <a:schemeClr val="accent1"/>
-          </a:effectRef>
-          <a:fontRef idx="minor">
-            <a:schemeClr val="tx1"/>
-          </a:fontRef>
-        </p:style>
-      </p:cxnSp>
-      <p:cxnSp>
-        <p:nvCxnSpPr>
-          <p:cNvPr id="39" name="Straight Arrow Connector 38"/>
-          <p:cNvCxnSpPr/>
-          <p:nvPr/>
-        </p:nvCxnSpPr>
-        <p:spPr>
-          <a:xfrm flipH="1">
-            <a:off x="571501" y="4648200"/>
-            <a:ext cx="2130450" cy="314727"/>
-          </a:xfrm>
-          <a:prstGeom prst="straightConnector1">
-            <a:avLst/>
-          </a:prstGeom>
-          <a:ln>
-            <a:tailEnd type="arrow"/>
-          </a:ln>
-        </p:spPr>
-        <p:style>
-          <a:lnRef idx="1">
-            <a:schemeClr val="accent1"/>
-          </a:lnRef>
-          <a:fillRef idx="0">
-            <a:schemeClr val="accent1"/>
-          </a:fillRef>
-          <a:effectRef idx="0">
-            <a:schemeClr val="accent1"/>
-          </a:effectRef>
-          <a:fontRef idx="minor">
-            <a:schemeClr val="tx1"/>
-          </a:fontRef>
-        </p:style>
-      </p:cxnSp>
-      <p:cxnSp>
-        <p:nvCxnSpPr>
-          <p:cNvPr id="63" name="Straight Connector 62"/>
-          <p:cNvCxnSpPr/>
-          <p:nvPr/>
-        </p:nvCxnSpPr>
-        <p:spPr>
-          <a:xfrm>
-            <a:off x="7162800" y="2133600"/>
-            <a:ext cx="1828800" cy="0"/>
-          </a:xfrm>
-          <a:prstGeom prst="line">
-            <a:avLst/>
-          </a:prstGeom>
-        </p:spPr>
-        <p:style>
-          <a:lnRef idx="1">
-            <a:schemeClr val="accent1"/>
-          </a:lnRef>
-          <a:fillRef idx="0">
-            <a:schemeClr val="accent1"/>
-          </a:fillRef>
-          <a:effectRef idx="0">
-            <a:schemeClr val="accent1"/>
-          </a:effectRef>
-          <a:fontRef idx="minor">
-            <a:schemeClr val="tx1"/>
-          </a:fontRef>
-        </p:style>
-      </p:cxnSp>
-      <p:cxnSp>
-        <p:nvCxnSpPr>
-          <p:cNvPr id="66" name="Straight Connector 65"/>
-          <p:cNvCxnSpPr/>
-          <p:nvPr/>
-        </p:nvCxnSpPr>
-        <p:spPr>
-          <a:xfrm>
-            <a:off x="8991600" y="2133600"/>
-            <a:ext cx="0" cy="1334616"/>
-          </a:xfrm>
-          <a:prstGeom prst="line">
-            <a:avLst/>
-          </a:prstGeom>
-        </p:spPr>
-        <p:style>
-          <a:lnRef idx="1">
-            <a:schemeClr val="accent1"/>
-          </a:lnRef>
-          <a:fillRef idx="0">
-            <a:schemeClr val="accent1"/>
-          </a:fillRef>
-          <a:effectRef idx="0">
-            <a:schemeClr val="accent1"/>
-          </a:effectRef>
-          <a:fontRef idx="minor">
-            <a:schemeClr val="tx1"/>
-          </a:fontRef>
-        </p:style>
-      </p:cxnSp>
-      <p:cxnSp>
-        <p:nvCxnSpPr>
-          <p:cNvPr id="74" name="Straight Arrow Connector 73"/>
-          <p:cNvCxnSpPr/>
-          <p:nvPr/>
-        </p:nvCxnSpPr>
-        <p:spPr>
-          <a:xfrm>
-            <a:off x="8013468" y="2514600"/>
-            <a:ext cx="0" cy="533400"/>
-          </a:xfrm>
-          <a:prstGeom prst="straightConnector1">
-            <a:avLst/>
-          </a:prstGeom>
-          <a:ln>
-            <a:tailEnd type="arrow"/>
-          </a:ln>
-        </p:spPr>
-        <p:style>
-          <a:lnRef idx="1">
-            <a:schemeClr val="accent1"/>
-          </a:lnRef>
-          <a:fillRef idx="0">
-            <a:schemeClr val="accent1"/>
-          </a:fillRef>
-          <a:effectRef idx="0">
-            <a:schemeClr val="accent1"/>
-          </a:effectRef>
-          <a:fontRef idx="minor">
-            <a:schemeClr val="tx1"/>
-          </a:fontRef>
-        </p:style>
-      </p:cxnSp>
-      <p:cxnSp>
-        <p:nvCxnSpPr>
-          <p:cNvPr id="77" name="Straight Connector 76"/>
-          <p:cNvCxnSpPr/>
-          <p:nvPr/>
-        </p:nvCxnSpPr>
-        <p:spPr>
-          <a:xfrm>
-            <a:off x="7162800" y="3468216"/>
-            <a:ext cx="1828800" cy="0"/>
-          </a:xfrm>
-          <a:prstGeom prst="line">
-            <a:avLst/>
-          </a:prstGeom>
-        </p:spPr>
-        <p:style>
-          <a:lnRef idx="1">
-            <a:schemeClr val="accent1"/>
-          </a:lnRef>
-          <a:fillRef idx="0">
-            <a:schemeClr val="accent1"/>
-          </a:fillRef>
-          <a:effectRef idx="0">
-            <a:schemeClr val="accent1"/>
-          </a:effectRef>
-          <a:fontRef idx="minor">
-            <a:schemeClr val="tx1"/>
-          </a:fontRef>
-        </p:style>
-      </p:cxnSp>
+              <a:rPr lang="en-US" sz="800" dirty="0" smtClean="0"/>
+              <a:t>9. Post screenshots to Slack</a:t>
+            </a:r>
+            <a:endParaRPr lang="en-US" sz="800" dirty="0"/>
+          </a:p>
+        </p:txBody>
+      </p:sp>
     </p:spTree>
     <p:extLst>
       <p:ext uri="{BB962C8B-B14F-4D97-AF65-F5344CB8AC3E}">
-        <p14:creationId xmlns:p14="http://schemas.microsoft.com/office/powerpoint/2010/main" val="3136853472"/>
+        <p14:creationId xmlns:p14="http://schemas.microsoft.com/office/powerpoint/2010/main" val="699963470"/>
       </p:ext>
     </p:extLst>
   </p:cSld>
@@ -6114,7 +6135,7 @@
                             </p:stCondLst>
                             <p:childTnLst>
                               <p:par>
-                                <p:cTn id="5" presetID="1" presetClass="entr" presetSubtype="0" fill="hold" grpId="0" nodeType="clickEffect">
+                                <p:cTn id="5" presetID="10" presetClass="entr" presetSubtype="0" fill="hold" grpId="0" nodeType="clickEffect">
                                   <p:stCondLst>
                                     <p:cond delay="0"/>
                                   </p:stCondLst>
@@ -6127,7 +6148,7 @@
                                           </p:stCondLst>
                                         </p:cTn>
                                         <p:tgtEl>
-                                          <p:spTgt spid="17"/>
+                                          <p:spTgt spid="37"/>
                                         </p:tgtEl>
                                         <p:attrNameLst>
                                           <p:attrName>style.visibility</p:attrName>
@@ -6137,42 +6158,32 @@
                                         <p:strVal val="visible"/>
                                       </p:to>
                                     </p:set>
+                                    <p:animEffect transition="in" filter="fade">
+                                      <p:cBhvr>
+                                        <p:cTn id="7" dur="500"/>
+                                        <p:tgtEl>
+                                          <p:spTgt spid="37"/>
+                                        </p:tgtEl>
+                                      </p:cBhvr>
+                                    </p:animEffect>
                                   </p:childTnLst>
                                 </p:cTn>
                               </p:par>
-                            </p:childTnLst>
-                          </p:cTn>
-                        </p:par>
-                      </p:childTnLst>
-                    </p:cTn>
-                  </p:par>
-                  <p:par>
-                    <p:cTn id="7" fill="hold">
-                      <p:stCondLst>
-                        <p:cond delay="indefinite"/>
-                      </p:stCondLst>
-                      <p:childTnLst>
-                        <p:par>
-                          <p:cTn id="8" fill="hold">
-                            <p:stCondLst>
-                              <p:cond delay="0"/>
-                            </p:stCondLst>
-                            <p:childTnLst>
                               <p:par>
-                                <p:cTn id="9" presetID="1" presetClass="entr" presetSubtype="0" fill="hold" grpId="0" nodeType="clickEffect">
+                                <p:cTn id="8" presetID="10" presetClass="entr" presetSubtype="0" fill="hold" nodeType="withEffect">
                                   <p:stCondLst>
                                     <p:cond delay="0"/>
                                   </p:stCondLst>
                                   <p:childTnLst>
                                     <p:set>
                                       <p:cBhvr>
-                                        <p:cTn id="10" dur="1" fill="hold">
+                                        <p:cTn id="9" dur="1" fill="hold">
                                           <p:stCondLst>
                                             <p:cond delay="0"/>
                                           </p:stCondLst>
                                         </p:cTn>
                                         <p:tgtEl>
-                                          <p:spTgt spid="18"/>
+                                          <p:spTgt spid="23"/>
                                         </p:tgtEl>
                                         <p:attrNameLst>
                                           <p:attrName>style.visibility</p:attrName>
@@ -6182,6 +6193,14 @@
                                         <p:strVal val="visible"/>
                                       </p:to>
                                     </p:set>
+                                    <p:animEffect transition="in" filter="fade">
+                                      <p:cBhvr>
+                                        <p:cTn id="10" dur="500"/>
+                                        <p:tgtEl>
+                                          <p:spTgt spid="23"/>
+                                        </p:tgtEl>
+                                      </p:cBhvr>
+                                    </p:animEffect>
                                   </p:childTnLst>
                                 </p:cTn>
                               </p:par>
@@ -6204,7 +6223,7 @@
                             </p:stCondLst>
                             <p:childTnLst>
                               <p:par>
-                                <p:cTn id="13" presetID="1" presetClass="entr" presetSubtype="0" fill="hold" grpId="0" nodeType="clickEffect">
+                                <p:cTn id="13" presetID="10" presetClass="entr" presetSubtype="0" fill="hold" nodeType="clickEffect">
                                   <p:stCondLst>
                                     <p:cond delay="0"/>
                                   </p:stCondLst>
@@ -6217,7 +6236,7 @@
                                           </p:stCondLst>
                                         </p:cTn>
                                         <p:tgtEl>
-                                          <p:spTgt spid="19"/>
+                                          <p:spTgt spid="40"/>
                                         </p:tgtEl>
                                         <p:attrNameLst>
                                           <p:attrName>style.visibility</p:attrName>
@@ -6227,42 +6246,32 @@
                                         <p:strVal val="visible"/>
                                       </p:to>
                                     </p:set>
+                                    <p:animEffect transition="in" filter="fade">
+                                      <p:cBhvr>
+                                        <p:cTn id="15" dur="500"/>
+                                        <p:tgtEl>
+                                          <p:spTgt spid="40"/>
+                                        </p:tgtEl>
+                                      </p:cBhvr>
+                                    </p:animEffect>
                                   </p:childTnLst>
                                 </p:cTn>
                               </p:par>
-                            </p:childTnLst>
-                          </p:cTn>
-                        </p:par>
-                      </p:childTnLst>
-                    </p:cTn>
-                  </p:par>
-                  <p:par>
-                    <p:cTn id="15" fill="hold">
-                      <p:stCondLst>
-                        <p:cond delay="indefinite"/>
-                      </p:stCondLst>
-                      <p:childTnLst>
-                        <p:par>
-                          <p:cTn id="16" fill="hold">
-                            <p:stCondLst>
-                              <p:cond delay="0"/>
-                            </p:stCondLst>
-                            <p:childTnLst>
                               <p:par>
-                                <p:cTn id="17" presetID="1" presetClass="entr" presetSubtype="0" fill="hold" grpId="0" nodeType="clickEffect">
+                                <p:cTn id="16" presetID="10" presetClass="entr" presetSubtype="0" fill="hold" grpId="0" nodeType="withEffect">
                                   <p:stCondLst>
                                     <p:cond delay="0"/>
                                   </p:stCondLst>
                                   <p:childTnLst>
                                     <p:set>
                                       <p:cBhvr>
-                                        <p:cTn id="18" dur="1" fill="hold">
+                                        <p:cTn id="17" dur="1" fill="hold">
                                           <p:stCondLst>
                                             <p:cond delay="0"/>
                                           </p:stCondLst>
                                         </p:cTn>
                                         <p:tgtEl>
-                                          <p:spTgt spid="20"/>
+                                          <p:spTgt spid="41"/>
                                         </p:tgtEl>
                                         <p:attrNameLst>
                                           <p:attrName>style.visibility</p:attrName>
@@ -6272,6 +6281,14 @@
                                         <p:strVal val="visible"/>
                                       </p:to>
                                     </p:set>
+                                    <p:animEffect transition="in" filter="fade">
+                                      <p:cBhvr>
+                                        <p:cTn id="18" dur="500"/>
+                                        <p:tgtEl>
+                                          <p:spTgt spid="41"/>
+                                        </p:tgtEl>
+                                      </p:cBhvr>
+                                    </p:animEffect>
                                   </p:childTnLst>
                                 </p:cTn>
                               </p:par>
@@ -6294,7 +6311,7 @@
                             </p:stCondLst>
                             <p:childTnLst>
                               <p:par>
-                                <p:cTn id="21" presetID="1" presetClass="entr" presetSubtype="0" fill="hold" nodeType="clickEffect">
+                                <p:cTn id="21" presetID="10" presetClass="entr" presetSubtype="0" fill="hold" grpId="0" nodeType="clickEffect">
                                   <p:stCondLst>
                                     <p:cond delay="0"/>
                                   </p:stCondLst>
@@ -6307,7 +6324,7 @@
                                           </p:stCondLst>
                                         </p:cTn>
                                         <p:tgtEl>
-                                          <p:spTgt spid="22"/>
+                                          <p:spTgt spid="33"/>
                                         </p:tgtEl>
                                         <p:attrNameLst>
                                           <p:attrName>style.visibility</p:attrName>
@@ -6317,45 +6334,26 @@
                                         <p:strVal val="visible"/>
                                       </p:to>
                                     </p:set>
+                                    <p:animEffect transition="in" filter="fade">
+                                      <p:cBhvr>
+                                        <p:cTn id="23" dur="500"/>
+                                        <p:tgtEl>
+                                          <p:spTgt spid="33"/>
+                                        </p:tgtEl>
+                                      </p:cBhvr>
+                                    </p:animEffect>
                                   </p:childTnLst>
                                 </p:cTn>
                               </p:par>
                               <p:par>
-                                <p:cTn id="23" presetID="1" presetClass="entr" presetSubtype="0" fill="hold" nodeType="withEffect">
+                                <p:cTn id="24" presetID="10" presetClass="entr" presetSubtype="0" fill="hold" nodeType="withEffect">
                                   <p:stCondLst>
                                     <p:cond delay="0"/>
                                   </p:stCondLst>
                                   <p:childTnLst>
                                     <p:set>
                                       <p:cBhvr>
-                                        <p:cTn id="24" dur="1" fill="hold">
-                                          <p:stCondLst>
-                                            <p:cond delay="0"/>
-                                          </p:stCondLst>
-                                        </p:cTn>
-                                        <p:tgtEl>
-                                          <p:spTgt spid="28"/>
-                                        </p:tgtEl>
-                                        <p:attrNameLst>
-                                          <p:attrName>style.visibility</p:attrName>
-                                        </p:attrNameLst>
-                                      </p:cBhvr>
-                                      <p:to>
-                                        <p:strVal val="visible"/>
-                                      </p:to>
-                                    </p:set>
-                                  </p:childTnLst>
-                                </p:cTn>
-                              </p:par>
-                              <p:par>
-                                <p:cTn id="25" presetID="1" presetClass="entr" presetSubtype="0" fill="hold" nodeType="withEffect">
-                                  <p:stCondLst>
-                                    <p:cond delay="0"/>
-                                  </p:stCondLst>
-                                  <p:childTnLst>
-                                    <p:set>
-                                      <p:cBhvr>
-                                        <p:cTn id="26" dur="1" fill="hold">
+                                        <p:cTn id="25" dur="1" fill="hold">
                                           <p:stCondLst>
                                             <p:cond delay="0"/>
                                           </p:stCondLst>
@@ -6371,33 +6369,14 @@
                                         <p:strVal val="visible"/>
                                       </p:to>
                                     </p:set>
-                                  </p:childTnLst>
-                                </p:cTn>
-                              </p:par>
-                              <p:par>
-                                <p:cTn id="27" presetID="1" presetClass="entr" presetSubtype="0" fill="hold" nodeType="withEffect">
-                                  <p:stCondLst>
-                                    <p:cond delay="0"/>
-                                  </p:stCondLst>
-                                  <p:childTnLst>
-                                    <p:set>
+                                    <p:animEffect transition="in" filter="fade">
                                       <p:cBhvr>
-                                        <p:cTn id="28" dur="1" fill="hold">
-                                          <p:stCondLst>
-                                            <p:cond delay="0"/>
-                                          </p:stCondLst>
-                                        </p:cTn>
+                                        <p:cTn id="26" dur="500"/>
                                         <p:tgtEl>
-                                          <p:spTgt spid="30"/>
+                                          <p:spTgt spid="29"/>
                                         </p:tgtEl>
-                                        <p:attrNameLst>
-                                          <p:attrName>style.visibility</p:attrName>
-                                        </p:attrNameLst>
                                       </p:cBhvr>
-                                      <p:to>
-                                        <p:strVal val="visible"/>
-                                      </p:to>
-                                    </p:set>
+                                    </p:animEffect>
                                   </p:childTnLst>
                                 </p:cTn>
                               </p:par>
@@ -6408,32 +6387,32 @@
                     </p:cTn>
                   </p:par>
                   <p:par>
-                    <p:cTn id="29" fill="hold">
+                    <p:cTn id="27" fill="hold">
                       <p:stCondLst>
                         <p:cond delay="indefinite"/>
                       </p:stCondLst>
                       <p:childTnLst>
                         <p:par>
-                          <p:cTn id="30" fill="hold">
+                          <p:cTn id="28" fill="hold">
                             <p:stCondLst>
                               <p:cond delay="0"/>
                             </p:stCondLst>
                             <p:childTnLst>
                               <p:par>
-                                <p:cTn id="31" presetID="1" presetClass="entr" presetSubtype="0" fill="hold" grpId="0" nodeType="clickEffect">
+                                <p:cTn id="29" presetID="10" presetClass="entr" presetSubtype="0" fill="hold" nodeType="clickEffect">
                                   <p:stCondLst>
                                     <p:cond delay="0"/>
                                   </p:stCondLst>
                                   <p:childTnLst>
                                     <p:set>
                                       <p:cBhvr>
-                                        <p:cTn id="32" dur="1" fill="hold">
+                                        <p:cTn id="30" dur="1" fill="hold">
                                           <p:stCondLst>
                                             <p:cond delay="0"/>
                                           </p:stCondLst>
                                         </p:cTn>
                                         <p:tgtEl>
-                                          <p:spTgt spid="2"/>
+                                          <p:spTgt spid="55"/>
                                         </p:tgtEl>
                                         <p:attrNameLst>
                                           <p:attrName>style.visibility</p:attrName>
@@ -6443,24 +6422,32 @@
                                         <p:strVal val="visible"/>
                                       </p:to>
                                     </p:set>
+                                    <p:animEffect transition="in" filter="fade">
+                                      <p:cBhvr>
+                                        <p:cTn id="31" dur="500"/>
+                                        <p:tgtEl>
+                                          <p:spTgt spid="55"/>
+                                        </p:tgtEl>
+                                      </p:cBhvr>
+                                    </p:animEffect>
                                   </p:childTnLst>
                                 </p:cTn>
                               </p:par>
                               <p:par>
-                                <p:cTn id="33" presetID="1" presetClass="entr" presetSubtype="0" fill="hold" nodeType="withEffect">
+                                <p:cTn id="32" presetID="10" presetClass="entr" presetSubtype="0" fill="hold" grpId="0" nodeType="withEffect">
                                   <p:stCondLst>
                                     <p:cond delay="0"/>
                                   </p:stCondLst>
                                   <p:childTnLst>
                                     <p:set>
                                       <p:cBhvr>
-                                        <p:cTn id="34" dur="1" fill="hold">
+                                        <p:cTn id="33" dur="1" fill="hold">
                                           <p:stCondLst>
                                             <p:cond delay="0"/>
                                           </p:stCondLst>
                                         </p:cTn>
                                         <p:tgtEl>
-                                          <p:spTgt spid="4"/>
+                                          <p:spTgt spid="64"/>
                                         </p:tgtEl>
                                         <p:attrNameLst>
                                           <p:attrName>style.visibility</p:attrName>
@@ -6470,6 +6457,14 @@
                                         <p:strVal val="visible"/>
                                       </p:to>
                                     </p:set>
+                                    <p:animEffect transition="in" filter="fade">
+                                      <p:cBhvr>
+                                        <p:cTn id="34" dur="500"/>
+                                        <p:tgtEl>
+                                          <p:spTgt spid="64"/>
+                                        </p:tgtEl>
+                                      </p:cBhvr>
+                                    </p:animEffect>
                                   </p:childTnLst>
                                 </p:cTn>
                               </p:par>
@@ -6492,7 +6487,7 @@
                             </p:stCondLst>
                             <p:childTnLst>
                               <p:par>
-                                <p:cTn id="37" presetID="1" presetClass="entr" presetSubtype="0" fill="hold" grpId="0" nodeType="clickEffect">
+                                <p:cTn id="37" presetID="10" presetClass="entr" presetSubtype="0" fill="hold" grpId="0" nodeType="clickEffect">
                                   <p:stCondLst>
                                     <p:cond delay="0"/>
                                   </p:stCondLst>
@@ -6505,7 +6500,7 @@
                                           </p:stCondLst>
                                         </p:cTn>
                                         <p:tgtEl>
-                                          <p:spTgt spid="11"/>
+                                          <p:spTgt spid="100"/>
                                         </p:tgtEl>
                                         <p:attrNameLst>
                                           <p:attrName>style.visibility</p:attrName>
@@ -6515,24 +6510,32 @@
                                         <p:strVal val="visible"/>
                                       </p:to>
                                     </p:set>
+                                    <p:animEffect transition="in" filter="fade">
+                                      <p:cBhvr>
+                                        <p:cTn id="39" dur="500"/>
+                                        <p:tgtEl>
+                                          <p:spTgt spid="100"/>
+                                        </p:tgtEl>
+                                      </p:cBhvr>
+                                    </p:animEffect>
                                   </p:childTnLst>
                                 </p:cTn>
                               </p:par>
                               <p:par>
-                                <p:cTn id="39" presetID="1" presetClass="entr" presetSubtype="0" fill="hold" nodeType="withEffect">
+                                <p:cTn id="40" presetID="10" presetClass="entr" presetSubtype="0" fill="hold" nodeType="withEffect">
                                   <p:stCondLst>
                                     <p:cond delay="0"/>
                                   </p:stCondLst>
                                   <p:childTnLst>
                                     <p:set>
                                       <p:cBhvr>
-                                        <p:cTn id="40" dur="1" fill="hold">
+                                        <p:cTn id="41" dur="1" fill="hold">
                                           <p:stCondLst>
                                             <p:cond delay="0"/>
                                           </p:stCondLst>
                                         </p:cTn>
                                         <p:tgtEl>
-                                          <p:spTgt spid="23"/>
+                                          <p:spTgt spid="98"/>
                                         </p:tgtEl>
                                         <p:attrNameLst>
                                           <p:attrName>style.visibility</p:attrName>
@@ -6542,6 +6545,14 @@
                                         <p:strVal val="visible"/>
                                       </p:to>
                                     </p:set>
+                                    <p:animEffect transition="in" filter="fade">
+                                      <p:cBhvr>
+                                        <p:cTn id="42" dur="500"/>
+                                        <p:tgtEl>
+                                          <p:spTgt spid="98"/>
+                                        </p:tgtEl>
+                                      </p:cBhvr>
+                                    </p:animEffect>
                                   </p:childTnLst>
                                 </p:cTn>
                               </p:par>
@@ -6552,46 +6563,19 @@
                     </p:cTn>
                   </p:par>
                   <p:par>
-                    <p:cTn id="41" fill="hold">
+                    <p:cTn id="43" fill="hold">
                       <p:stCondLst>
                         <p:cond delay="indefinite"/>
                       </p:stCondLst>
                       <p:childTnLst>
                         <p:par>
-                          <p:cTn id="42" fill="hold">
+                          <p:cTn id="44" fill="hold">
                             <p:stCondLst>
                               <p:cond delay="0"/>
                             </p:stCondLst>
                             <p:childTnLst>
                               <p:par>
-                                <p:cTn id="43" presetID="1" presetClass="entr" presetSubtype="0" fill="hold" grpId="0" nodeType="clickEffect">
-                                  <p:stCondLst>
-                                    <p:cond delay="0"/>
-                                  </p:stCondLst>
-                                  <p:childTnLst>
-                                    <p:set>
-                                      <p:cBhvr>
-                                        <p:cTn id="44" dur="1" fill="hold">
-                                          <p:stCondLst>
-                                            <p:cond delay="0"/>
-                                          </p:stCondLst>
-                                        </p:cTn>
-                                        <p:tgtEl>
-                                          <p:spTgt spid="12"/>
-                                        </p:tgtEl>
-                                        <p:attrNameLst>
-                                          <p:attrName>style.visibility</p:attrName>
-                                        </p:attrNameLst>
-                                      </p:cBhvr>
-                                      <p:to>
-                                        <p:strVal val="visible"/>
-                                      </p:to>
-                                    </p:set>
-                                  </p:childTnLst>
-                                </p:cTn>
-                              </p:par>
-                              <p:par>
-                                <p:cTn id="45" presetID="1" presetClass="entr" presetSubtype="0" fill="hold" nodeType="withEffect">
+                                <p:cTn id="45" presetID="10" presetClass="entr" presetSubtype="0" fill="hold" nodeType="clickEffect">
                                   <p:stCondLst>
                                     <p:cond delay="0"/>
                                   </p:stCondLst>
@@ -6604,7 +6588,7 @@
                                           </p:stCondLst>
                                         </p:cTn>
                                         <p:tgtEl>
-                                          <p:spTgt spid="26"/>
+                                          <p:spTgt spid="103"/>
                                         </p:tgtEl>
                                         <p:attrNameLst>
                                           <p:attrName>style.visibility</p:attrName>
@@ -6614,42 +6598,32 @@
                                         <p:strVal val="visible"/>
                                       </p:to>
                                     </p:set>
+                                    <p:animEffect transition="in" filter="fade">
+                                      <p:cBhvr>
+                                        <p:cTn id="47" dur="500"/>
+                                        <p:tgtEl>
+                                          <p:spTgt spid="103"/>
+                                        </p:tgtEl>
+                                      </p:cBhvr>
+                                    </p:animEffect>
                                   </p:childTnLst>
                                 </p:cTn>
                               </p:par>
-                            </p:childTnLst>
-                          </p:cTn>
-                        </p:par>
-                      </p:childTnLst>
-                    </p:cTn>
-                  </p:par>
-                  <p:par>
-                    <p:cTn id="47" fill="hold">
-                      <p:stCondLst>
-                        <p:cond delay="indefinite"/>
-                      </p:stCondLst>
-                      <p:childTnLst>
-                        <p:par>
-                          <p:cTn id="48" fill="hold">
-                            <p:stCondLst>
-                              <p:cond delay="0"/>
-                            </p:stCondLst>
-                            <p:childTnLst>
                               <p:par>
-                                <p:cTn id="49" presetID="1" presetClass="entr" presetSubtype="0" fill="hold" nodeType="clickEffect">
+                                <p:cTn id="48" presetID="10" presetClass="entr" presetSubtype="0" fill="hold" grpId="0" nodeType="withEffect">
                                   <p:stCondLst>
                                     <p:cond delay="0"/>
                                   </p:stCondLst>
                                   <p:childTnLst>
                                     <p:set>
                                       <p:cBhvr>
-                                        <p:cTn id="50" dur="1" fill="hold">
+                                        <p:cTn id="49" dur="1" fill="hold">
                                           <p:stCondLst>
                                             <p:cond delay="0"/>
                                           </p:stCondLst>
                                         </p:cTn>
                                         <p:tgtEl>
-                                          <p:spTgt spid="63"/>
+                                          <p:spTgt spid="113"/>
                                         </p:tgtEl>
                                         <p:attrNameLst>
                                           <p:attrName>style.visibility</p:attrName>
@@ -6659,447 +6633,14 @@
                                         <p:strVal val="visible"/>
                                       </p:to>
                                     </p:set>
-                                  </p:childTnLst>
-                                </p:cTn>
-                              </p:par>
-                              <p:par>
-                                <p:cTn id="51" presetID="1" presetClass="entr" presetSubtype="0" fill="hold" grpId="0" nodeType="withEffect">
-                                  <p:stCondLst>
-                                    <p:cond delay="0"/>
-                                  </p:stCondLst>
-                                  <p:childTnLst>
-                                    <p:set>
+                                    <p:animEffect transition="in" filter="fade">
                                       <p:cBhvr>
-                                        <p:cTn id="52" dur="1" fill="hold">
-                                          <p:stCondLst>
-                                            <p:cond delay="0"/>
-                                          </p:stCondLst>
-                                        </p:cTn>
+                                        <p:cTn id="50" dur="500"/>
                                         <p:tgtEl>
-                                          <p:spTgt spid="13"/>
+                                          <p:spTgt spid="113"/>
                                         </p:tgtEl>
-                                        <p:attrNameLst>
-                                          <p:attrName>style.visibility</p:attrName>
-                                        </p:attrNameLst>
                                       </p:cBhvr>
-                                      <p:to>
-                                        <p:strVal val="visible"/>
-                                      </p:to>
-                                    </p:set>
-                                  </p:childTnLst>
-                                </p:cTn>
-                              </p:par>
-                              <p:par>
-                                <p:cTn id="53" presetID="1" presetClass="entr" presetSubtype="0" fill="hold" nodeType="withEffect">
-                                  <p:stCondLst>
-                                    <p:cond delay="0"/>
-                                  </p:stCondLst>
-                                  <p:childTnLst>
-                                    <p:set>
-                                      <p:cBhvr>
-                                        <p:cTn id="54" dur="1" fill="hold">
-                                          <p:stCondLst>
-                                            <p:cond delay="0"/>
-                                          </p:stCondLst>
-                                        </p:cTn>
-                                        <p:tgtEl>
-                                          <p:spTgt spid="66"/>
-                                        </p:tgtEl>
-                                        <p:attrNameLst>
-                                          <p:attrName>style.visibility</p:attrName>
-                                        </p:attrNameLst>
-                                      </p:cBhvr>
-                                      <p:to>
-                                        <p:strVal val="visible"/>
-                                      </p:to>
-                                    </p:set>
-                                  </p:childTnLst>
-                                </p:cTn>
-                              </p:par>
-                              <p:par>
-                                <p:cTn id="55" presetID="1" presetClass="entr" presetSubtype="0" fill="hold" nodeType="withEffect">
-                                  <p:stCondLst>
-                                    <p:cond delay="0"/>
-                                  </p:stCondLst>
-                                  <p:childTnLst>
-                                    <p:set>
-                                      <p:cBhvr>
-                                        <p:cTn id="56" dur="1" fill="hold">
-                                          <p:stCondLst>
-                                            <p:cond delay="0"/>
-                                          </p:stCondLst>
-                                        </p:cTn>
-                                        <p:tgtEl>
-                                          <p:spTgt spid="77"/>
-                                        </p:tgtEl>
-                                        <p:attrNameLst>
-                                          <p:attrName>style.visibility</p:attrName>
-                                        </p:attrNameLst>
-                                      </p:cBhvr>
-                                      <p:to>
-                                        <p:strVal val="visible"/>
-                                      </p:to>
-                                    </p:set>
-                                  </p:childTnLst>
-                                </p:cTn>
-                              </p:par>
-                            </p:childTnLst>
-                          </p:cTn>
-                        </p:par>
-                      </p:childTnLst>
-                    </p:cTn>
-                  </p:par>
-                  <p:par>
-                    <p:cTn id="57" fill="hold">
-                      <p:stCondLst>
-                        <p:cond delay="indefinite"/>
-                      </p:stCondLst>
-                      <p:childTnLst>
-                        <p:par>
-                          <p:cTn id="58" fill="hold">
-                            <p:stCondLst>
-                              <p:cond delay="0"/>
-                            </p:stCondLst>
-                            <p:childTnLst>
-                              <p:par>
-                                <p:cTn id="59" presetID="1" presetClass="entr" presetSubtype="0" fill="hold" grpId="0" nodeType="clickEffect">
-                                  <p:stCondLst>
-                                    <p:cond delay="0"/>
-                                  </p:stCondLst>
-                                  <p:childTnLst>
-                                    <p:set>
-                                      <p:cBhvr>
-                                        <p:cTn id="60" dur="1" fill="hold">
-                                          <p:stCondLst>
-                                            <p:cond delay="0"/>
-                                          </p:stCondLst>
-                                        </p:cTn>
-                                        <p:tgtEl>
-                                          <p:spTgt spid="14"/>
-                                        </p:tgtEl>
-                                        <p:attrNameLst>
-                                          <p:attrName>style.visibility</p:attrName>
-                                        </p:attrNameLst>
-                                      </p:cBhvr>
-                                      <p:to>
-                                        <p:strVal val="visible"/>
-                                      </p:to>
-                                    </p:set>
-                                  </p:childTnLst>
-                                </p:cTn>
-                              </p:par>
-                              <p:par>
-                                <p:cTn id="61" presetID="1" presetClass="entr" presetSubtype="0" fill="hold" nodeType="withEffect">
-                                  <p:stCondLst>
-                                    <p:cond delay="0"/>
-                                  </p:stCondLst>
-                                  <p:childTnLst>
-                                    <p:set>
-                                      <p:cBhvr>
-                                        <p:cTn id="62" dur="1" fill="hold">
-                                          <p:stCondLst>
-                                            <p:cond delay="0"/>
-                                          </p:stCondLst>
-                                        </p:cTn>
-                                        <p:tgtEl>
-                                          <p:spTgt spid="31"/>
-                                        </p:tgtEl>
-                                        <p:attrNameLst>
-                                          <p:attrName>style.visibility</p:attrName>
-                                        </p:attrNameLst>
-                                      </p:cBhvr>
-                                      <p:to>
-                                        <p:strVal val="visible"/>
-                                      </p:to>
-                                    </p:set>
-                                  </p:childTnLst>
-                                </p:cTn>
-                              </p:par>
-                            </p:childTnLst>
-                          </p:cTn>
-                        </p:par>
-                      </p:childTnLst>
-                    </p:cTn>
-                  </p:par>
-                  <p:par>
-                    <p:cTn id="63" fill="hold">
-                      <p:stCondLst>
-                        <p:cond delay="indefinite"/>
-                      </p:stCondLst>
-                      <p:childTnLst>
-                        <p:par>
-                          <p:cTn id="64" fill="hold">
-                            <p:stCondLst>
-                              <p:cond delay="0"/>
-                            </p:stCondLst>
-                            <p:childTnLst>
-                              <p:par>
-                                <p:cTn id="65" presetID="1" presetClass="entr" presetSubtype="0" fill="hold" nodeType="clickEffect">
-                                  <p:stCondLst>
-                                    <p:cond delay="0"/>
-                                  </p:stCondLst>
-                                  <p:childTnLst>
-                                    <p:set>
-                                      <p:cBhvr>
-                                        <p:cTn id="66" dur="1" fill="hold">
-                                          <p:stCondLst>
-                                            <p:cond delay="0"/>
-                                          </p:stCondLst>
-                                        </p:cTn>
-                                        <p:tgtEl>
-                                          <p:spTgt spid="74"/>
-                                        </p:tgtEl>
-                                        <p:attrNameLst>
-                                          <p:attrName>style.visibility</p:attrName>
-                                        </p:attrNameLst>
-                                      </p:cBhvr>
-                                      <p:to>
-                                        <p:strVal val="visible"/>
-                                      </p:to>
-                                    </p:set>
-                                  </p:childTnLst>
-                                </p:cTn>
-                              </p:par>
-                              <p:par>
-                                <p:cTn id="67" presetID="1" presetClass="entr" presetSubtype="0" fill="hold" grpId="0" nodeType="withEffect">
-                                  <p:stCondLst>
-                                    <p:cond delay="0"/>
-                                  </p:stCondLst>
-                                  <p:childTnLst>
-                                    <p:set>
-                                      <p:cBhvr>
-                                        <p:cTn id="68" dur="1" fill="hold">
-                                          <p:stCondLst>
-                                            <p:cond delay="0"/>
-                                          </p:stCondLst>
-                                        </p:cTn>
-                                        <p:tgtEl>
-                                          <p:spTgt spid="15"/>
-                                        </p:tgtEl>
-                                        <p:attrNameLst>
-                                          <p:attrName>style.visibility</p:attrName>
-                                        </p:attrNameLst>
-                                      </p:cBhvr>
-                                      <p:to>
-                                        <p:strVal val="visible"/>
-                                      </p:to>
-                                    </p:set>
-                                  </p:childTnLst>
-                                </p:cTn>
-                              </p:par>
-                            </p:childTnLst>
-                          </p:cTn>
-                        </p:par>
-                      </p:childTnLst>
-                    </p:cTn>
-                  </p:par>
-                  <p:par>
-                    <p:cTn id="69" fill="hold">
-                      <p:stCondLst>
-                        <p:cond delay="indefinite"/>
-                      </p:stCondLst>
-                      <p:childTnLst>
-                        <p:par>
-                          <p:cTn id="70" fill="hold">
-                            <p:stCondLst>
-                              <p:cond delay="0"/>
-                            </p:stCondLst>
-                            <p:childTnLst>
-                              <p:par>
-                                <p:cTn id="71" presetID="1" presetClass="entr" presetSubtype="0" fill="hold" grpId="0" nodeType="clickEffect">
-                                  <p:stCondLst>
-                                    <p:cond delay="0"/>
-                                  </p:stCondLst>
-                                  <p:childTnLst>
-                                    <p:set>
-                                      <p:cBhvr>
-                                        <p:cTn id="72" dur="1" fill="hold">
-                                          <p:stCondLst>
-                                            <p:cond delay="0"/>
-                                          </p:stCondLst>
-                                        </p:cTn>
-                                        <p:tgtEl>
-                                          <p:spTgt spid="36"/>
-                                        </p:tgtEl>
-                                        <p:attrNameLst>
-                                          <p:attrName>style.visibility</p:attrName>
-                                        </p:attrNameLst>
-                                      </p:cBhvr>
-                                      <p:to>
-                                        <p:strVal val="visible"/>
-                                      </p:to>
-                                    </p:set>
-                                  </p:childTnLst>
-                                </p:cTn>
-                              </p:par>
-                              <p:par>
-                                <p:cTn id="73" presetID="1" presetClass="entr" presetSubtype="0" fill="hold" nodeType="withEffect">
-                                  <p:stCondLst>
-                                    <p:cond delay="0"/>
-                                  </p:stCondLst>
-                                  <p:childTnLst>
-                                    <p:set>
-                                      <p:cBhvr>
-                                        <p:cTn id="74" dur="1" fill="hold">
-                                          <p:stCondLst>
-                                            <p:cond delay="0"/>
-                                          </p:stCondLst>
-                                        </p:cTn>
-                                        <p:tgtEl>
-                                          <p:spTgt spid="34"/>
-                                        </p:tgtEl>
-                                        <p:attrNameLst>
-                                          <p:attrName>style.visibility</p:attrName>
-                                        </p:attrNameLst>
-                                      </p:cBhvr>
-                                      <p:to>
-                                        <p:strVal val="visible"/>
-                                      </p:to>
-                                    </p:set>
-                                  </p:childTnLst>
-                                </p:cTn>
-                              </p:par>
-                            </p:childTnLst>
-                          </p:cTn>
-                        </p:par>
-                      </p:childTnLst>
-                    </p:cTn>
-                  </p:par>
-                  <p:par>
-                    <p:cTn id="75" fill="hold">
-                      <p:stCondLst>
-                        <p:cond delay="indefinite"/>
-                      </p:stCondLst>
-                      <p:childTnLst>
-                        <p:par>
-                          <p:cTn id="76" fill="hold">
-                            <p:stCondLst>
-                              <p:cond delay="0"/>
-                            </p:stCondLst>
-                            <p:childTnLst>
-                              <p:par>
-                                <p:cTn id="77" presetID="1" presetClass="entr" presetSubtype="0" fill="hold" grpId="0" nodeType="clickEffect">
-                                  <p:stCondLst>
-                                    <p:cond delay="0"/>
-                                  </p:stCondLst>
-                                  <p:childTnLst>
-                                    <p:set>
-                                      <p:cBhvr>
-                                        <p:cTn id="78" dur="1" fill="hold">
-                                          <p:stCondLst>
-                                            <p:cond delay="0"/>
-                                          </p:stCondLst>
-                                        </p:cTn>
-                                        <p:tgtEl>
-                                          <p:spTgt spid="16"/>
-                                        </p:tgtEl>
-                                        <p:attrNameLst>
-                                          <p:attrName>style.visibility</p:attrName>
-                                        </p:attrNameLst>
-                                      </p:cBhvr>
-                                      <p:to>
-                                        <p:strVal val="visible"/>
-                                      </p:to>
-                                    </p:set>
-                                  </p:childTnLst>
-                                </p:cTn>
-                              </p:par>
-                              <p:par>
-                                <p:cTn id="79" presetID="1" presetClass="entr" presetSubtype="0" fill="hold" nodeType="withEffect">
-                                  <p:stCondLst>
-                                    <p:cond delay="0"/>
-                                  </p:stCondLst>
-                                  <p:childTnLst>
-                                    <p:set>
-                                      <p:cBhvr>
-                                        <p:cTn id="80" dur="1" fill="hold">
-                                          <p:stCondLst>
-                                            <p:cond delay="0"/>
-                                          </p:stCondLst>
-                                        </p:cTn>
-                                        <p:tgtEl>
-                                          <p:spTgt spid="37"/>
-                                        </p:tgtEl>
-                                        <p:attrNameLst>
-                                          <p:attrName>style.visibility</p:attrName>
-                                        </p:attrNameLst>
-                                      </p:cBhvr>
-                                      <p:to>
-                                        <p:strVal val="visible"/>
-                                      </p:to>
-                                    </p:set>
-                                  </p:childTnLst>
-                                </p:cTn>
-                              </p:par>
-                            </p:childTnLst>
-                          </p:cTn>
-                        </p:par>
-                      </p:childTnLst>
-                    </p:cTn>
-                  </p:par>
-                  <p:par>
-                    <p:cTn id="81" fill="hold">
-                      <p:stCondLst>
-                        <p:cond delay="indefinite"/>
-                      </p:stCondLst>
-                      <p:childTnLst>
-                        <p:par>
-                          <p:cTn id="82" fill="hold">
-                            <p:stCondLst>
-                              <p:cond delay="0"/>
-                            </p:stCondLst>
-                            <p:childTnLst>
-                              <p:par>
-                                <p:cTn id="83" presetID="1" presetClass="entr" presetSubtype="0" fill="hold" grpId="0" nodeType="clickEffect">
-                                  <p:stCondLst>
-                                    <p:cond delay="0"/>
-                                  </p:stCondLst>
-                                  <p:childTnLst>
-                                    <p:set>
-                                      <p:cBhvr>
-                                        <p:cTn id="84" dur="1" fill="hold">
-                                          <p:stCondLst>
-                                            <p:cond delay="0"/>
-                                          </p:stCondLst>
-                                        </p:cTn>
-                                        <p:tgtEl>
-                                          <p:spTgt spid="21"/>
-                                        </p:tgtEl>
-                                        <p:attrNameLst>
-                                          <p:attrName>style.visibility</p:attrName>
-                                        </p:attrNameLst>
-                                      </p:cBhvr>
-                                      <p:to>
-                                        <p:strVal val="visible"/>
-                                      </p:to>
-                                    </p:set>
-                                  </p:childTnLst>
-                                </p:cTn>
-                              </p:par>
-                              <p:par>
-                                <p:cTn id="85" presetID="1" presetClass="entr" presetSubtype="0" fill="hold" nodeType="withEffect">
-                                  <p:stCondLst>
-                                    <p:cond delay="0"/>
-                                  </p:stCondLst>
-                                  <p:childTnLst>
-                                    <p:set>
-                                      <p:cBhvr>
-                                        <p:cTn id="86" dur="1" fill="hold">
-                                          <p:stCondLst>
-                                            <p:cond delay="0"/>
-                                          </p:stCondLst>
-                                        </p:cTn>
-                                        <p:tgtEl>
-                                          <p:spTgt spid="39"/>
-                                        </p:tgtEl>
-                                        <p:attrNameLst>
-                                          <p:attrName>style.visibility</p:attrName>
-                                        </p:attrNameLst>
-                                      </p:cBhvr>
-                                      <p:to>
-                                        <p:strVal val="visible"/>
-                                      </p:to>
-                                    </p:set>
+                                    </p:animEffect>
                                   </p:childTnLst>
                                 </p:cTn>
                               </p:par>
@@ -7131,19 +6672,12 @@
       </p:par>
     </p:tnLst>
     <p:bldLst>
-      <p:bldP spid="17" grpId="0" animBg="1"/>
-      <p:bldP spid="18" grpId="0" animBg="1"/>
-      <p:bldP spid="19" grpId="0" animBg="1"/>
-      <p:bldP spid="20" grpId="0" animBg="1"/>
-      <p:bldP spid="2" grpId="0"/>
-      <p:bldP spid="11" grpId="0"/>
-      <p:bldP spid="12" grpId="0"/>
-      <p:bldP spid="13" grpId="0"/>
-      <p:bldP spid="14" grpId="0"/>
-      <p:bldP spid="15" grpId="0"/>
-      <p:bldP spid="16" grpId="0"/>
-      <p:bldP spid="21" grpId="0"/>
-      <p:bldP spid="36" grpId="0"/>
+      <p:bldP spid="33" grpId="0"/>
+      <p:bldP spid="37" grpId="0"/>
+      <p:bldP spid="41" grpId="0"/>
+      <p:bldP spid="64" grpId="0"/>
+      <p:bldP spid="100" grpId="0"/>
+      <p:bldP spid="113" grpId="0"/>
     </p:bldLst>
   </p:timing>
 </p:sld>

--- a/Slack UI Screenshot App.pptx
+++ b/Slack UI Screenshot App.pptx
@@ -5814,7 +5814,7 @@
         </p:nvSpPr>
         <p:spPr>
           <a:xfrm>
-            <a:off x="812464" y="4175394"/>
+            <a:off x="812464" y="4051756"/>
             <a:ext cx="2111475" cy="215444"/>
           </a:xfrm>
           <a:prstGeom prst="rect">

--- a/Slack UI Screenshot App.pptx
+++ b/Slack UI Screenshot App.pptx
@@ -194,7 +194,7 @@
           <a:p>
             <a:fld id="{F355558A-C583-433E-8C58-C401C6E4FD44}" type="datetimeFigureOut">
               <a:rPr lang="en-US" smtClean="0"/>
-              <a:t>6/7/2017</a:t>
+              <a:t>6/12/2017</a:t>
             </a:fld>
             <a:endParaRPr lang="en-US"/>
           </a:p>
@@ -1087,7 +1087,7 @@
           <a:p>
             <a:fld id="{B94EC5BE-1084-4C3B-ABA7-5D08BFDB57DD}" type="datetimeFigureOut">
               <a:rPr lang="en-US" smtClean="0"/>
-              <a:t>6/7/2017</a:t>
+              <a:t>6/12/2017</a:t>
             </a:fld>
             <a:endParaRPr lang="en-US"/>
           </a:p>
@@ -1283,7 +1283,7 @@
           <a:p>
             <a:fld id="{B94EC5BE-1084-4C3B-ABA7-5D08BFDB57DD}" type="datetimeFigureOut">
               <a:rPr lang="en-US" smtClean="0"/>
-              <a:t>6/7/2017</a:t>
+              <a:t>6/12/2017</a:t>
             </a:fld>
             <a:endParaRPr lang="en-US"/>
           </a:p>
@@ -1468,7 +1468,7 @@
           <a:p>
             <a:fld id="{B94EC5BE-1084-4C3B-ABA7-5D08BFDB57DD}" type="datetimeFigureOut">
               <a:rPr lang="en-US" smtClean="0"/>
-              <a:t>6/7/2017</a:t>
+              <a:t>6/12/2017</a:t>
             </a:fld>
             <a:endParaRPr lang="en-US"/>
           </a:p>
@@ -1618,7 +1618,7 @@
           <a:p>
             <a:fld id="{B94EC5BE-1084-4C3B-ABA7-5D08BFDB57DD}" type="datetimeFigureOut">
               <a:rPr lang="en-US" smtClean="0"/>
-              <a:t>6/7/2017</a:t>
+              <a:t>6/12/2017</a:t>
             </a:fld>
             <a:endParaRPr lang="en-US"/>
           </a:p>
@@ -1873,7 +1873,7 @@
           <a:p>
             <a:fld id="{B94EC5BE-1084-4C3B-ABA7-5D08BFDB57DD}" type="datetimeFigureOut">
               <a:rPr lang="en-US" smtClean="0"/>
-              <a:t>6/7/2017</a:t>
+              <a:t>6/12/2017</a:t>
             </a:fld>
             <a:endParaRPr lang="en-US"/>
           </a:p>
@@ -2282,7 +2282,7 @@
           <a:p>
             <a:fld id="{B94EC5BE-1084-4C3B-ABA7-5D08BFDB57DD}" type="datetimeFigureOut">
               <a:rPr lang="en-US" smtClean="0"/>
-              <a:t>6/7/2017</a:t>
+              <a:t>6/12/2017</a:t>
             </a:fld>
             <a:endParaRPr lang="en-US"/>
           </a:p>
@@ -2728,7 +2728,7 @@
           <a:p>
             <a:fld id="{B94EC5BE-1084-4C3B-ABA7-5D08BFDB57DD}" type="datetimeFigureOut">
               <a:rPr lang="en-US" smtClean="0"/>
-              <a:t>6/7/2017</a:t>
+              <a:t>6/12/2017</a:t>
             </a:fld>
             <a:endParaRPr lang="en-US"/>
           </a:p>
@@ -2829,7 +2829,7 @@
           <a:p>
             <a:fld id="{B94EC5BE-1084-4C3B-ABA7-5D08BFDB57DD}" type="datetimeFigureOut">
               <a:rPr lang="en-US" smtClean="0"/>
-              <a:t>6/7/2017</a:t>
+              <a:t>6/12/2017</a:t>
             </a:fld>
             <a:endParaRPr lang="en-US"/>
           </a:p>
@@ -2950,7 +2950,7 @@
           <a:p>
             <a:fld id="{B94EC5BE-1084-4C3B-ABA7-5D08BFDB57DD}" type="datetimeFigureOut">
               <a:rPr lang="en-US" smtClean="0"/>
-              <a:t>6/7/2017</a:t>
+              <a:t>6/12/2017</a:t>
             </a:fld>
             <a:endParaRPr lang="en-US"/>
           </a:p>
@@ -3224,7 +3224,7 @@
           <a:p>
             <a:fld id="{B94EC5BE-1084-4C3B-ABA7-5D08BFDB57DD}" type="datetimeFigureOut">
               <a:rPr lang="en-US" smtClean="0"/>
-              <a:t>6/7/2017</a:t>
+              <a:t>6/12/2017</a:t>
             </a:fld>
             <a:endParaRPr lang="en-US"/>
           </a:p>
@@ -3429,7 +3429,7 @@
           <a:p>
             <a:fld id="{B94EC5BE-1084-4C3B-ABA7-5D08BFDB57DD}" type="datetimeFigureOut">
               <a:rPr lang="en-US" smtClean="0"/>
-              <a:t>6/7/2017</a:t>
+              <a:t>6/12/2017</a:t>
             </a:fld>
             <a:endParaRPr lang="en-US"/>
           </a:p>
@@ -4538,7 +4538,7 @@
           <a:p>
             <a:fld id="{B94EC5BE-1084-4C3B-ABA7-5D08BFDB57DD}" type="datetimeFigureOut">
               <a:rPr lang="en-US" smtClean="0"/>
-              <a:t>6/7/2017</a:t>
+              <a:t>6/12/2017</a:t>
             </a:fld>
             <a:endParaRPr lang="en-US"/>
           </a:p>
@@ -4983,6 +4983,10 @@
           <a:bodyPr/>
           <a:lstStyle/>
           <a:p>
+            <a:r>
+              <a:rPr lang="en-US" smtClean="0"/>
+              <a:t>MooMoo</a:t>
+            </a:r>
             <a:endParaRPr lang="en-US" dirty="0"/>
           </a:p>
         </p:txBody>
@@ -5057,7 +5061,61 @@
         </p:nvSpPr>
         <p:spPr>
           <a:xfrm>
-            <a:off x="685799" y="1219200"/>
+            <a:off x="685799" y="1676400"/>
+            <a:ext cx="1524000" cy="381000"/>
+          </a:xfrm>
+          <a:prstGeom prst="roundRect">
+            <a:avLst/>
+          </a:prstGeom>
+          <a:solidFill>
+            <a:schemeClr val="accent6"/>
+          </a:solidFill>
+          <a:ln w="38100" cmpd="sng">
+            <a:solidFill>
+              <a:schemeClr val="accent6">
+                <a:lumMod val="50000"/>
+              </a:schemeClr>
+            </a:solidFill>
+          </a:ln>
+        </p:spPr>
+        <p:style>
+          <a:lnRef idx="2">
+            <a:schemeClr val="accent1">
+              <a:shade val="50000"/>
+            </a:schemeClr>
+          </a:lnRef>
+          <a:fillRef idx="1">
+            <a:schemeClr val="accent1"/>
+          </a:fillRef>
+          <a:effectRef idx="0">
+            <a:schemeClr val="accent1"/>
+          </a:effectRef>
+          <a:fontRef idx="minor">
+            <a:schemeClr val="lt1"/>
+          </a:fontRef>
+        </p:style>
+        <p:txBody>
+          <a:bodyPr rtlCol="0" anchor="ctr"/>
+          <a:lstStyle/>
+          <a:p>
+            <a:pPr algn="ctr"/>
+            <a:r>
+              <a:rPr lang="en-US" sz="1000" dirty="0" smtClean="0"/>
+              <a:t>Slack.com</a:t>
+            </a:r>
+            <a:endParaRPr lang="en-US" sz="1000" dirty="0"/>
+          </a:p>
+        </p:txBody>
+      </p:sp>
+      <p:sp>
+        <p:nvSpPr>
+          <p:cNvPr id="12" name="Rounded Rectangle 11"/>
+          <p:cNvSpPr/>
+          <p:nvPr/>
+        </p:nvSpPr>
+        <p:spPr>
+          <a:xfrm>
+            <a:off x="699669" y="4305300"/>
             <a:ext cx="1524000" cy="685800"/>
           </a:xfrm>
           <a:prstGeom prst="roundRect">
@@ -5097,183 +5155,205 @@
             <a:pPr algn="ctr"/>
             <a:r>
               <a:rPr lang="en-US" sz="1000" dirty="0" smtClean="0"/>
-              <a:t>Slack.com</a:t>
+              <a:t>Browserstack.com</a:t>
             </a:r>
             <a:endParaRPr lang="en-US" sz="1000" dirty="0"/>
           </a:p>
         </p:txBody>
       </p:sp>
-      <p:sp>
-        <p:nvSpPr>
-          <p:cNvPr id="12" name="Rounded Rectangle 11"/>
+      <p:grpSp>
+        <p:nvGrpSpPr>
+          <p:cNvPr id="95" name="Group 94"/>
+          <p:cNvGrpSpPr/>
+          <p:nvPr/>
+        </p:nvGrpSpPr>
+        <p:grpSpPr>
+          <a:xfrm>
+            <a:off x="4038600" y="6035041"/>
+            <a:ext cx="4876800" cy="441959"/>
+            <a:chOff x="4038600" y="6208096"/>
+            <a:chExt cx="4876800" cy="441959"/>
+          </a:xfrm>
+        </p:grpSpPr>
+        <p:sp>
+          <p:nvSpPr>
+            <p:cNvPr id="13" name="Rounded Rectangle 12"/>
+            <p:cNvSpPr/>
+            <p:nvPr/>
+          </p:nvSpPr>
+          <p:spPr>
+            <a:xfrm>
+              <a:off x="7391400" y="6208096"/>
+              <a:ext cx="1524000" cy="421304"/>
+            </a:xfrm>
+            <a:prstGeom prst="roundRect">
+              <a:avLst/>
+            </a:prstGeom>
+            <a:ln w="38100" cmpd="sng"/>
+          </p:spPr>
+          <p:style>
+            <a:lnRef idx="2">
+              <a:schemeClr val="accent1">
+                <a:shade val="50000"/>
+              </a:schemeClr>
+            </a:lnRef>
+            <a:fillRef idx="1">
+              <a:schemeClr val="accent1"/>
+            </a:fillRef>
+            <a:effectRef idx="0">
+              <a:schemeClr val="accent1"/>
+            </a:effectRef>
+            <a:fontRef idx="minor">
+              <a:schemeClr val="lt1"/>
+            </a:fontRef>
+          </p:style>
+          <p:txBody>
+            <a:bodyPr rtlCol="0" anchor="ctr"/>
+            <a:lstStyle/>
+            <a:p>
+              <a:pPr algn="ctr"/>
+              <a:r>
+                <a:rPr lang="en-US" sz="1000" dirty="0" smtClean="0"/>
+                <a:t>Node Services</a:t>
+              </a:r>
+              <a:endParaRPr lang="en-US" sz="1000" dirty="0"/>
+            </a:p>
+          </p:txBody>
+        </p:sp>
+        <p:sp>
+          <p:nvSpPr>
+            <p:cNvPr id="14" name="Rounded Rectangle 13"/>
+            <p:cNvSpPr/>
+            <p:nvPr/>
+          </p:nvSpPr>
+          <p:spPr>
+            <a:xfrm>
+              <a:off x="4038600" y="6228751"/>
+              <a:ext cx="1524000" cy="421304"/>
+            </a:xfrm>
+            <a:prstGeom prst="roundRect">
+              <a:avLst/>
+            </a:prstGeom>
+            <a:solidFill>
+              <a:schemeClr val="accent6"/>
+            </a:solidFill>
+            <a:ln w="38100" cmpd="sng">
+              <a:solidFill>
+                <a:schemeClr val="accent6">
+                  <a:lumMod val="50000"/>
+                </a:schemeClr>
+              </a:solidFill>
+            </a:ln>
+          </p:spPr>
+          <p:style>
+            <a:lnRef idx="2">
+              <a:schemeClr val="accent1">
+                <a:shade val="50000"/>
+              </a:schemeClr>
+            </a:lnRef>
+            <a:fillRef idx="1">
+              <a:schemeClr val="accent1"/>
+            </a:fillRef>
+            <a:effectRef idx="0">
+              <a:schemeClr val="accent1"/>
+            </a:effectRef>
+            <a:fontRef idx="minor">
+              <a:schemeClr val="lt1"/>
+            </a:fontRef>
+          </p:style>
+          <p:txBody>
+            <a:bodyPr rtlCol="0" anchor="ctr"/>
+            <a:lstStyle/>
+            <a:p>
+              <a:pPr algn="ctr"/>
+              <a:r>
+                <a:rPr lang="en-US" sz="1000" dirty="0" smtClean="0"/>
+                <a:t>3</a:t>
+              </a:r>
+              <a:r>
+                <a:rPr lang="en-US" sz="1000" baseline="30000" dirty="0" smtClean="0"/>
+                <a:t>rd</a:t>
+              </a:r>
+              <a:r>
+                <a:rPr lang="en-US" sz="1000" dirty="0" smtClean="0"/>
+                <a:t> Party Services</a:t>
+              </a:r>
+              <a:endParaRPr lang="en-US" sz="1000" dirty="0"/>
+            </a:p>
+          </p:txBody>
+        </p:sp>
+        <p:sp>
+          <p:nvSpPr>
+            <p:cNvPr id="18" name="Rounded Rectangle 17"/>
+            <p:cNvSpPr/>
+            <p:nvPr/>
+          </p:nvSpPr>
+          <p:spPr>
+            <a:xfrm>
+              <a:off x="5715000" y="6208096"/>
+              <a:ext cx="1524000" cy="421304"/>
+            </a:xfrm>
+            <a:prstGeom prst="roundRect">
+              <a:avLst/>
+            </a:prstGeom>
+            <a:solidFill>
+              <a:schemeClr val="tx1">
+                <a:lumMod val="50000"/>
+                <a:lumOff val="50000"/>
+              </a:schemeClr>
+            </a:solidFill>
+            <a:ln w="38100" cmpd="sng">
+              <a:solidFill>
+                <a:schemeClr val="accent6">
+                  <a:lumMod val="50000"/>
+                </a:schemeClr>
+              </a:solidFill>
+            </a:ln>
+          </p:spPr>
+          <p:style>
+            <a:lnRef idx="2">
+              <a:schemeClr val="accent1">
+                <a:shade val="50000"/>
+              </a:schemeClr>
+            </a:lnRef>
+            <a:fillRef idx="1">
+              <a:schemeClr val="accent1"/>
+            </a:fillRef>
+            <a:effectRef idx="0">
+              <a:schemeClr val="accent1"/>
+            </a:effectRef>
+            <a:fontRef idx="minor">
+              <a:schemeClr val="lt1"/>
+            </a:fontRef>
+          </p:style>
+          <p:txBody>
+            <a:bodyPr rtlCol="0" anchor="ctr"/>
+            <a:lstStyle/>
+            <a:p>
+              <a:pPr algn="ctr"/>
+              <a:r>
+                <a:rPr lang="en-US" sz="1000" dirty="0" err="1" smtClean="0"/>
+                <a:t>MooMoo</a:t>
+              </a:r>
+              <a:r>
+                <a:rPr lang="en-US" sz="1000" dirty="0" smtClean="0"/>
+                <a:t> (Slack App)</a:t>
+              </a:r>
+              <a:endParaRPr lang="en-US" sz="1000" dirty="0"/>
+            </a:p>
+          </p:txBody>
+        </p:sp>
+      </p:grpSp>
+      <p:sp>
+        <p:nvSpPr>
+          <p:cNvPr id="19" name="Rounded Rectangle 18"/>
           <p:cNvSpPr/>
           <p:nvPr/>
         </p:nvSpPr>
         <p:spPr>
           <a:xfrm>
-            <a:off x="6529270" y="1219200"/>
-            <a:ext cx="1524000" cy="685800"/>
-          </a:xfrm>
-          <a:prstGeom prst="roundRect">
-            <a:avLst/>
-          </a:prstGeom>
-          <a:solidFill>
-            <a:schemeClr val="accent6"/>
-          </a:solidFill>
-          <a:ln w="38100" cmpd="sng">
-            <a:solidFill>
-              <a:schemeClr val="accent6">
-                <a:lumMod val="50000"/>
-              </a:schemeClr>
-            </a:solidFill>
-          </a:ln>
-        </p:spPr>
-        <p:style>
-          <a:lnRef idx="2">
-            <a:schemeClr val="accent1">
-              <a:shade val="50000"/>
-            </a:schemeClr>
-          </a:lnRef>
-          <a:fillRef idx="1">
-            <a:schemeClr val="accent1"/>
-          </a:fillRef>
-          <a:effectRef idx="0">
-            <a:schemeClr val="accent1"/>
-          </a:effectRef>
-          <a:fontRef idx="minor">
-            <a:schemeClr val="lt1"/>
-          </a:fontRef>
-        </p:style>
-        <p:txBody>
-          <a:bodyPr rtlCol="0" anchor="ctr"/>
-          <a:lstStyle/>
-          <a:p>
-            <a:pPr algn="ctr"/>
-            <a:r>
-              <a:rPr lang="en-US" sz="1000" dirty="0" smtClean="0"/>
-              <a:t>Browserstack.com</a:t>
-            </a:r>
-            <a:endParaRPr lang="en-US" sz="1000" dirty="0"/>
-          </a:p>
-        </p:txBody>
-      </p:sp>
-      <p:sp>
-        <p:nvSpPr>
-          <p:cNvPr id="13" name="Rounded Rectangle 12"/>
-          <p:cNvSpPr/>
-          <p:nvPr/>
-        </p:nvSpPr>
-        <p:spPr>
-          <a:xfrm>
-            <a:off x="7391400" y="6208096"/>
-            <a:ext cx="1524000" cy="421304"/>
-          </a:xfrm>
-          <a:prstGeom prst="roundRect">
-            <a:avLst/>
-          </a:prstGeom>
-          <a:ln w="38100" cmpd="sng"/>
-        </p:spPr>
-        <p:style>
-          <a:lnRef idx="2">
-            <a:schemeClr val="accent1">
-              <a:shade val="50000"/>
-            </a:schemeClr>
-          </a:lnRef>
-          <a:fillRef idx="1">
-            <a:schemeClr val="accent1"/>
-          </a:fillRef>
-          <a:effectRef idx="0">
-            <a:schemeClr val="accent1"/>
-          </a:effectRef>
-          <a:fontRef idx="minor">
-            <a:schemeClr val="lt1"/>
-          </a:fontRef>
-        </p:style>
-        <p:txBody>
-          <a:bodyPr rtlCol="0" anchor="ctr"/>
-          <a:lstStyle/>
-          <a:p>
-            <a:pPr algn="ctr"/>
-            <a:r>
-              <a:rPr lang="en-US" sz="1000" dirty="0" smtClean="0"/>
-              <a:t>Node Services</a:t>
-            </a:r>
-            <a:endParaRPr lang="en-US" sz="1000" dirty="0"/>
-          </a:p>
-        </p:txBody>
-      </p:sp>
-      <p:sp>
-        <p:nvSpPr>
-          <p:cNvPr id="14" name="Rounded Rectangle 13"/>
-          <p:cNvSpPr/>
-          <p:nvPr/>
-        </p:nvSpPr>
-        <p:spPr>
-          <a:xfrm>
-            <a:off x="7391400" y="5715000"/>
-            <a:ext cx="1524000" cy="421304"/>
-          </a:xfrm>
-          <a:prstGeom prst="roundRect">
-            <a:avLst/>
-          </a:prstGeom>
-          <a:solidFill>
-            <a:schemeClr val="accent6"/>
-          </a:solidFill>
-          <a:ln w="38100" cmpd="sng">
-            <a:solidFill>
-              <a:schemeClr val="accent6">
-                <a:lumMod val="50000"/>
-              </a:schemeClr>
-            </a:solidFill>
-          </a:ln>
-        </p:spPr>
-        <p:style>
-          <a:lnRef idx="2">
-            <a:schemeClr val="accent1">
-              <a:shade val="50000"/>
-            </a:schemeClr>
-          </a:lnRef>
-          <a:fillRef idx="1">
-            <a:schemeClr val="accent1"/>
-          </a:fillRef>
-          <a:effectRef idx="0">
-            <a:schemeClr val="accent1"/>
-          </a:effectRef>
-          <a:fontRef idx="minor">
-            <a:schemeClr val="lt1"/>
-          </a:fontRef>
-        </p:style>
-        <p:txBody>
-          <a:bodyPr rtlCol="0" anchor="ctr"/>
-          <a:lstStyle/>
-          <a:p>
-            <a:pPr algn="ctr"/>
-            <a:r>
-              <a:rPr lang="en-US" sz="1000" dirty="0" smtClean="0"/>
-              <a:t>3</a:t>
-            </a:r>
-            <a:r>
-              <a:rPr lang="en-US" sz="1000" baseline="30000" dirty="0" smtClean="0"/>
-              <a:t>rd</a:t>
-            </a:r>
-            <a:r>
-              <a:rPr lang="en-US" sz="1000" dirty="0" smtClean="0"/>
-              <a:t> Party Services</a:t>
-            </a:r>
-            <a:endParaRPr lang="en-US" sz="1000" dirty="0"/>
-          </a:p>
-        </p:txBody>
-      </p:sp>
-      <p:sp>
-        <p:nvSpPr>
-          <p:cNvPr id="18" name="Rounded Rectangle 17"/>
-          <p:cNvSpPr/>
-          <p:nvPr/>
-        </p:nvSpPr>
-        <p:spPr>
-          <a:xfrm>
-            <a:off x="7391400" y="5217496"/>
-            <a:ext cx="1524000" cy="421304"/>
+            <a:off x="699669" y="2424230"/>
+            <a:ext cx="1524000" cy="318970"/>
           </a:xfrm>
           <a:prstGeom prst="roundRect">
             <a:avLst/>
@@ -5327,114 +5407,14 @@
       </p:sp>
       <p:sp>
         <p:nvSpPr>
-          <p:cNvPr id="19" name="Rounded Rectangle 18"/>
-          <p:cNvSpPr/>
-          <p:nvPr/>
-        </p:nvSpPr>
-        <p:spPr>
-          <a:xfrm>
-            <a:off x="685800" y="3110030"/>
-            <a:ext cx="1524000" cy="699970"/>
-          </a:xfrm>
-          <a:prstGeom prst="roundRect">
-            <a:avLst/>
-          </a:prstGeom>
-          <a:solidFill>
-            <a:schemeClr val="tx1">
-              <a:lumMod val="50000"/>
-              <a:lumOff val="50000"/>
-            </a:schemeClr>
-          </a:solidFill>
-          <a:ln w="38100" cmpd="sng">
-            <a:solidFill>
-              <a:schemeClr val="accent6">
-                <a:lumMod val="50000"/>
-              </a:schemeClr>
-            </a:solidFill>
-          </a:ln>
-        </p:spPr>
-        <p:style>
-          <a:lnRef idx="2">
-            <a:schemeClr val="accent1">
-              <a:shade val="50000"/>
-            </a:schemeClr>
-          </a:lnRef>
-          <a:fillRef idx="1">
-            <a:schemeClr val="accent1"/>
-          </a:fillRef>
-          <a:effectRef idx="0">
-            <a:schemeClr val="accent1"/>
-          </a:effectRef>
-          <a:fontRef idx="minor">
-            <a:schemeClr val="lt1"/>
-          </a:fontRef>
-        </p:style>
-        <p:txBody>
-          <a:bodyPr rtlCol="0" anchor="ctr"/>
-          <a:lstStyle/>
-          <a:p>
-            <a:pPr algn="ctr"/>
-            <a:r>
-              <a:rPr lang="en-US" sz="1000" dirty="0" err="1" smtClean="0"/>
-              <a:t>MooMoo</a:t>
-            </a:r>
-            <a:r>
-              <a:rPr lang="en-US" sz="1000" dirty="0" smtClean="0"/>
-              <a:t> (Slack App)</a:t>
-            </a:r>
-            <a:endParaRPr lang="en-US" sz="1000" dirty="0"/>
-          </a:p>
-        </p:txBody>
-      </p:sp>
-      <p:cxnSp>
-        <p:nvCxnSpPr>
-          <p:cNvPr id="23" name="Straight Arrow Connector 22"/>
-          <p:cNvCxnSpPr>
-            <a:stCxn id="10" idx="2"/>
-            <a:endCxn id="19" idx="0"/>
-          </p:cNvCxnSpPr>
-          <p:nvPr/>
-        </p:nvCxnSpPr>
-        <p:spPr>
-          <a:xfrm>
-            <a:off x="1447799" y="1905000"/>
-            <a:ext cx="1" cy="1205030"/>
-          </a:xfrm>
-          <a:prstGeom prst="straightConnector1">
-            <a:avLst/>
-          </a:prstGeom>
-          <a:ln w="12700">
-            <a:solidFill>
-              <a:schemeClr val="tx1"/>
-            </a:solidFill>
-            <a:tailEnd type="arrow"/>
-          </a:ln>
-        </p:spPr>
-        <p:style>
-          <a:lnRef idx="1">
-            <a:schemeClr val="dk1"/>
-          </a:lnRef>
-          <a:fillRef idx="0">
-            <a:schemeClr val="dk1"/>
-          </a:fillRef>
-          <a:effectRef idx="0">
-            <a:schemeClr val="dk1"/>
-          </a:effectRef>
-          <a:fontRef idx="minor">
-            <a:schemeClr val="tx1"/>
-          </a:fontRef>
-        </p:style>
-      </p:cxnSp>
-      <p:sp>
-        <p:nvSpPr>
           <p:cNvPr id="17" name="Rectangle 16"/>
           <p:cNvSpPr/>
           <p:nvPr/>
         </p:nvSpPr>
         <p:spPr>
           <a:xfrm>
-            <a:off x="2895600" y="2362200"/>
-            <a:ext cx="2921910" cy="3048000"/>
+            <a:off x="5993490" y="1371600"/>
+            <a:ext cx="2998110" cy="3588326"/>
           </a:xfrm>
           <a:prstGeom prst="rect">
             <a:avLst/>
@@ -5488,13 +5468,13 @@
       </p:sp>
       <p:sp>
         <p:nvSpPr>
-          <p:cNvPr id="7" name="Rounded Rectangle 6"/>
+          <p:cNvPr id="8" name="Rounded Rectangle 7"/>
           <p:cNvSpPr/>
           <p:nvPr/>
         </p:nvSpPr>
         <p:spPr>
           <a:xfrm>
-            <a:off x="3581400" y="2825697"/>
+            <a:off x="7086600" y="3460015"/>
             <a:ext cx="1524000" cy="762000"/>
           </a:xfrm>
           <a:prstGeom prst="roundRect">
@@ -5524,58 +5504,6 @@
           <a:p>
             <a:pPr algn="ctr"/>
             <a:r>
-              <a:rPr lang="en-US" sz="1000" dirty="0" smtClean="0"/>
-              <a:t>Slack </a:t>
-            </a:r>
-          </a:p>
-          <a:p>
-            <a:pPr algn="ctr"/>
-            <a:r>
-              <a:rPr lang="en-US" sz="1000" dirty="0" smtClean="0"/>
-              <a:t>Service</a:t>
-            </a:r>
-            <a:endParaRPr lang="en-US" sz="1000" dirty="0"/>
-          </a:p>
-        </p:txBody>
-      </p:sp>
-      <p:sp>
-        <p:nvSpPr>
-          <p:cNvPr id="8" name="Rounded Rectangle 7"/>
-          <p:cNvSpPr/>
-          <p:nvPr/>
-        </p:nvSpPr>
-        <p:spPr>
-          <a:xfrm>
-            <a:off x="3578881" y="4197926"/>
-            <a:ext cx="1524000" cy="762000"/>
-          </a:xfrm>
-          <a:prstGeom prst="roundRect">
-            <a:avLst/>
-          </a:prstGeom>
-          <a:ln w="38100" cmpd="sng"/>
-        </p:spPr>
-        <p:style>
-          <a:lnRef idx="2">
-            <a:schemeClr val="accent1">
-              <a:shade val="50000"/>
-            </a:schemeClr>
-          </a:lnRef>
-          <a:fillRef idx="1">
-            <a:schemeClr val="accent1"/>
-          </a:fillRef>
-          <a:effectRef idx="0">
-            <a:schemeClr val="accent1"/>
-          </a:effectRef>
-          <a:fontRef idx="minor">
-            <a:schemeClr val="lt1"/>
-          </a:fontRef>
-        </p:style>
-        <p:txBody>
-          <a:bodyPr rtlCol="0" anchor="ctr"/>
-          <a:lstStyle/>
-          <a:p>
-            <a:pPr algn="ctr"/>
-            <a:r>
               <a:rPr lang="en-US" sz="1000" dirty="0" err="1" smtClean="0"/>
               <a:t>Browserstack</a:t>
             </a:r>
@@ -5599,7 +5527,7 @@
         </p:nvSpPr>
         <p:spPr>
           <a:xfrm>
-            <a:off x="3695700" y="5124607"/>
+            <a:off x="7200900" y="4572000"/>
             <a:ext cx="1295400" cy="152400"/>
           </a:xfrm>
           <a:prstGeom prst="rect">
@@ -5652,55 +5580,16 @@
           </a:p>
         </p:txBody>
       </p:sp>
-      <p:cxnSp>
-        <p:nvCxnSpPr>
-          <p:cNvPr id="29" name="Straight Arrow Connector 28"/>
-          <p:cNvCxnSpPr>
-            <a:stCxn id="7" idx="2"/>
-            <a:endCxn id="8" idx="0"/>
-          </p:cNvCxnSpPr>
-          <p:nvPr/>
-        </p:nvCxnSpPr>
-        <p:spPr>
-          <a:xfrm flipH="1">
-            <a:off x="4340881" y="3587697"/>
-            <a:ext cx="2519" cy="610229"/>
-          </a:xfrm>
-          <a:prstGeom prst="straightConnector1">
-            <a:avLst/>
-          </a:prstGeom>
-          <a:ln w="12700">
-            <a:solidFill>
-              <a:schemeClr val="tx1"/>
-            </a:solidFill>
-            <a:tailEnd type="arrow"/>
-          </a:ln>
-        </p:spPr>
-        <p:style>
-          <a:lnRef idx="1">
-            <a:schemeClr val="dk1"/>
-          </a:lnRef>
-          <a:fillRef idx="0">
-            <a:schemeClr val="dk1"/>
-          </a:fillRef>
-          <a:effectRef idx="0">
-            <a:schemeClr val="dk1"/>
-          </a:effectRef>
-          <a:fontRef idx="minor">
-            <a:schemeClr val="tx1"/>
-          </a:fontRef>
-        </p:style>
-      </p:cxnSp>
-      <p:sp>
-        <p:nvSpPr>
-          <p:cNvPr id="33" name="TextBox 32"/>
+      <p:sp>
+        <p:nvSpPr>
+          <p:cNvPr id="113" name="TextBox 112"/>
           <p:cNvSpPr txBox="1"/>
           <p:nvPr/>
         </p:nvSpPr>
         <p:spPr>
           <a:xfrm>
-            <a:off x="4344030" y="3733800"/>
-            <a:ext cx="1473480" cy="338554"/>
+            <a:off x="5105400" y="2832556"/>
+            <a:ext cx="906017" cy="215444"/>
           </a:xfrm>
           <a:prstGeom prst="rect">
             <a:avLst/>
@@ -5715,13 +5604,7 @@
           <a:p>
             <a:r>
               <a:rPr lang="en-US" sz="800" dirty="0" smtClean="0"/>
-              <a:t>3. Parse request from app</a:t>
-            </a:r>
-          </a:p>
-          <a:p>
-            <a:r>
-              <a:rPr lang="en-US" sz="800" dirty="0" smtClean="0"/>
-              <a:t>4. Submit job request</a:t>
+              <a:t>Open Port 443</a:t>
             </a:r>
             <a:endParaRPr lang="en-US" sz="800" dirty="0"/>
           </a:p>
@@ -5729,211 +5612,255 @@
       </p:sp>
       <p:sp>
         <p:nvSpPr>
-          <p:cNvPr id="37" name="TextBox 36"/>
-          <p:cNvSpPr txBox="1"/>
+          <p:cNvPr id="28" name="Rounded Rectangle 27"/>
+          <p:cNvSpPr/>
           <p:nvPr/>
         </p:nvSpPr>
         <p:spPr>
           <a:xfrm>
-            <a:off x="1467322" y="1981200"/>
-            <a:ext cx="1540806" cy="215444"/>
+            <a:off x="7086600" y="2088922"/>
+            <a:ext cx="1524000" cy="762000"/>
           </a:xfrm>
-          <a:prstGeom prst="rect">
+          <a:prstGeom prst="roundRect">
             <a:avLst/>
           </a:prstGeom>
-          <a:noFill/>
-        </p:spPr>
-        <p:txBody>
-          <a:bodyPr wrap="none" rtlCol="0">
-            <a:spAutoFit/>
-          </a:bodyPr>
-          <a:lstStyle/>
-          <a:p>
-            <a:r>
-              <a:rPr lang="en-US" sz="800" dirty="0" smtClean="0"/>
-              <a:t>1. /</a:t>
-            </a:r>
-            <a:r>
-              <a:rPr lang="en-US" sz="800" dirty="0" err="1" smtClean="0"/>
-              <a:t>moomoo</a:t>
-            </a:r>
-            <a:r>
-              <a:rPr lang="en-US" sz="800" dirty="0" smtClean="0"/>
-              <a:t> www.kbb.com</a:t>
-            </a:r>
-            <a:endParaRPr lang="en-US" sz="800" dirty="0"/>
-          </a:p>
-        </p:txBody>
-      </p:sp>
-      <p:cxnSp>
-        <p:nvCxnSpPr>
-          <p:cNvPr id="40" name="Elbow Connector 39"/>
-          <p:cNvCxnSpPr>
-            <a:stCxn id="19" idx="2"/>
-          </p:cNvCxnSpPr>
-          <p:nvPr/>
-        </p:nvCxnSpPr>
-        <p:spPr>
-          <a:xfrm rot="5400000" flipH="1" flipV="1">
-            <a:off x="2211689" y="2442809"/>
-            <a:ext cx="603302" cy="2131080"/>
-          </a:xfrm>
-          <a:prstGeom prst="bentConnector4">
-            <a:avLst>
-              <a:gd name="adj1" fmla="val -37891"/>
-              <a:gd name="adj2" fmla="val 63268"/>
-            </a:avLst>
-          </a:prstGeom>
-          <a:ln w="12700">
-            <a:solidFill>
-              <a:schemeClr val="tx1"/>
-            </a:solidFill>
-            <a:tailEnd type="arrow"/>
-          </a:ln>
+          <a:ln w="38100" cmpd="sng"/>
         </p:spPr>
         <p:style>
-          <a:lnRef idx="1">
-            <a:schemeClr val="accent1"/>
+          <a:lnRef idx="2">
+            <a:schemeClr val="accent1">
+              <a:shade val="50000"/>
+            </a:schemeClr>
           </a:lnRef>
-          <a:fillRef idx="0">
+          <a:fillRef idx="1">
             <a:schemeClr val="accent1"/>
           </a:fillRef>
           <a:effectRef idx="0">
             <a:schemeClr val="accent1"/>
           </a:effectRef>
           <a:fontRef idx="minor">
-            <a:schemeClr val="tx1"/>
+            <a:schemeClr val="lt1"/>
           </a:fontRef>
         </p:style>
-      </p:cxnSp>
-      <p:sp>
-        <p:nvSpPr>
-          <p:cNvPr id="41" name="TextBox 40"/>
-          <p:cNvSpPr txBox="1"/>
+        <p:txBody>
+          <a:bodyPr rtlCol="0" anchor="ctr"/>
+          <a:lstStyle/>
+          <a:p>
+            <a:pPr algn="ctr"/>
+            <a:r>
+              <a:rPr lang="en-US" sz="1000" dirty="0" smtClean="0"/>
+              <a:t>Slack</a:t>
+            </a:r>
+            <a:endParaRPr lang="en-US" sz="1000" dirty="0"/>
+          </a:p>
+          <a:p>
+            <a:pPr algn="ctr"/>
+            <a:r>
+              <a:rPr lang="en-US" sz="1000" dirty="0" smtClean="0"/>
+              <a:t>Service</a:t>
+            </a:r>
+            <a:endParaRPr lang="en-US" sz="1000" dirty="0"/>
+          </a:p>
+        </p:txBody>
+      </p:sp>
+      <p:sp>
+        <p:nvSpPr>
+          <p:cNvPr id="4" name="Rectangle 3"/>
+          <p:cNvSpPr/>
           <p:nvPr/>
         </p:nvSpPr>
         <p:spPr>
           <a:xfrm>
-            <a:off x="812464" y="4051756"/>
-            <a:ext cx="2111475" cy="215444"/>
+            <a:off x="5562600" y="3048000"/>
+            <a:ext cx="659490" cy="304800"/>
           </a:xfrm>
           <a:prstGeom prst="rect">
             <a:avLst/>
           </a:prstGeom>
-          <a:noFill/>
-        </p:spPr>
-        <p:txBody>
-          <a:bodyPr wrap="none" rtlCol="0">
-            <a:spAutoFit/>
-          </a:bodyPr>
-          <a:lstStyle/>
-          <a:p>
-            <a:r>
-              <a:rPr lang="en-US" sz="800" dirty="0" smtClean="0"/>
-              <a:t>2. Forward request to the Slack Service</a:t>
-            </a:r>
-            <a:endParaRPr lang="en-US" sz="800" dirty="0"/>
-          </a:p>
-        </p:txBody>
-      </p:sp>
-      <p:cxnSp>
-        <p:nvCxnSpPr>
-          <p:cNvPr id="55" name="Elbow Connector 54"/>
-          <p:cNvCxnSpPr>
-            <a:stCxn id="8" idx="3"/>
-          </p:cNvCxnSpPr>
-          <p:nvPr/>
-        </p:nvCxnSpPr>
-        <p:spPr>
-          <a:xfrm flipV="1">
-            <a:off x="5102881" y="1905000"/>
-            <a:ext cx="2654749" cy="2673926"/>
-          </a:xfrm>
-          <a:prstGeom prst="bentConnector2">
-            <a:avLst/>
-          </a:prstGeom>
-          <a:ln w="12700">
+          <a:solidFill>
+            <a:schemeClr val="bg2"/>
+          </a:solidFill>
+          <a:ln w="12700" cmpd="sng">
             <a:solidFill>
-              <a:schemeClr val="tx1"/>
+              <a:schemeClr val="bg2">
+                <a:lumMod val="25000"/>
+              </a:schemeClr>
             </a:solidFill>
-            <a:tailEnd type="arrow"/>
           </a:ln>
         </p:spPr>
         <p:style>
-          <a:lnRef idx="1">
-            <a:schemeClr val="accent1"/>
+          <a:lnRef idx="2">
+            <a:schemeClr val="accent1">
+              <a:shade val="50000"/>
+            </a:schemeClr>
           </a:lnRef>
-          <a:fillRef idx="0">
+          <a:fillRef idx="1">
             <a:schemeClr val="accent1"/>
           </a:fillRef>
           <a:effectRef idx="0">
             <a:schemeClr val="accent1"/>
           </a:effectRef>
           <a:fontRef idx="minor">
-            <a:schemeClr val="tx1"/>
+            <a:schemeClr val="lt1"/>
           </a:fontRef>
         </p:style>
-      </p:cxnSp>
-      <p:sp>
-        <p:nvSpPr>
-          <p:cNvPr id="64" name="TextBox 63"/>
-          <p:cNvSpPr txBox="1"/>
-          <p:nvPr/>
-        </p:nvSpPr>
-        <p:spPr>
-          <a:xfrm>
-            <a:off x="5941795" y="4648200"/>
-            <a:ext cx="2321469" cy="338554"/>
-          </a:xfrm>
-          <a:prstGeom prst="rect">
-            <a:avLst/>
-          </a:prstGeom>
-          <a:noFill/>
-        </p:spPr>
-        <p:txBody>
-          <a:bodyPr wrap="none" rtlCol="0">
-            <a:spAutoFit/>
-          </a:bodyPr>
+        <p:txBody>
+          <a:bodyPr rtlCol="0" anchor="ctr"/>
           <a:lstStyle/>
           <a:p>
-            <a:r>
-              <a:rPr lang="en-US" sz="800" dirty="0" smtClean="0"/>
-              <a:t>5. Compile browsers to test</a:t>
-            </a:r>
-          </a:p>
-          <a:p>
-            <a:r>
-              <a:rPr lang="en-US" sz="800" dirty="0" smtClean="0"/>
-              <a:t>6. Submit job request to Browserstack.com</a:t>
-            </a:r>
-            <a:endParaRPr lang="en-US" sz="800" dirty="0"/>
+            <a:pPr algn="ctr"/>
+            <a:endParaRPr lang="en-US"/>
           </a:p>
         </p:txBody>
       </p:sp>
       <p:grpSp>
         <p:nvGrpSpPr>
-          <p:cNvPr id="98" name="Group 97"/>
+          <p:cNvPr id="88" name="Group 87"/>
           <p:cNvGrpSpPr/>
           <p:nvPr/>
         </p:nvGrpSpPr>
         <p:grpSpPr>
           <a:xfrm>
-            <a:off x="5105400" y="1909762"/>
-            <a:ext cx="1828800" cy="1301698"/>
-            <a:chOff x="5105400" y="1909762"/>
-            <a:chExt cx="1828800" cy="1301698"/>
+            <a:off x="1430994" y="2057400"/>
+            <a:ext cx="1540806" cy="366830"/>
+            <a:chOff x="1430994" y="2057400"/>
+            <a:chExt cx="1540806" cy="366830"/>
           </a:xfrm>
         </p:grpSpPr>
+        <p:sp>
+          <p:nvSpPr>
+            <p:cNvPr id="37" name="TextBox 36"/>
+            <p:cNvSpPr txBox="1"/>
+            <p:nvPr/>
+          </p:nvSpPr>
+          <p:spPr>
+            <a:xfrm>
+              <a:off x="1430994" y="2133600"/>
+              <a:ext cx="1540806" cy="215444"/>
+            </a:xfrm>
+            <a:prstGeom prst="rect">
+              <a:avLst/>
+            </a:prstGeom>
+            <a:noFill/>
+          </p:spPr>
+          <p:txBody>
+            <a:bodyPr wrap="none" rtlCol="0">
+              <a:spAutoFit/>
+            </a:bodyPr>
+            <a:lstStyle/>
+            <a:p>
+              <a:r>
+                <a:rPr lang="en-US" sz="800" dirty="0" smtClean="0"/>
+                <a:t>1. /</a:t>
+              </a:r>
+              <a:r>
+                <a:rPr lang="en-US" sz="800" dirty="0" err="1" smtClean="0"/>
+                <a:t>moomoo</a:t>
+              </a:r>
+              <a:r>
+                <a:rPr lang="en-US" sz="800" dirty="0" smtClean="0"/>
+                <a:t> www.kbb.com</a:t>
+              </a:r>
+              <a:endParaRPr lang="en-US" sz="800" dirty="0"/>
+            </a:p>
+          </p:txBody>
+        </p:sp>
         <p:cxnSp>
           <p:nvCxnSpPr>
-            <p:cNvPr id="90" name="Straight Connector 89"/>
-            <p:cNvCxnSpPr/>
+            <p:cNvPr id="6" name="Straight Arrow Connector 5"/>
+            <p:cNvCxnSpPr>
+              <a:stCxn id="10" idx="2"/>
+              <a:endCxn id="19" idx="0"/>
+            </p:cNvCxnSpPr>
             <p:nvPr/>
           </p:nvCxnSpPr>
           <p:spPr>
             <a:xfrm>
-              <a:off x="6931819" y="1909762"/>
-              <a:ext cx="0" cy="1301698"/>
+              <a:off x="1447799" y="2057400"/>
+              <a:ext cx="13870" cy="366830"/>
+            </a:xfrm>
+            <a:prstGeom prst="straightConnector1">
+              <a:avLst/>
+            </a:prstGeom>
+            <a:ln w="12700">
+              <a:solidFill>
+                <a:schemeClr val="tx1"/>
+              </a:solidFill>
+              <a:tailEnd type="arrow"/>
+            </a:ln>
+          </p:spPr>
+          <p:style>
+            <a:lnRef idx="1">
+              <a:schemeClr val="accent1"/>
+            </a:lnRef>
+            <a:fillRef idx="0">
+              <a:schemeClr val="accent1"/>
+            </a:fillRef>
+            <a:effectRef idx="0">
+              <a:schemeClr val="accent1"/>
+            </a:effectRef>
+            <a:fontRef idx="minor">
+              <a:schemeClr val="tx1"/>
+            </a:fontRef>
+          </p:style>
+        </p:cxnSp>
+      </p:grpSp>
+      <p:grpSp>
+        <p:nvGrpSpPr>
+          <p:cNvPr id="83" name="Group 82"/>
+          <p:cNvGrpSpPr/>
+          <p:nvPr/>
+        </p:nvGrpSpPr>
+        <p:grpSpPr>
+          <a:xfrm>
+            <a:off x="1461669" y="2278915"/>
+            <a:ext cx="5624931" cy="845285"/>
+            <a:chOff x="1461669" y="2278915"/>
+            <a:chExt cx="5624931" cy="845285"/>
+          </a:xfrm>
+        </p:grpSpPr>
+        <p:sp>
+          <p:nvSpPr>
+            <p:cNvPr id="41" name="TextBox 40"/>
+            <p:cNvSpPr txBox="1"/>
+            <p:nvPr/>
+          </p:nvSpPr>
+          <p:spPr>
+            <a:xfrm>
+              <a:off x="2200809" y="2850922"/>
+              <a:ext cx="2111475" cy="215444"/>
+            </a:xfrm>
+            <a:prstGeom prst="rect">
+              <a:avLst/>
+            </a:prstGeom>
+            <a:noFill/>
+          </p:spPr>
+          <p:txBody>
+            <a:bodyPr wrap="none" rtlCol="0">
+              <a:spAutoFit/>
+            </a:bodyPr>
+            <a:lstStyle/>
+            <a:p>
+              <a:r>
+                <a:rPr lang="en-US" sz="800" dirty="0" smtClean="0"/>
+                <a:t>2. Forward request to the Slack Service</a:t>
+              </a:r>
+              <a:endParaRPr lang="en-US" sz="800" dirty="0"/>
+            </a:p>
+          </p:txBody>
+        </p:sp>
+        <p:cxnSp>
+          <p:nvCxnSpPr>
+            <p:cNvPr id="25" name="Straight Connector 24"/>
+            <p:cNvCxnSpPr>
+              <a:stCxn id="19" idx="2"/>
+            </p:cNvCxnSpPr>
+            <p:nvPr/>
+          </p:nvCxnSpPr>
+          <p:spPr>
+            <a:xfrm>
+              <a:off x="1461669" y="2743200"/>
+              <a:ext cx="0" cy="381000"/>
             </a:xfrm>
             <a:prstGeom prst="line">
               <a:avLst/>
@@ -5961,16 +5888,84 @@
         </p:cxnSp>
         <p:cxnSp>
           <p:nvCxnSpPr>
-            <p:cNvPr id="93" name="Straight Arrow Connector 92"/>
-            <p:cNvCxnSpPr>
-              <a:endCxn id="7" idx="3"/>
-            </p:cNvCxnSpPr>
+            <p:cNvPr id="32" name="Straight Connector 31"/>
+            <p:cNvCxnSpPr/>
             <p:nvPr/>
           </p:nvCxnSpPr>
           <p:spPr>
-            <a:xfrm flipH="1">
-              <a:off x="5105400" y="3206697"/>
-              <a:ext cx="1828800" cy="0"/>
+            <a:xfrm>
+              <a:off x="1461669" y="3124200"/>
+              <a:ext cx="5015331" cy="0"/>
+            </a:xfrm>
+            <a:prstGeom prst="line">
+              <a:avLst/>
+            </a:prstGeom>
+            <a:ln w="12700">
+              <a:solidFill>
+                <a:schemeClr val="tx1"/>
+              </a:solidFill>
+            </a:ln>
+          </p:spPr>
+          <p:style>
+            <a:lnRef idx="1">
+              <a:schemeClr val="accent1"/>
+            </a:lnRef>
+            <a:fillRef idx="0">
+              <a:schemeClr val="accent1"/>
+            </a:fillRef>
+            <a:effectRef idx="0">
+              <a:schemeClr val="accent1"/>
+            </a:effectRef>
+            <a:fontRef idx="minor">
+              <a:schemeClr val="tx1"/>
+            </a:fontRef>
+          </p:style>
+        </p:cxnSp>
+        <p:cxnSp>
+          <p:nvCxnSpPr>
+            <p:cNvPr id="35" name="Straight Connector 34"/>
+            <p:cNvCxnSpPr/>
+            <p:nvPr/>
+          </p:nvCxnSpPr>
+          <p:spPr>
+            <a:xfrm>
+              <a:off x="6477000" y="2278915"/>
+              <a:ext cx="0" cy="845285"/>
+            </a:xfrm>
+            <a:prstGeom prst="line">
+              <a:avLst/>
+            </a:prstGeom>
+            <a:ln w="12700">
+              <a:solidFill>
+                <a:schemeClr val="tx1"/>
+              </a:solidFill>
+            </a:ln>
+          </p:spPr>
+          <p:style>
+            <a:lnRef idx="1">
+              <a:schemeClr val="accent1"/>
+            </a:lnRef>
+            <a:fillRef idx="0">
+              <a:schemeClr val="accent1"/>
+            </a:fillRef>
+            <a:effectRef idx="0">
+              <a:schemeClr val="accent1"/>
+            </a:effectRef>
+            <a:fontRef idx="minor">
+              <a:schemeClr val="tx1"/>
+            </a:fontRef>
+          </p:style>
+        </p:cxnSp>
+        <p:cxnSp>
+          <p:nvCxnSpPr>
+            <p:cNvPr id="38" name="Straight Arrow Connector 37"/>
+            <p:cNvCxnSpPr/>
+            <p:nvPr/>
+          </p:nvCxnSpPr>
+          <p:spPr>
+            <a:xfrm>
+              <a:off x="6477000" y="2278915"/>
+              <a:ext cx="609600" cy="0"/>
             </a:xfrm>
             <a:prstGeom prst="straightConnector1">
               <a:avLst/>
@@ -5998,65 +5993,514 @@
           </p:style>
         </p:cxnSp>
       </p:grpSp>
-      <p:sp>
-        <p:nvSpPr>
-          <p:cNvPr id="100" name="TextBox 99"/>
-          <p:cNvSpPr txBox="1"/>
+      <p:grpSp>
+        <p:nvGrpSpPr>
+          <p:cNvPr id="84" name="Group 83"/>
+          <p:cNvGrpSpPr/>
           <p:nvPr/>
-        </p:nvSpPr>
-        <p:spPr>
+        </p:nvGrpSpPr>
+        <p:grpSpPr>
           <a:xfrm>
-            <a:off x="5872521" y="3242846"/>
-            <a:ext cx="1899879" cy="338554"/>
+            <a:off x="7467600" y="2850922"/>
+            <a:ext cx="1473480" cy="609093"/>
+            <a:chOff x="7467600" y="2850922"/>
+            <a:chExt cx="1473480" cy="609093"/>
           </a:xfrm>
-          <a:prstGeom prst="rect">
-            <a:avLst/>
-          </a:prstGeom>
-          <a:noFill/>
-        </p:spPr>
-        <p:txBody>
-          <a:bodyPr wrap="none" rtlCol="0">
-            <a:spAutoFit/>
-          </a:bodyPr>
-          <a:lstStyle/>
-          <a:p>
-            <a:r>
-              <a:rPr lang="en-US" sz="800" dirty="0" smtClean="0"/>
-              <a:t>7. Job Complete</a:t>
-            </a:r>
-          </a:p>
-          <a:p>
-            <a:r>
-              <a:rPr lang="en-US" sz="800" dirty="0" smtClean="0"/>
-              <a:t>8. Send job details to slack service</a:t>
-            </a:r>
-            <a:endParaRPr lang="en-US" sz="800" dirty="0"/>
-          </a:p>
-        </p:txBody>
-      </p:sp>
+        </p:grpSpPr>
+        <p:sp>
+          <p:nvSpPr>
+            <p:cNvPr id="33" name="TextBox 32"/>
+            <p:cNvSpPr txBox="1"/>
+            <p:nvPr/>
+          </p:nvSpPr>
+          <p:spPr>
+            <a:xfrm>
+              <a:off x="7467600" y="2996486"/>
+              <a:ext cx="1473480" cy="338554"/>
+            </a:xfrm>
+            <a:prstGeom prst="rect">
+              <a:avLst/>
+            </a:prstGeom>
+            <a:noFill/>
+          </p:spPr>
+          <p:txBody>
+            <a:bodyPr wrap="none" rtlCol="0">
+              <a:spAutoFit/>
+            </a:bodyPr>
+            <a:lstStyle/>
+            <a:p>
+              <a:r>
+                <a:rPr lang="en-US" sz="800" dirty="0" smtClean="0"/>
+                <a:t>3. Parse request from app</a:t>
+              </a:r>
+            </a:p>
+            <a:p>
+              <a:r>
+                <a:rPr lang="en-US" sz="800" dirty="0" smtClean="0"/>
+                <a:t>4. Submit job request</a:t>
+              </a:r>
+              <a:endParaRPr lang="en-US" sz="800" dirty="0"/>
+            </a:p>
+          </p:txBody>
+        </p:sp>
+        <p:cxnSp>
+          <p:nvCxnSpPr>
+            <p:cNvPr id="48" name="Straight Arrow Connector 47"/>
+            <p:cNvCxnSpPr/>
+            <p:nvPr/>
+          </p:nvCxnSpPr>
+          <p:spPr>
+            <a:xfrm>
+              <a:off x="7507785" y="2850922"/>
+              <a:ext cx="0" cy="609093"/>
+            </a:xfrm>
+            <a:prstGeom prst="straightConnector1">
+              <a:avLst/>
+            </a:prstGeom>
+            <a:ln w="12700">
+              <a:solidFill>
+                <a:schemeClr val="tx1"/>
+              </a:solidFill>
+              <a:tailEnd type="arrow"/>
+            </a:ln>
+          </p:spPr>
+          <p:style>
+            <a:lnRef idx="1">
+              <a:schemeClr val="accent1"/>
+            </a:lnRef>
+            <a:fillRef idx="0">
+              <a:schemeClr val="accent1"/>
+            </a:fillRef>
+            <a:effectRef idx="0">
+              <a:schemeClr val="accent1"/>
+            </a:effectRef>
+            <a:fontRef idx="minor">
+              <a:schemeClr val="tx1"/>
+            </a:fontRef>
+          </p:style>
+        </p:cxnSp>
+      </p:grpSp>
+      <p:grpSp>
+        <p:nvGrpSpPr>
+          <p:cNvPr id="85" name="Group 84"/>
+          <p:cNvGrpSpPr/>
+          <p:nvPr/>
+        </p:nvGrpSpPr>
+        <p:grpSpPr>
+          <a:xfrm>
+            <a:off x="2223670" y="3841014"/>
+            <a:ext cx="4862931" cy="1184374"/>
+            <a:chOff x="2223670" y="3841014"/>
+            <a:chExt cx="4862931" cy="1184374"/>
+          </a:xfrm>
+        </p:grpSpPr>
+        <p:sp>
+          <p:nvSpPr>
+            <p:cNvPr id="64" name="TextBox 63"/>
+            <p:cNvSpPr txBox="1"/>
+            <p:nvPr/>
+          </p:nvSpPr>
+          <p:spPr>
+            <a:xfrm>
+              <a:off x="3164931" y="4686834"/>
+              <a:ext cx="2321469" cy="338554"/>
+            </a:xfrm>
+            <a:prstGeom prst="rect">
+              <a:avLst/>
+            </a:prstGeom>
+            <a:noFill/>
+          </p:spPr>
+          <p:txBody>
+            <a:bodyPr wrap="none" rtlCol="0">
+              <a:spAutoFit/>
+            </a:bodyPr>
+            <a:lstStyle/>
+            <a:p>
+              <a:r>
+                <a:rPr lang="en-US" sz="800" dirty="0" smtClean="0"/>
+                <a:t>5. Compile browsers to test</a:t>
+              </a:r>
+            </a:p>
+            <a:p>
+              <a:r>
+                <a:rPr lang="en-US" sz="800" dirty="0" smtClean="0"/>
+                <a:t>6. Submit job request to Browserstack.com</a:t>
+              </a:r>
+              <a:endParaRPr lang="en-US" sz="800" dirty="0"/>
+            </a:p>
+          </p:txBody>
+        </p:sp>
+        <p:cxnSp>
+          <p:nvCxnSpPr>
+            <p:cNvPr id="54" name="Elbow Connector 53"/>
+            <p:cNvCxnSpPr>
+              <a:stCxn id="8" idx="1"/>
+              <a:endCxn id="12" idx="3"/>
+            </p:cNvCxnSpPr>
+            <p:nvPr/>
+          </p:nvCxnSpPr>
+          <p:spPr>
+            <a:xfrm rot="10800000" flipV="1">
+              <a:off x="2223670" y="3841014"/>
+              <a:ext cx="4862931" cy="807185"/>
+            </a:xfrm>
+            <a:prstGeom prst="bentConnector3">
+              <a:avLst/>
+            </a:prstGeom>
+            <a:ln w="12700">
+              <a:solidFill>
+                <a:schemeClr val="tx1"/>
+              </a:solidFill>
+              <a:tailEnd type="arrow"/>
+            </a:ln>
+          </p:spPr>
+          <p:style>
+            <a:lnRef idx="1">
+              <a:schemeClr val="accent1"/>
+            </a:lnRef>
+            <a:fillRef idx="0">
+              <a:schemeClr val="accent1"/>
+            </a:fillRef>
+            <a:effectRef idx="0">
+              <a:schemeClr val="accent1"/>
+            </a:effectRef>
+            <a:fontRef idx="minor">
+              <a:schemeClr val="tx1"/>
+            </a:fontRef>
+          </p:style>
+        </p:cxnSp>
+      </p:grpSp>
+      <p:grpSp>
+        <p:nvGrpSpPr>
+          <p:cNvPr id="87" name="Group 86"/>
+          <p:cNvGrpSpPr/>
+          <p:nvPr/>
+        </p:nvGrpSpPr>
+        <p:grpSpPr>
+          <a:xfrm>
+            <a:off x="2223669" y="2469922"/>
+            <a:ext cx="4862931" cy="2025878"/>
+            <a:chOff x="2223669" y="2469922"/>
+            <a:chExt cx="4862931" cy="2025878"/>
+          </a:xfrm>
+        </p:grpSpPr>
+        <p:cxnSp>
+          <p:nvCxnSpPr>
+            <p:cNvPr id="60" name="Straight Arrow Connector 59"/>
+            <p:cNvCxnSpPr>
+              <a:endCxn id="28" idx="1"/>
+            </p:cNvCxnSpPr>
+            <p:nvPr/>
+          </p:nvCxnSpPr>
+          <p:spPr>
+            <a:xfrm>
+              <a:off x="6705600" y="2469922"/>
+              <a:ext cx="381000" cy="0"/>
+            </a:xfrm>
+            <a:prstGeom prst="straightConnector1">
+              <a:avLst/>
+            </a:prstGeom>
+            <a:ln w="12700">
+              <a:solidFill>
+                <a:schemeClr val="tx1"/>
+              </a:solidFill>
+              <a:tailEnd type="arrow"/>
+            </a:ln>
+          </p:spPr>
+          <p:style>
+            <a:lnRef idx="1">
+              <a:schemeClr val="accent1"/>
+            </a:lnRef>
+            <a:fillRef idx="0">
+              <a:schemeClr val="accent1"/>
+            </a:fillRef>
+            <a:effectRef idx="0">
+              <a:schemeClr val="accent1"/>
+            </a:effectRef>
+            <a:fontRef idx="minor">
+              <a:schemeClr val="tx1"/>
+            </a:fontRef>
+          </p:style>
+        </p:cxnSp>
+        <p:cxnSp>
+          <p:nvCxnSpPr>
+            <p:cNvPr id="68" name="Straight Connector 67"/>
+            <p:cNvCxnSpPr/>
+            <p:nvPr/>
+          </p:nvCxnSpPr>
+          <p:spPr>
+            <a:xfrm>
+              <a:off x="6705600" y="2469922"/>
+              <a:ext cx="0" cy="806678"/>
+            </a:xfrm>
+            <a:prstGeom prst="line">
+              <a:avLst/>
+            </a:prstGeom>
+            <a:ln w="12700">
+              <a:solidFill>
+                <a:schemeClr val="tx1"/>
+              </a:solidFill>
+            </a:ln>
+          </p:spPr>
+          <p:style>
+            <a:lnRef idx="1">
+              <a:schemeClr val="accent1"/>
+            </a:lnRef>
+            <a:fillRef idx="0">
+              <a:schemeClr val="accent1"/>
+            </a:fillRef>
+            <a:effectRef idx="0">
+              <a:schemeClr val="accent1"/>
+            </a:effectRef>
+            <a:fontRef idx="minor">
+              <a:schemeClr val="tx1"/>
+            </a:fontRef>
+          </p:style>
+        </p:cxnSp>
+        <p:cxnSp>
+          <p:nvCxnSpPr>
+            <p:cNvPr id="70" name="Straight Connector 69"/>
+            <p:cNvCxnSpPr/>
+            <p:nvPr/>
+          </p:nvCxnSpPr>
+          <p:spPr>
+            <a:xfrm flipH="1">
+              <a:off x="2667000" y="3276600"/>
+              <a:ext cx="4038600" cy="0"/>
+            </a:xfrm>
+            <a:prstGeom prst="line">
+              <a:avLst/>
+            </a:prstGeom>
+            <a:ln w="12700">
+              <a:solidFill>
+                <a:schemeClr val="tx1"/>
+              </a:solidFill>
+            </a:ln>
+          </p:spPr>
+          <p:style>
+            <a:lnRef idx="1">
+              <a:schemeClr val="accent1"/>
+            </a:lnRef>
+            <a:fillRef idx="0">
+              <a:schemeClr val="accent1"/>
+            </a:fillRef>
+            <a:effectRef idx="0">
+              <a:schemeClr val="accent1"/>
+            </a:effectRef>
+            <a:fontRef idx="minor">
+              <a:schemeClr val="tx1"/>
+            </a:fontRef>
+          </p:style>
+        </p:cxnSp>
+        <p:sp>
+          <p:nvSpPr>
+            <p:cNvPr id="100" name="TextBox 99"/>
+            <p:cNvSpPr txBox="1"/>
+            <p:nvPr/>
+          </p:nvSpPr>
+          <p:spPr>
+            <a:xfrm>
+              <a:off x="3019394" y="3352800"/>
+              <a:ext cx="1899879" cy="338554"/>
+            </a:xfrm>
+            <a:prstGeom prst="rect">
+              <a:avLst/>
+            </a:prstGeom>
+            <a:noFill/>
+          </p:spPr>
+          <p:txBody>
+            <a:bodyPr wrap="none" rtlCol="0">
+              <a:spAutoFit/>
+            </a:bodyPr>
+            <a:lstStyle/>
+            <a:p>
+              <a:r>
+                <a:rPr lang="en-US" sz="800" dirty="0" smtClean="0"/>
+                <a:t>7. Job Complete</a:t>
+              </a:r>
+            </a:p>
+            <a:p>
+              <a:r>
+                <a:rPr lang="en-US" sz="800" dirty="0" smtClean="0"/>
+                <a:t>8. Send job details to slack service</a:t>
+              </a:r>
+              <a:endParaRPr lang="en-US" sz="800" dirty="0"/>
+            </a:p>
+          </p:txBody>
+        </p:sp>
+        <p:cxnSp>
+          <p:nvCxnSpPr>
+            <p:cNvPr id="73" name="Straight Connector 72"/>
+            <p:cNvCxnSpPr/>
+            <p:nvPr/>
+          </p:nvCxnSpPr>
+          <p:spPr>
+            <a:xfrm>
+              <a:off x="2667000" y="3276600"/>
+              <a:ext cx="0" cy="1219200"/>
+            </a:xfrm>
+            <a:prstGeom prst="line">
+              <a:avLst/>
+            </a:prstGeom>
+            <a:ln w="12700">
+              <a:solidFill>
+                <a:schemeClr val="tx1"/>
+              </a:solidFill>
+            </a:ln>
+          </p:spPr>
+          <p:style>
+            <a:lnRef idx="1">
+              <a:schemeClr val="accent1"/>
+            </a:lnRef>
+            <a:fillRef idx="0">
+              <a:schemeClr val="accent1"/>
+            </a:fillRef>
+            <a:effectRef idx="0">
+              <a:schemeClr val="accent1"/>
+            </a:effectRef>
+            <a:fontRef idx="minor">
+              <a:schemeClr val="tx1"/>
+            </a:fontRef>
+          </p:style>
+        </p:cxnSp>
+        <p:cxnSp>
+          <p:nvCxnSpPr>
+            <p:cNvPr id="77" name="Straight Connector 76"/>
+            <p:cNvCxnSpPr/>
+            <p:nvPr/>
+          </p:nvCxnSpPr>
+          <p:spPr>
+            <a:xfrm flipH="1">
+              <a:off x="2223669" y="4495800"/>
+              <a:ext cx="443331" cy="0"/>
+            </a:xfrm>
+            <a:prstGeom prst="line">
+              <a:avLst/>
+            </a:prstGeom>
+            <a:ln w="12700">
+              <a:solidFill>
+                <a:schemeClr val="tx1"/>
+              </a:solidFill>
+            </a:ln>
+          </p:spPr>
+          <p:style>
+            <a:lnRef idx="1">
+              <a:schemeClr val="accent1"/>
+            </a:lnRef>
+            <a:fillRef idx="0">
+              <a:schemeClr val="accent1"/>
+            </a:fillRef>
+            <a:effectRef idx="0">
+              <a:schemeClr val="accent1"/>
+            </a:effectRef>
+            <a:fontRef idx="minor">
+              <a:schemeClr val="tx1"/>
+            </a:fontRef>
+          </p:style>
+        </p:cxnSp>
+      </p:grpSp>
+      <p:grpSp>
+        <p:nvGrpSpPr>
+          <p:cNvPr id="89" name="Group 88"/>
+          <p:cNvGrpSpPr/>
+          <p:nvPr/>
+        </p:nvGrpSpPr>
+        <p:grpSpPr>
+          <a:xfrm>
+            <a:off x="2209799" y="1651456"/>
+            <a:ext cx="5638801" cy="437466"/>
+            <a:chOff x="2209799" y="1651456"/>
+            <a:chExt cx="5638801" cy="437466"/>
+          </a:xfrm>
+        </p:grpSpPr>
+        <p:sp>
+          <p:nvSpPr>
+            <p:cNvPr id="30" name="TextBox 29"/>
+            <p:cNvSpPr txBox="1"/>
+            <p:nvPr/>
+          </p:nvSpPr>
+          <p:spPr>
+            <a:xfrm>
+              <a:off x="3869503" y="1651456"/>
+              <a:ext cx="1571264" cy="215444"/>
+            </a:xfrm>
+            <a:prstGeom prst="rect">
+              <a:avLst/>
+            </a:prstGeom>
+            <a:noFill/>
+          </p:spPr>
+          <p:txBody>
+            <a:bodyPr wrap="none" rtlCol="0">
+              <a:spAutoFit/>
+            </a:bodyPr>
+            <a:lstStyle/>
+            <a:p>
+              <a:r>
+                <a:rPr lang="en-US" sz="800" dirty="0" smtClean="0"/>
+                <a:t>9. Post screenshots to Slack</a:t>
+              </a:r>
+              <a:endParaRPr lang="en-US" sz="800" dirty="0"/>
+            </a:p>
+          </p:txBody>
+        </p:sp>
+        <p:cxnSp>
+          <p:nvCxnSpPr>
+            <p:cNvPr id="82" name="Elbow Connector 81"/>
+            <p:cNvCxnSpPr>
+              <a:stCxn id="28" idx="0"/>
+              <a:endCxn id="10" idx="3"/>
+            </p:cNvCxnSpPr>
+            <p:nvPr/>
+          </p:nvCxnSpPr>
+          <p:spPr>
+            <a:xfrm rot="16200000" flipV="1">
+              <a:off x="4918189" y="-841490"/>
+              <a:ext cx="222022" cy="5638801"/>
+            </a:xfrm>
+            <a:prstGeom prst="bentConnector2">
+              <a:avLst/>
+            </a:prstGeom>
+            <a:ln w="12700">
+              <a:solidFill>
+                <a:schemeClr val="tx1"/>
+              </a:solidFill>
+              <a:tailEnd type="arrow"/>
+            </a:ln>
+          </p:spPr>
+          <p:style>
+            <a:lnRef idx="1">
+              <a:schemeClr val="accent1"/>
+            </a:lnRef>
+            <a:fillRef idx="0">
+              <a:schemeClr val="accent1"/>
+            </a:fillRef>
+            <a:effectRef idx="0">
+              <a:schemeClr val="accent1"/>
+            </a:effectRef>
+            <a:fontRef idx="minor">
+              <a:schemeClr val="tx1"/>
+            </a:fontRef>
+          </p:style>
+        </p:cxnSp>
+      </p:grpSp>
       <p:cxnSp>
         <p:nvCxnSpPr>
-          <p:cNvPr id="103" name="Elbow Connector 102"/>
-          <p:cNvCxnSpPr>
-            <a:endCxn id="10" idx="3"/>
-          </p:cNvCxnSpPr>
+          <p:cNvPr id="92" name="Straight Connector 91"/>
+          <p:cNvCxnSpPr/>
           <p:nvPr/>
         </p:nvCxnSpPr>
         <p:spPr>
-          <a:xfrm rot="10800000">
-            <a:off x="2209800" y="1562100"/>
-            <a:ext cx="2917015" cy="1485904"/>
+          <a:xfrm>
+            <a:off x="0" y="5715000"/>
+            <a:ext cx="9144000" cy="0"/>
           </a:xfrm>
-          <a:prstGeom prst="bentConnector3">
-            <a:avLst>
-              <a:gd name="adj1" fmla="val -32124"/>
-            </a:avLst>
+          <a:prstGeom prst="line">
+            <a:avLst/>
           </a:prstGeom>
-          <a:ln w="12700">
+          <a:ln>
             <a:solidFill>
               <a:schemeClr val="tx1"/>
             </a:solidFill>
-            <a:tailEnd type="arrow"/>
           </a:ln>
         </p:spPr>
         <p:style>
@@ -6074,36 +6518,6 @@
           </a:fontRef>
         </p:style>
       </p:cxnSp>
-      <p:sp>
-        <p:nvSpPr>
-          <p:cNvPr id="113" name="TextBox 112"/>
-          <p:cNvSpPr txBox="1"/>
-          <p:nvPr/>
-        </p:nvSpPr>
-        <p:spPr>
-          <a:xfrm>
-            <a:off x="3886200" y="1308556"/>
-            <a:ext cx="1571264" cy="215444"/>
-          </a:xfrm>
-          <a:prstGeom prst="rect">
-            <a:avLst/>
-          </a:prstGeom>
-          <a:noFill/>
-        </p:spPr>
-        <p:txBody>
-          <a:bodyPr wrap="none" rtlCol="0">
-            <a:spAutoFit/>
-          </a:bodyPr>
-          <a:lstStyle/>
-          <a:p>
-            <a:r>
-              <a:rPr lang="en-US" sz="800" dirty="0" smtClean="0"/>
-              <a:t>9. Post screenshots to Slack</a:t>
-            </a:r>
-            <a:endParaRPr lang="en-US" sz="800" dirty="0"/>
-          </a:p>
-        </p:txBody>
-      </p:sp>
     </p:spTree>
     <p:extLst>
       <p:ext uri="{BB962C8B-B14F-4D97-AF65-F5344CB8AC3E}">
@@ -6135,7 +6549,7 @@
                             </p:stCondLst>
                             <p:childTnLst>
                               <p:par>
-                                <p:cTn id="5" presetID="10" presetClass="entr" presetSubtype="0" fill="hold" grpId="0" nodeType="clickEffect">
+                                <p:cTn id="5" presetID="10" presetClass="entr" presetSubtype="0" fill="hold" nodeType="clickEffect">
                                   <p:stCondLst>
                                     <p:cond delay="0"/>
                                   </p:stCondLst>
@@ -6148,7 +6562,7 @@
                                           </p:stCondLst>
                                         </p:cTn>
                                         <p:tgtEl>
-                                          <p:spTgt spid="37"/>
+                                          <p:spTgt spid="88"/>
                                         </p:tgtEl>
                                         <p:attrNameLst>
                                           <p:attrName>style.visibility</p:attrName>
@@ -6162,42 +6576,7 @@
                                       <p:cBhvr>
                                         <p:cTn id="7" dur="500"/>
                                         <p:tgtEl>
-                                          <p:spTgt spid="37"/>
-                                        </p:tgtEl>
-                                      </p:cBhvr>
-                                    </p:animEffect>
-                                  </p:childTnLst>
-                                </p:cTn>
-                              </p:par>
-                              <p:par>
-                                <p:cTn id="8" presetID="10" presetClass="entr" presetSubtype="0" fill="hold" nodeType="withEffect">
-                                  <p:stCondLst>
-                                    <p:cond delay="0"/>
-                                  </p:stCondLst>
-                                  <p:childTnLst>
-                                    <p:set>
-                                      <p:cBhvr>
-                                        <p:cTn id="9" dur="1" fill="hold">
-                                          <p:stCondLst>
-                                            <p:cond delay="0"/>
-                                          </p:stCondLst>
-                                        </p:cTn>
-                                        <p:tgtEl>
-                                          <p:spTgt spid="23"/>
-                                        </p:tgtEl>
-                                        <p:attrNameLst>
-                                          <p:attrName>style.visibility</p:attrName>
-                                        </p:attrNameLst>
-                                      </p:cBhvr>
-                                      <p:to>
-                                        <p:strVal val="visible"/>
-                                      </p:to>
-                                    </p:set>
-                                    <p:animEffect transition="in" filter="fade">
-                                      <p:cBhvr>
-                                        <p:cTn id="10" dur="500"/>
-                                        <p:tgtEl>
-                                          <p:spTgt spid="23"/>
+                                          <p:spTgt spid="88"/>
                                         </p:tgtEl>
                                       </p:cBhvr>
                                     </p:animEffect>
@@ -6211,32 +6590,32 @@
                     </p:cTn>
                   </p:par>
                   <p:par>
-                    <p:cTn id="11" fill="hold">
+                    <p:cTn id="8" fill="hold">
                       <p:stCondLst>
                         <p:cond delay="indefinite"/>
                       </p:stCondLst>
                       <p:childTnLst>
                         <p:par>
-                          <p:cTn id="12" fill="hold">
+                          <p:cTn id="9" fill="hold">
                             <p:stCondLst>
                               <p:cond delay="0"/>
                             </p:stCondLst>
                             <p:childTnLst>
                               <p:par>
-                                <p:cTn id="13" presetID="10" presetClass="entr" presetSubtype="0" fill="hold" nodeType="clickEffect">
+                                <p:cTn id="10" presetID="10" presetClass="entr" presetSubtype="0" fill="hold" nodeType="clickEffect">
                                   <p:stCondLst>
                                     <p:cond delay="0"/>
                                   </p:stCondLst>
                                   <p:childTnLst>
                                     <p:set>
                                       <p:cBhvr>
-                                        <p:cTn id="14" dur="1" fill="hold">
+                                        <p:cTn id="11" dur="1" fill="hold">
                                           <p:stCondLst>
                                             <p:cond delay="0"/>
                                           </p:stCondLst>
                                         </p:cTn>
                                         <p:tgtEl>
-                                          <p:spTgt spid="40"/>
+                                          <p:spTgt spid="83"/>
                                         </p:tgtEl>
                                         <p:attrNameLst>
                                           <p:attrName>style.visibility</p:attrName>
@@ -6248,44 +6627,9 @@
                                     </p:set>
                                     <p:animEffect transition="in" filter="fade">
                                       <p:cBhvr>
-                                        <p:cTn id="15" dur="500"/>
+                                        <p:cTn id="12" dur="500"/>
                                         <p:tgtEl>
-                                          <p:spTgt spid="40"/>
-                                        </p:tgtEl>
-                                      </p:cBhvr>
-                                    </p:animEffect>
-                                  </p:childTnLst>
-                                </p:cTn>
-                              </p:par>
-                              <p:par>
-                                <p:cTn id="16" presetID="10" presetClass="entr" presetSubtype="0" fill="hold" grpId="0" nodeType="withEffect">
-                                  <p:stCondLst>
-                                    <p:cond delay="0"/>
-                                  </p:stCondLst>
-                                  <p:childTnLst>
-                                    <p:set>
-                                      <p:cBhvr>
-                                        <p:cTn id="17" dur="1" fill="hold">
-                                          <p:stCondLst>
-                                            <p:cond delay="0"/>
-                                          </p:stCondLst>
-                                        </p:cTn>
-                                        <p:tgtEl>
-                                          <p:spTgt spid="41"/>
-                                        </p:tgtEl>
-                                        <p:attrNameLst>
-                                          <p:attrName>style.visibility</p:attrName>
-                                        </p:attrNameLst>
-                                      </p:cBhvr>
-                                      <p:to>
-                                        <p:strVal val="visible"/>
-                                      </p:to>
-                                    </p:set>
-                                    <p:animEffect transition="in" filter="fade">
-                                      <p:cBhvr>
-                                        <p:cTn id="18" dur="500"/>
-                                        <p:tgtEl>
-                                          <p:spTgt spid="41"/>
+                                          <p:spTgt spid="83"/>
                                         </p:tgtEl>
                                       </p:cBhvr>
                                     </p:animEffect>
@@ -6299,32 +6643,32 @@
                     </p:cTn>
                   </p:par>
                   <p:par>
-                    <p:cTn id="19" fill="hold">
+                    <p:cTn id="13" fill="hold">
                       <p:stCondLst>
                         <p:cond delay="indefinite"/>
                       </p:stCondLst>
                       <p:childTnLst>
                         <p:par>
-                          <p:cTn id="20" fill="hold">
+                          <p:cTn id="14" fill="hold">
                             <p:stCondLst>
                               <p:cond delay="0"/>
                             </p:stCondLst>
                             <p:childTnLst>
                               <p:par>
-                                <p:cTn id="21" presetID="10" presetClass="entr" presetSubtype="0" fill="hold" grpId="0" nodeType="clickEffect">
+                                <p:cTn id="15" presetID="10" presetClass="entr" presetSubtype="0" fill="hold" nodeType="clickEffect">
                                   <p:stCondLst>
                                     <p:cond delay="0"/>
                                   </p:stCondLst>
                                   <p:childTnLst>
                                     <p:set>
                                       <p:cBhvr>
-                                        <p:cTn id="22" dur="1" fill="hold">
+                                        <p:cTn id="16" dur="1" fill="hold">
                                           <p:stCondLst>
                                             <p:cond delay="0"/>
                                           </p:stCondLst>
                                         </p:cTn>
                                         <p:tgtEl>
-                                          <p:spTgt spid="33"/>
+                                          <p:spTgt spid="84"/>
                                         </p:tgtEl>
                                         <p:attrNameLst>
                                           <p:attrName>style.visibility</p:attrName>
@@ -6336,44 +6680,9 @@
                                     </p:set>
                                     <p:animEffect transition="in" filter="fade">
                                       <p:cBhvr>
-                                        <p:cTn id="23" dur="500"/>
+                                        <p:cTn id="17" dur="500"/>
                                         <p:tgtEl>
-                                          <p:spTgt spid="33"/>
-                                        </p:tgtEl>
-                                      </p:cBhvr>
-                                    </p:animEffect>
-                                  </p:childTnLst>
-                                </p:cTn>
-                              </p:par>
-                              <p:par>
-                                <p:cTn id="24" presetID="10" presetClass="entr" presetSubtype="0" fill="hold" nodeType="withEffect">
-                                  <p:stCondLst>
-                                    <p:cond delay="0"/>
-                                  </p:stCondLst>
-                                  <p:childTnLst>
-                                    <p:set>
-                                      <p:cBhvr>
-                                        <p:cTn id="25" dur="1" fill="hold">
-                                          <p:stCondLst>
-                                            <p:cond delay="0"/>
-                                          </p:stCondLst>
-                                        </p:cTn>
-                                        <p:tgtEl>
-                                          <p:spTgt spid="29"/>
-                                        </p:tgtEl>
-                                        <p:attrNameLst>
-                                          <p:attrName>style.visibility</p:attrName>
-                                        </p:attrNameLst>
-                                      </p:cBhvr>
-                                      <p:to>
-                                        <p:strVal val="visible"/>
-                                      </p:to>
-                                    </p:set>
-                                    <p:animEffect transition="in" filter="fade">
-                                      <p:cBhvr>
-                                        <p:cTn id="26" dur="500"/>
-                                        <p:tgtEl>
-                                          <p:spTgt spid="29"/>
+                                          <p:spTgt spid="84"/>
                                         </p:tgtEl>
                                       </p:cBhvr>
                                     </p:animEffect>
@@ -6387,32 +6696,32 @@
                     </p:cTn>
                   </p:par>
                   <p:par>
-                    <p:cTn id="27" fill="hold">
+                    <p:cTn id="18" fill="hold">
                       <p:stCondLst>
                         <p:cond delay="indefinite"/>
                       </p:stCondLst>
                       <p:childTnLst>
                         <p:par>
-                          <p:cTn id="28" fill="hold">
+                          <p:cTn id="19" fill="hold">
                             <p:stCondLst>
                               <p:cond delay="0"/>
                             </p:stCondLst>
                             <p:childTnLst>
                               <p:par>
-                                <p:cTn id="29" presetID="10" presetClass="entr" presetSubtype="0" fill="hold" nodeType="clickEffect">
+                                <p:cTn id="20" presetID="10" presetClass="entr" presetSubtype="0" fill="hold" nodeType="clickEffect">
                                   <p:stCondLst>
                                     <p:cond delay="0"/>
                                   </p:stCondLst>
                                   <p:childTnLst>
                                     <p:set>
                                       <p:cBhvr>
-                                        <p:cTn id="30" dur="1" fill="hold">
+                                        <p:cTn id="21" dur="1" fill="hold">
                                           <p:stCondLst>
                                             <p:cond delay="0"/>
                                           </p:stCondLst>
                                         </p:cTn>
                                         <p:tgtEl>
-                                          <p:spTgt spid="55"/>
+                                          <p:spTgt spid="85"/>
                                         </p:tgtEl>
                                         <p:attrNameLst>
                                           <p:attrName>style.visibility</p:attrName>
@@ -6424,44 +6733,9 @@
                                     </p:set>
                                     <p:animEffect transition="in" filter="fade">
                                       <p:cBhvr>
-                                        <p:cTn id="31" dur="500"/>
+                                        <p:cTn id="22" dur="500"/>
                                         <p:tgtEl>
-                                          <p:spTgt spid="55"/>
-                                        </p:tgtEl>
-                                      </p:cBhvr>
-                                    </p:animEffect>
-                                  </p:childTnLst>
-                                </p:cTn>
-                              </p:par>
-                              <p:par>
-                                <p:cTn id="32" presetID="10" presetClass="entr" presetSubtype="0" fill="hold" grpId="0" nodeType="withEffect">
-                                  <p:stCondLst>
-                                    <p:cond delay="0"/>
-                                  </p:stCondLst>
-                                  <p:childTnLst>
-                                    <p:set>
-                                      <p:cBhvr>
-                                        <p:cTn id="33" dur="1" fill="hold">
-                                          <p:stCondLst>
-                                            <p:cond delay="0"/>
-                                          </p:stCondLst>
-                                        </p:cTn>
-                                        <p:tgtEl>
-                                          <p:spTgt spid="64"/>
-                                        </p:tgtEl>
-                                        <p:attrNameLst>
-                                          <p:attrName>style.visibility</p:attrName>
-                                        </p:attrNameLst>
-                                      </p:cBhvr>
-                                      <p:to>
-                                        <p:strVal val="visible"/>
-                                      </p:to>
-                                    </p:set>
-                                    <p:animEffect transition="in" filter="fade">
-                                      <p:cBhvr>
-                                        <p:cTn id="34" dur="500"/>
-                                        <p:tgtEl>
-                                          <p:spTgt spid="64"/>
+                                          <p:spTgt spid="85"/>
                                         </p:tgtEl>
                                       </p:cBhvr>
                                     </p:animEffect>
@@ -6475,32 +6749,32 @@
                     </p:cTn>
                   </p:par>
                   <p:par>
-                    <p:cTn id="35" fill="hold">
+                    <p:cTn id="23" fill="hold">
                       <p:stCondLst>
                         <p:cond delay="indefinite"/>
                       </p:stCondLst>
                       <p:childTnLst>
                         <p:par>
-                          <p:cTn id="36" fill="hold">
+                          <p:cTn id="24" fill="hold">
                             <p:stCondLst>
                               <p:cond delay="0"/>
                             </p:stCondLst>
                             <p:childTnLst>
                               <p:par>
-                                <p:cTn id="37" presetID="10" presetClass="entr" presetSubtype="0" fill="hold" grpId="0" nodeType="clickEffect">
+                                <p:cTn id="25" presetID="10" presetClass="entr" presetSubtype="0" fill="hold" nodeType="clickEffect">
                                   <p:stCondLst>
                                     <p:cond delay="0"/>
                                   </p:stCondLst>
                                   <p:childTnLst>
                                     <p:set>
                                       <p:cBhvr>
-                                        <p:cTn id="38" dur="1" fill="hold">
+                                        <p:cTn id="26" dur="1" fill="hold">
                                           <p:stCondLst>
                                             <p:cond delay="0"/>
                                           </p:stCondLst>
                                         </p:cTn>
                                         <p:tgtEl>
-                                          <p:spTgt spid="100"/>
+                                          <p:spTgt spid="87"/>
                                         </p:tgtEl>
                                         <p:attrNameLst>
                                           <p:attrName>style.visibility</p:attrName>
@@ -6512,44 +6786,9 @@
                                     </p:set>
                                     <p:animEffect transition="in" filter="fade">
                                       <p:cBhvr>
-                                        <p:cTn id="39" dur="500"/>
+                                        <p:cTn id="27" dur="500"/>
                                         <p:tgtEl>
-                                          <p:spTgt spid="100"/>
-                                        </p:tgtEl>
-                                      </p:cBhvr>
-                                    </p:animEffect>
-                                  </p:childTnLst>
-                                </p:cTn>
-                              </p:par>
-                              <p:par>
-                                <p:cTn id="40" presetID="10" presetClass="entr" presetSubtype="0" fill="hold" nodeType="withEffect">
-                                  <p:stCondLst>
-                                    <p:cond delay="0"/>
-                                  </p:stCondLst>
-                                  <p:childTnLst>
-                                    <p:set>
-                                      <p:cBhvr>
-                                        <p:cTn id="41" dur="1" fill="hold">
-                                          <p:stCondLst>
-                                            <p:cond delay="0"/>
-                                          </p:stCondLst>
-                                        </p:cTn>
-                                        <p:tgtEl>
-                                          <p:spTgt spid="98"/>
-                                        </p:tgtEl>
-                                        <p:attrNameLst>
-                                          <p:attrName>style.visibility</p:attrName>
-                                        </p:attrNameLst>
-                                      </p:cBhvr>
-                                      <p:to>
-                                        <p:strVal val="visible"/>
-                                      </p:to>
-                                    </p:set>
-                                    <p:animEffect transition="in" filter="fade">
-                                      <p:cBhvr>
-                                        <p:cTn id="42" dur="500"/>
-                                        <p:tgtEl>
-                                          <p:spTgt spid="98"/>
+                                          <p:spTgt spid="87"/>
                                         </p:tgtEl>
                                       </p:cBhvr>
                                     </p:animEffect>
@@ -6563,32 +6802,32 @@
                     </p:cTn>
                   </p:par>
                   <p:par>
-                    <p:cTn id="43" fill="hold">
+                    <p:cTn id="28" fill="hold">
                       <p:stCondLst>
                         <p:cond delay="indefinite"/>
                       </p:stCondLst>
                       <p:childTnLst>
                         <p:par>
-                          <p:cTn id="44" fill="hold">
+                          <p:cTn id="29" fill="hold">
                             <p:stCondLst>
                               <p:cond delay="0"/>
                             </p:stCondLst>
                             <p:childTnLst>
                               <p:par>
-                                <p:cTn id="45" presetID="10" presetClass="entr" presetSubtype="0" fill="hold" nodeType="clickEffect">
+                                <p:cTn id="30" presetID="10" presetClass="entr" presetSubtype="0" fill="hold" nodeType="clickEffect">
                                   <p:stCondLst>
                                     <p:cond delay="0"/>
                                   </p:stCondLst>
                                   <p:childTnLst>
                                     <p:set>
                                       <p:cBhvr>
-                                        <p:cTn id="46" dur="1" fill="hold">
+                                        <p:cTn id="31" dur="1" fill="hold">
                                           <p:stCondLst>
                                             <p:cond delay="0"/>
                                           </p:stCondLst>
                                         </p:cTn>
                                         <p:tgtEl>
-                                          <p:spTgt spid="103"/>
+                                          <p:spTgt spid="89"/>
                                         </p:tgtEl>
                                         <p:attrNameLst>
                                           <p:attrName>style.visibility</p:attrName>
@@ -6600,44 +6839,9 @@
                                     </p:set>
                                     <p:animEffect transition="in" filter="fade">
                                       <p:cBhvr>
-                                        <p:cTn id="47" dur="500"/>
+                                        <p:cTn id="32" dur="500"/>
                                         <p:tgtEl>
-                                          <p:spTgt spid="103"/>
-                                        </p:tgtEl>
-                                      </p:cBhvr>
-                                    </p:animEffect>
-                                  </p:childTnLst>
-                                </p:cTn>
-                              </p:par>
-                              <p:par>
-                                <p:cTn id="48" presetID="10" presetClass="entr" presetSubtype="0" fill="hold" grpId="0" nodeType="withEffect">
-                                  <p:stCondLst>
-                                    <p:cond delay="0"/>
-                                  </p:stCondLst>
-                                  <p:childTnLst>
-                                    <p:set>
-                                      <p:cBhvr>
-                                        <p:cTn id="49" dur="1" fill="hold">
-                                          <p:stCondLst>
-                                            <p:cond delay="0"/>
-                                          </p:stCondLst>
-                                        </p:cTn>
-                                        <p:tgtEl>
-                                          <p:spTgt spid="113"/>
-                                        </p:tgtEl>
-                                        <p:attrNameLst>
-                                          <p:attrName>style.visibility</p:attrName>
-                                        </p:attrNameLst>
-                                      </p:cBhvr>
-                                      <p:to>
-                                        <p:strVal val="visible"/>
-                                      </p:to>
-                                    </p:set>
-                                    <p:animEffect transition="in" filter="fade">
-                                      <p:cBhvr>
-                                        <p:cTn id="50" dur="500"/>
-                                        <p:tgtEl>
-                                          <p:spTgt spid="113"/>
+                                          <p:spTgt spid="89"/>
                                         </p:tgtEl>
                                       </p:cBhvr>
                                     </p:animEffect>
@@ -6671,14 +6875,6 @@
         </p:cTn>
       </p:par>
     </p:tnLst>
-    <p:bldLst>
-      <p:bldP spid="33" grpId="0"/>
-      <p:bldP spid="37" grpId="0"/>
-      <p:bldP spid="41" grpId="0"/>
-      <p:bldP spid="64" grpId="0"/>
-      <p:bldP spid="100" grpId="0"/>
-      <p:bldP spid="113" grpId="0"/>
-    </p:bldLst>
   </p:timing>
 </p:sld>
 </file>
@@ -6710,41 +6906,105 @@
             <p:ph idx="1"/>
           </p:nvPr>
         </p:nvSpPr>
-        <p:spPr/>
-        <p:txBody>
-          <a:bodyPr/>
+        <p:spPr>
+          <a:xfrm>
+            <a:off x="457200" y="1295400"/>
+            <a:ext cx="8229600" cy="4711891"/>
+          </a:xfrm>
+        </p:spPr>
+        <p:txBody>
+          <a:bodyPr>
+            <a:normAutofit/>
+          </a:bodyPr>
           <a:lstStyle/>
           <a:p>
-            <a:r>
-              <a:rPr lang="en-US" dirty="0" smtClean="0"/>
-              <a:t>Slack Card to select browsers/devices</a:t>
-            </a:r>
-          </a:p>
-          <a:p>
-            <a:r>
-              <a:rPr lang="en-US" dirty="0" smtClean="0"/>
-              <a:t>Choose which channel to post screenshots to</a:t>
-            </a:r>
-          </a:p>
-          <a:p>
-            <a:r>
-              <a:rPr lang="en-US" dirty="0" err="1" smtClean="0"/>
-              <a:t>Url</a:t>
-            </a:r>
-            <a:r>
-              <a:rPr lang="en-US" dirty="0" smtClean="0"/>
-              <a:t> validation</a:t>
-            </a:r>
-          </a:p>
-          <a:p>
-            <a:endParaRPr lang="en-US" dirty="0"/>
-          </a:p>
-          <a:p>
-            <a:r>
-              <a:rPr lang="en-US" dirty="0" smtClean="0"/>
-              <a:t>Precursor to UI Automation</a:t>
-            </a:r>
-            <a:endParaRPr lang="en-US" dirty="0"/>
+            <a:pPr marL="109728" indent="0">
+              <a:buNone/>
+            </a:pPr>
+            <a:r>
+              <a:rPr lang="en-US" sz="2800" b="1" dirty="0" smtClean="0"/>
+              <a:t>MVP</a:t>
+            </a:r>
+          </a:p>
+          <a:p>
+            <a:r>
+              <a:rPr lang="en-US" sz="1800" dirty="0" smtClean="0"/>
+              <a:t>Trigger command from slack</a:t>
+            </a:r>
+          </a:p>
+          <a:p>
+            <a:r>
+              <a:rPr lang="en-US" sz="1800" dirty="0" smtClean="0"/>
+              <a:t>Generate screenshots for Desktop/Tablet/Mobile platforms</a:t>
+            </a:r>
+          </a:p>
+          <a:p>
+            <a:r>
+              <a:rPr lang="en-US" sz="1800" dirty="0" smtClean="0"/>
+              <a:t>Post screenshot zip back to a specific channel</a:t>
+            </a:r>
+          </a:p>
+          <a:p>
+            <a:r>
+              <a:rPr lang="en-US" sz="1800" dirty="0" smtClean="0"/>
+              <a:t>Logging of events to a filesystem</a:t>
+            </a:r>
+            <a:endParaRPr lang="en-US" sz="1800" dirty="0" smtClean="0"/>
+          </a:p>
+          <a:p>
+            <a:pPr marL="109728" indent="0">
+              <a:buNone/>
+            </a:pPr>
+            <a:r>
+              <a:rPr lang="en-US" sz="2800" b="1" dirty="0" smtClean="0"/>
+              <a:t>Version 2</a:t>
+            </a:r>
+          </a:p>
+          <a:p>
+            <a:r>
+              <a:rPr lang="en-US" sz="1800" dirty="0" smtClean="0"/>
+              <a:t>Post screenshot zip back to the same channel that triggered command</a:t>
+            </a:r>
+          </a:p>
+          <a:p>
+            <a:r>
+              <a:rPr lang="en-US" sz="1800" dirty="0" smtClean="0"/>
+              <a:t>Allow choose to get zip or to get screenshots posted to channel</a:t>
+            </a:r>
+          </a:p>
+          <a:p>
+            <a:pPr marL="109728" indent="0">
+              <a:buNone/>
+            </a:pPr>
+            <a:r>
+              <a:rPr lang="en-US" sz="2800" b="1" dirty="0" smtClean="0"/>
+              <a:t>Future</a:t>
+            </a:r>
+          </a:p>
+          <a:p>
+            <a:r>
+              <a:rPr lang="en-US" sz="1800" dirty="0" smtClean="0"/>
+              <a:t>Allow selection of devices for screenshots</a:t>
+            </a:r>
+          </a:p>
+          <a:p>
+            <a:r>
+              <a:rPr lang="en-US" sz="1800" dirty="0" smtClean="0"/>
+              <a:t>View screenshots results on a website dashboard</a:t>
+            </a:r>
+          </a:p>
+          <a:p>
+            <a:r>
+              <a:rPr lang="en-US" sz="1800" dirty="0" smtClean="0"/>
+              <a:t>Merge into UI Tool</a:t>
+            </a:r>
+            <a:endParaRPr lang="en-US" sz="1800" dirty="0" smtClean="0"/>
+          </a:p>
+          <a:p>
+            <a:endParaRPr lang="en-US" sz="1800" dirty="0" smtClean="0"/>
+          </a:p>
+          <a:p>
+            <a:endParaRPr lang="en-US" sz="1800" dirty="0"/>
           </a:p>
         </p:txBody>
       </p:sp>
@@ -6765,11 +7025,7 @@
           <a:p>
             <a:r>
               <a:rPr lang="en-US" dirty="0" smtClean="0"/>
-              <a:t>Future </a:t>
-            </a:r>
-            <a:r>
-              <a:rPr lang="en-US" dirty="0" err="1" smtClean="0"/>
-              <a:t>enchancements</a:t>
+              <a:t>Product Roadmap</a:t>
             </a:r>
             <a:endParaRPr lang="en-US" dirty="0"/>
           </a:p>
